--- a/temp/demo01.pptx
+++ b/temp/demo01.pptx
@@ -5,13 +5,18 @@
     <p:sldMasterId id="2147483648" r:id="rId1"/>
   </p:sldMasterIdLst>
   <p:notesMasterIdLst>
-    <p:notesMasterId r:id="rId6"/>
+    <p:notesMasterId r:id="rId11"/>
   </p:notesMasterIdLst>
   <p:sldIdLst>
-    <p:sldId id="256" r:id="rId2"/>
-    <p:sldId id="259" r:id="rId3"/>
-    <p:sldId id="257" r:id="rId4"/>
-    <p:sldId id="258" r:id="rId5"/>
+    <p:sldId id="264" r:id="rId2"/>
+    <p:sldId id="265" r:id="rId3"/>
+    <p:sldId id="259" r:id="rId4"/>
+    <p:sldId id="262" r:id="rId5"/>
+    <p:sldId id="263" r:id="rId6"/>
+    <p:sldId id="261" r:id="rId7"/>
+    <p:sldId id="260" r:id="rId8"/>
+    <p:sldId id="257" r:id="rId9"/>
+    <p:sldId id="258" r:id="rId10"/>
   </p:sldIdLst>
   <p:sldSz cx="9144000" cy="6858000" type="screen4x3"/>
   <p:notesSz cx="6858000" cy="9144000"/>
@@ -115,8 +120,13 @@
       <p14:sectionLst xmlns:p14="http://schemas.microsoft.com/office/powerpoint/2010/main">
         <p14:section name="Top1" id="{AC9A3F08-F114-435B-961E-7729393DE2AB}">
           <p14:sldIdLst>
-            <p14:sldId id="256"/>
+            <p14:sldId id="264"/>
+            <p14:sldId id="265"/>
             <p14:sldId id="259"/>
+            <p14:sldId id="262"/>
+            <p14:sldId id="263"/>
+            <p14:sldId id="261"/>
+            <p14:sldId id="260"/>
           </p14:sldIdLst>
         </p14:section>
         <p14:section name="Top2" id="{DB4E61EE-AA3B-4133-8D2B-2A2C66CEAB13}">
@@ -129,6 +139,5953 @@
     </p:ext>
   </p:extLst>
 </p:presentation>
+</file>
+
+<file path=ppt/charts/chart1.xml><?xml version="1.0" encoding="utf-8"?>
+<c:chartSpace xmlns:c="http://schemas.openxmlformats.org/drawingml/2006/chart" xmlns:a="http://schemas.openxmlformats.org/drawingml/2006/main" xmlns:r="http://schemas.openxmlformats.org/officeDocument/2006/relationships">
+  <c:date1904 val="0"/>
+  <c:lang val="zh-CN"/>
+  <c:roundedCorners val="0"/>
+  <mc:AlternateContent xmlns:mc="http://schemas.openxmlformats.org/markup-compatibility/2006">
+    <mc:Choice xmlns:c14="http://schemas.microsoft.com/office/drawing/2007/8/2/chart" Requires="c14">
+      <c14:style val="102"/>
+    </mc:Choice>
+    <mc:Fallback>
+      <c:style val="2"/>
+    </mc:Fallback>
+  </mc:AlternateContent>
+  <c:chart>
+    <c:autoTitleDeleted val="0"/>
+    <c:view3D>
+      <c:rotX val="15"/>
+      <c:rotY val="20"/>
+      <c:rAngAx val="0"/>
+      <c:perspective val="30"/>
+    </c:view3D>
+    <c:floor>
+      <c:thickness val="0"/>
+    </c:floor>
+    <c:sideWall>
+      <c:thickness val="0"/>
+    </c:sideWall>
+    <c:backWall>
+      <c:thickness val="0"/>
+    </c:backWall>
+    <c:plotArea>
+      <c:layout/>
+      <c:line3DChart>
+        <c:grouping val="standard"/>
+        <c:varyColors val="0"/>
+        <c:ser>
+          <c:idx val="0"/>
+          <c:order val="0"/>
+          <c:tx>
+            <c:strRef>
+              <c:f>Sheet1!$B$1</c:f>
+              <c:strCache>
+                <c:ptCount val="1"/>
+                <c:pt idx="0">
+                  <c:v>系列 1</c:v>
+                </c:pt>
+              </c:strCache>
+            </c:strRef>
+          </c:tx>
+          <c:cat>
+            <c:strRef>
+              <c:f>Sheet1!$A$2:$A$5</c:f>
+              <c:strCache>
+                <c:ptCount val="4"/>
+                <c:pt idx="0">
+                  <c:v>类别 1</c:v>
+                </c:pt>
+                <c:pt idx="1">
+                  <c:v>类别 2</c:v>
+                </c:pt>
+                <c:pt idx="2">
+                  <c:v>类别 3</c:v>
+                </c:pt>
+                <c:pt idx="3">
+                  <c:v>类别 4</c:v>
+                </c:pt>
+              </c:strCache>
+            </c:strRef>
+          </c:cat>
+          <c:val>
+            <c:numRef>
+              <c:f>Sheet1!$B$2:$B$5</c:f>
+              <c:numCache>
+                <c:formatCode>General</c:formatCode>
+                <c:ptCount val="4"/>
+                <c:pt idx="0">
+                  <c:v>4.3</c:v>
+                </c:pt>
+                <c:pt idx="1">
+                  <c:v>2.5</c:v>
+                </c:pt>
+                <c:pt idx="2">
+                  <c:v>3.5</c:v>
+                </c:pt>
+                <c:pt idx="3">
+                  <c:v>4.5</c:v>
+                </c:pt>
+              </c:numCache>
+            </c:numRef>
+          </c:val>
+          <c:smooth val="0"/>
+        </c:ser>
+        <c:ser>
+          <c:idx val="1"/>
+          <c:order val="1"/>
+          <c:tx>
+            <c:strRef>
+              <c:f>Sheet1!$C$1</c:f>
+              <c:strCache>
+                <c:ptCount val="1"/>
+                <c:pt idx="0">
+                  <c:v>系列 2</c:v>
+                </c:pt>
+              </c:strCache>
+            </c:strRef>
+          </c:tx>
+          <c:cat>
+            <c:strRef>
+              <c:f>Sheet1!$A$2:$A$5</c:f>
+              <c:strCache>
+                <c:ptCount val="4"/>
+                <c:pt idx="0">
+                  <c:v>类别 1</c:v>
+                </c:pt>
+                <c:pt idx="1">
+                  <c:v>类别 2</c:v>
+                </c:pt>
+                <c:pt idx="2">
+                  <c:v>类别 3</c:v>
+                </c:pt>
+                <c:pt idx="3">
+                  <c:v>类别 4</c:v>
+                </c:pt>
+              </c:strCache>
+            </c:strRef>
+          </c:cat>
+          <c:val>
+            <c:numRef>
+              <c:f>Sheet1!$C$2:$C$5</c:f>
+              <c:numCache>
+                <c:formatCode>General</c:formatCode>
+                <c:ptCount val="4"/>
+                <c:pt idx="0">
+                  <c:v>2.4</c:v>
+                </c:pt>
+                <c:pt idx="1">
+                  <c:v>4.4000000000000004</c:v>
+                </c:pt>
+                <c:pt idx="2">
+                  <c:v>1.8</c:v>
+                </c:pt>
+                <c:pt idx="3">
+                  <c:v>2.8</c:v>
+                </c:pt>
+              </c:numCache>
+            </c:numRef>
+          </c:val>
+          <c:smooth val="0"/>
+        </c:ser>
+        <c:ser>
+          <c:idx val="2"/>
+          <c:order val="2"/>
+          <c:tx>
+            <c:strRef>
+              <c:f>Sheet1!$D$1</c:f>
+              <c:strCache>
+                <c:ptCount val="1"/>
+                <c:pt idx="0">
+                  <c:v>系列 3</c:v>
+                </c:pt>
+              </c:strCache>
+            </c:strRef>
+          </c:tx>
+          <c:cat>
+            <c:strRef>
+              <c:f>Sheet1!$A$2:$A$5</c:f>
+              <c:strCache>
+                <c:ptCount val="4"/>
+                <c:pt idx="0">
+                  <c:v>类别 1</c:v>
+                </c:pt>
+                <c:pt idx="1">
+                  <c:v>类别 2</c:v>
+                </c:pt>
+                <c:pt idx="2">
+                  <c:v>类别 3</c:v>
+                </c:pt>
+                <c:pt idx="3">
+                  <c:v>类别 4</c:v>
+                </c:pt>
+              </c:strCache>
+            </c:strRef>
+          </c:cat>
+          <c:val>
+            <c:numRef>
+              <c:f>Sheet1!$D$2:$D$5</c:f>
+              <c:numCache>
+                <c:formatCode>General</c:formatCode>
+                <c:ptCount val="4"/>
+                <c:pt idx="0">
+                  <c:v>2</c:v>
+                </c:pt>
+                <c:pt idx="1">
+                  <c:v>2</c:v>
+                </c:pt>
+                <c:pt idx="2">
+                  <c:v>3</c:v>
+                </c:pt>
+                <c:pt idx="3">
+                  <c:v>5</c:v>
+                </c:pt>
+              </c:numCache>
+            </c:numRef>
+          </c:val>
+          <c:smooth val="0"/>
+        </c:ser>
+        <c:dLbls>
+          <c:showLegendKey val="0"/>
+          <c:showVal val="0"/>
+          <c:showCatName val="0"/>
+          <c:showSerName val="0"/>
+          <c:showPercent val="0"/>
+          <c:showBubbleSize val="0"/>
+        </c:dLbls>
+        <c:axId val="257655552"/>
+        <c:axId val="257657088"/>
+        <c:axId val="257472704"/>
+      </c:line3DChart>
+      <c:catAx>
+        <c:axId val="257655552"/>
+        <c:scaling>
+          <c:orientation val="minMax"/>
+        </c:scaling>
+        <c:delete val="0"/>
+        <c:axPos val="b"/>
+        <c:majorTickMark val="out"/>
+        <c:minorTickMark val="none"/>
+        <c:tickLblPos val="nextTo"/>
+        <c:crossAx val="257657088"/>
+        <c:crosses val="autoZero"/>
+        <c:auto val="1"/>
+        <c:lblAlgn val="ctr"/>
+        <c:lblOffset val="100"/>
+        <c:noMultiLvlLbl val="0"/>
+      </c:catAx>
+      <c:valAx>
+        <c:axId val="257657088"/>
+        <c:scaling>
+          <c:orientation val="minMax"/>
+        </c:scaling>
+        <c:delete val="0"/>
+        <c:axPos val="l"/>
+        <c:majorGridlines/>
+        <c:numFmt formatCode="General" sourceLinked="1"/>
+        <c:majorTickMark val="out"/>
+        <c:minorTickMark val="none"/>
+        <c:tickLblPos val="nextTo"/>
+        <c:crossAx val="257655552"/>
+        <c:crosses val="autoZero"/>
+        <c:crossBetween val="between"/>
+      </c:valAx>
+      <c:serAx>
+        <c:axId val="257472704"/>
+        <c:scaling>
+          <c:orientation val="minMax"/>
+        </c:scaling>
+        <c:delete val="0"/>
+        <c:axPos val="b"/>
+        <c:majorTickMark val="out"/>
+        <c:minorTickMark val="none"/>
+        <c:tickLblPos val="nextTo"/>
+        <c:crossAx val="257657088"/>
+        <c:crosses val="autoZero"/>
+      </c:serAx>
+    </c:plotArea>
+    <c:legend>
+      <c:legendPos val="r"/>
+      <c:layout/>
+      <c:overlay val="0"/>
+    </c:legend>
+    <c:plotVisOnly val="1"/>
+    <c:dispBlanksAs val="gap"/>
+    <c:showDLblsOverMax val="0"/>
+  </c:chart>
+  <c:txPr>
+    <a:bodyPr/>
+    <a:lstStyle/>
+    <a:p>
+      <a:pPr>
+        <a:defRPr sz="1800"/>
+      </a:pPr>
+      <a:endParaRPr lang="zh-CN"/>
+    </a:p>
+  </c:txPr>
+  <c:externalData r:id="rId1">
+    <c:autoUpdate val="0"/>
+  </c:externalData>
+</c:chartSpace>
+</file>
+
+<file path=ppt/diagrams/colors1.xml><?xml version="1.0" encoding="utf-8"?>
+<dgm:colorsDef xmlns:dgm="http://schemas.openxmlformats.org/drawingml/2006/diagram" xmlns:a="http://schemas.openxmlformats.org/drawingml/2006/main" uniqueId="urn:microsoft.com/office/officeart/2005/8/colors/accent1_2">
+  <dgm:title val=""/>
+  <dgm:desc val=""/>
+  <dgm:catLst>
+    <dgm:cat type="accent1" pri="11200"/>
+  </dgm:catLst>
+  <dgm:styleLbl name="node0">
+    <dgm:fillClrLst meth="repeat">
+      <a:schemeClr val="accent1"/>
+    </dgm:fillClrLst>
+    <dgm:linClrLst meth="repeat">
+      <a:schemeClr val="lt1"/>
+    </dgm:linClrLst>
+    <dgm:effectClrLst/>
+    <dgm:txLinClrLst/>
+    <dgm:txFillClrLst/>
+    <dgm:txEffectClrLst/>
+  </dgm:styleLbl>
+  <dgm:styleLbl name="alignNode1">
+    <dgm:fillClrLst meth="repeat">
+      <a:schemeClr val="accent1"/>
+    </dgm:fillClrLst>
+    <dgm:linClrLst meth="repeat">
+      <a:schemeClr val="accent1"/>
+    </dgm:linClrLst>
+    <dgm:effectClrLst/>
+    <dgm:txLinClrLst/>
+    <dgm:txFillClrLst/>
+    <dgm:txEffectClrLst/>
+  </dgm:styleLbl>
+  <dgm:styleLbl name="node1">
+    <dgm:fillClrLst meth="repeat">
+      <a:schemeClr val="accent1"/>
+    </dgm:fillClrLst>
+    <dgm:linClrLst meth="repeat">
+      <a:schemeClr val="lt1"/>
+    </dgm:linClrLst>
+    <dgm:effectClrLst/>
+    <dgm:txLinClrLst/>
+    <dgm:txFillClrLst/>
+    <dgm:txEffectClrLst/>
+  </dgm:styleLbl>
+  <dgm:styleLbl name="lnNode1">
+    <dgm:fillClrLst meth="repeat">
+      <a:schemeClr val="accent1"/>
+    </dgm:fillClrLst>
+    <dgm:linClrLst meth="repeat">
+      <a:schemeClr val="lt1"/>
+    </dgm:linClrLst>
+    <dgm:effectClrLst/>
+    <dgm:txLinClrLst/>
+    <dgm:txFillClrLst/>
+    <dgm:txEffectClrLst/>
+  </dgm:styleLbl>
+  <dgm:styleLbl name="vennNode1">
+    <dgm:fillClrLst meth="repeat">
+      <a:schemeClr val="accent1">
+        <a:alpha val="50000"/>
+      </a:schemeClr>
+    </dgm:fillClrLst>
+    <dgm:linClrLst meth="repeat">
+      <a:schemeClr val="lt1"/>
+    </dgm:linClrLst>
+    <dgm:effectClrLst/>
+    <dgm:txLinClrLst/>
+    <dgm:txFillClrLst/>
+    <dgm:txEffectClrLst/>
+  </dgm:styleLbl>
+  <dgm:styleLbl name="node2">
+    <dgm:fillClrLst meth="repeat">
+      <a:schemeClr val="accent1"/>
+    </dgm:fillClrLst>
+    <dgm:linClrLst meth="repeat">
+      <a:schemeClr val="lt1"/>
+    </dgm:linClrLst>
+    <dgm:effectClrLst/>
+    <dgm:txLinClrLst/>
+    <dgm:txFillClrLst/>
+    <dgm:txEffectClrLst/>
+  </dgm:styleLbl>
+  <dgm:styleLbl name="node3">
+    <dgm:fillClrLst meth="repeat">
+      <a:schemeClr val="accent1"/>
+    </dgm:fillClrLst>
+    <dgm:linClrLst meth="repeat">
+      <a:schemeClr val="lt1"/>
+    </dgm:linClrLst>
+    <dgm:effectClrLst/>
+    <dgm:txLinClrLst/>
+    <dgm:txFillClrLst/>
+    <dgm:txEffectClrLst/>
+  </dgm:styleLbl>
+  <dgm:styleLbl name="node4">
+    <dgm:fillClrLst meth="repeat">
+      <a:schemeClr val="accent1"/>
+    </dgm:fillClrLst>
+    <dgm:linClrLst meth="repeat">
+      <a:schemeClr val="lt1"/>
+    </dgm:linClrLst>
+    <dgm:effectClrLst/>
+    <dgm:txLinClrLst/>
+    <dgm:txFillClrLst/>
+    <dgm:txEffectClrLst/>
+  </dgm:styleLbl>
+  <dgm:styleLbl name="fgImgPlace1">
+    <dgm:fillClrLst meth="repeat">
+      <a:schemeClr val="accent1">
+        <a:tint val="50000"/>
+      </a:schemeClr>
+    </dgm:fillClrLst>
+    <dgm:linClrLst meth="repeat">
+      <a:schemeClr val="lt1"/>
+    </dgm:linClrLst>
+    <dgm:effectClrLst/>
+    <dgm:txLinClrLst/>
+    <dgm:txFillClrLst meth="repeat">
+      <a:schemeClr val="lt1"/>
+    </dgm:txFillClrLst>
+    <dgm:txEffectClrLst/>
+  </dgm:styleLbl>
+  <dgm:styleLbl name="alignImgPlace1">
+    <dgm:fillClrLst meth="repeat">
+      <a:schemeClr val="accent1">
+        <a:tint val="50000"/>
+      </a:schemeClr>
+    </dgm:fillClrLst>
+    <dgm:linClrLst meth="repeat">
+      <a:schemeClr val="lt1"/>
+    </dgm:linClrLst>
+    <dgm:effectClrLst/>
+    <dgm:txLinClrLst/>
+    <dgm:txFillClrLst meth="repeat">
+      <a:schemeClr val="lt1"/>
+    </dgm:txFillClrLst>
+    <dgm:txEffectClrLst/>
+  </dgm:styleLbl>
+  <dgm:styleLbl name="bgImgPlace1">
+    <dgm:fillClrLst meth="repeat">
+      <a:schemeClr val="accent1">
+        <a:tint val="50000"/>
+      </a:schemeClr>
+    </dgm:fillClrLst>
+    <dgm:linClrLst meth="repeat">
+      <a:schemeClr val="lt1"/>
+    </dgm:linClrLst>
+    <dgm:effectClrLst/>
+    <dgm:txLinClrLst/>
+    <dgm:txFillClrLst meth="repeat">
+      <a:schemeClr val="lt1"/>
+    </dgm:txFillClrLst>
+    <dgm:txEffectClrLst/>
+  </dgm:styleLbl>
+  <dgm:styleLbl name="sibTrans2D1">
+    <dgm:fillClrLst meth="repeat">
+      <a:schemeClr val="accent1">
+        <a:tint val="60000"/>
+      </a:schemeClr>
+    </dgm:fillClrLst>
+    <dgm:linClrLst meth="repeat">
+      <a:schemeClr val="accent1">
+        <a:tint val="60000"/>
+      </a:schemeClr>
+    </dgm:linClrLst>
+    <dgm:effectClrLst/>
+    <dgm:txLinClrLst/>
+    <dgm:txFillClrLst/>
+    <dgm:txEffectClrLst/>
+  </dgm:styleLbl>
+  <dgm:styleLbl name="fgSibTrans2D1">
+    <dgm:fillClrLst meth="repeat">
+      <a:schemeClr val="accent1">
+        <a:tint val="60000"/>
+      </a:schemeClr>
+    </dgm:fillClrLst>
+    <dgm:linClrLst meth="repeat">
+      <a:schemeClr val="accent1">
+        <a:tint val="60000"/>
+      </a:schemeClr>
+    </dgm:linClrLst>
+    <dgm:effectClrLst/>
+    <dgm:txLinClrLst/>
+    <dgm:txFillClrLst/>
+    <dgm:txEffectClrLst/>
+  </dgm:styleLbl>
+  <dgm:styleLbl name="bgSibTrans2D1">
+    <dgm:fillClrLst meth="repeat">
+      <a:schemeClr val="accent1">
+        <a:tint val="60000"/>
+      </a:schemeClr>
+    </dgm:fillClrLst>
+    <dgm:linClrLst meth="repeat">
+      <a:schemeClr val="accent1">
+        <a:tint val="60000"/>
+      </a:schemeClr>
+    </dgm:linClrLst>
+    <dgm:effectClrLst/>
+    <dgm:txLinClrLst/>
+    <dgm:txFillClrLst/>
+    <dgm:txEffectClrLst/>
+  </dgm:styleLbl>
+  <dgm:styleLbl name="sibTrans1D1">
+    <dgm:fillClrLst meth="repeat">
+      <a:schemeClr val="accent1"/>
+    </dgm:fillClrLst>
+    <dgm:linClrLst meth="repeat">
+      <a:schemeClr val="accent1"/>
+    </dgm:linClrLst>
+    <dgm:effectClrLst/>
+    <dgm:txLinClrLst/>
+    <dgm:txFillClrLst meth="repeat">
+      <a:schemeClr val="tx1"/>
+    </dgm:txFillClrLst>
+    <dgm:txEffectClrLst/>
+  </dgm:styleLbl>
+  <dgm:styleLbl name="callout">
+    <dgm:fillClrLst meth="repeat">
+      <a:schemeClr val="accent1"/>
+    </dgm:fillClrLst>
+    <dgm:linClrLst meth="repeat">
+      <a:schemeClr val="accent1">
+        <a:tint val="50000"/>
+      </a:schemeClr>
+    </dgm:linClrLst>
+    <dgm:effectClrLst/>
+    <dgm:txLinClrLst/>
+    <dgm:txFillClrLst meth="repeat">
+      <a:schemeClr val="tx1"/>
+    </dgm:txFillClrLst>
+    <dgm:txEffectClrLst/>
+  </dgm:styleLbl>
+  <dgm:styleLbl name="asst0">
+    <dgm:fillClrLst meth="repeat">
+      <a:schemeClr val="accent1"/>
+    </dgm:fillClrLst>
+    <dgm:linClrLst meth="repeat">
+      <a:schemeClr val="lt1"/>
+    </dgm:linClrLst>
+    <dgm:effectClrLst/>
+    <dgm:txLinClrLst/>
+    <dgm:txFillClrLst/>
+    <dgm:txEffectClrLst/>
+  </dgm:styleLbl>
+  <dgm:styleLbl name="asst1">
+    <dgm:fillClrLst meth="repeat">
+      <a:schemeClr val="accent1"/>
+    </dgm:fillClrLst>
+    <dgm:linClrLst meth="repeat">
+      <a:schemeClr val="lt1"/>
+    </dgm:linClrLst>
+    <dgm:effectClrLst/>
+    <dgm:txLinClrLst/>
+    <dgm:txFillClrLst/>
+    <dgm:txEffectClrLst/>
+  </dgm:styleLbl>
+  <dgm:styleLbl name="asst2">
+    <dgm:fillClrLst meth="repeat">
+      <a:schemeClr val="accent1"/>
+    </dgm:fillClrLst>
+    <dgm:linClrLst meth="repeat">
+      <a:schemeClr val="lt1"/>
+    </dgm:linClrLst>
+    <dgm:effectClrLst/>
+    <dgm:txLinClrLst/>
+    <dgm:txFillClrLst/>
+    <dgm:txEffectClrLst/>
+  </dgm:styleLbl>
+  <dgm:styleLbl name="asst3">
+    <dgm:fillClrLst meth="repeat">
+      <a:schemeClr val="accent1"/>
+    </dgm:fillClrLst>
+    <dgm:linClrLst meth="repeat">
+      <a:schemeClr val="lt1"/>
+    </dgm:linClrLst>
+    <dgm:effectClrLst/>
+    <dgm:txLinClrLst/>
+    <dgm:txFillClrLst/>
+    <dgm:txEffectClrLst/>
+  </dgm:styleLbl>
+  <dgm:styleLbl name="asst4">
+    <dgm:fillClrLst meth="repeat">
+      <a:schemeClr val="accent1"/>
+    </dgm:fillClrLst>
+    <dgm:linClrLst meth="repeat">
+      <a:schemeClr val="lt1"/>
+    </dgm:linClrLst>
+    <dgm:effectClrLst/>
+    <dgm:txLinClrLst/>
+    <dgm:txFillClrLst/>
+    <dgm:txEffectClrLst/>
+  </dgm:styleLbl>
+  <dgm:styleLbl name="parChTrans2D1">
+    <dgm:fillClrLst meth="repeat">
+      <a:schemeClr val="accent1">
+        <a:tint val="60000"/>
+      </a:schemeClr>
+    </dgm:fillClrLst>
+    <dgm:linClrLst meth="repeat">
+      <a:schemeClr val="accent1">
+        <a:tint val="60000"/>
+      </a:schemeClr>
+    </dgm:linClrLst>
+    <dgm:effectClrLst/>
+    <dgm:txLinClrLst/>
+    <dgm:txFillClrLst meth="repeat">
+      <a:schemeClr val="lt1"/>
+    </dgm:txFillClrLst>
+    <dgm:txEffectClrLst/>
+  </dgm:styleLbl>
+  <dgm:styleLbl name="parChTrans2D2">
+    <dgm:fillClrLst meth="repeat">
+      <a:schemeClr val="accent1"/>
+    </dgm:fillClrLst>
+    <dgm:linClrLst meth="repeat">
+      <a:schemeClr val="accent1"/>
+    </dgm:linClrLst>
+    <dgm:effectClrLst/>
+    <dgm:txLinClrLst/>
+    <dgm:txFillClrLst meth="repeat">
+      <a:schemeClr val="lt1"/>
+    </dgm:txFillClrLst>
+    <dgm:txEffectClrLst/>
+  </dgm:styleLbl>
+  <dgm:styleLbl name="parChTrans2D3">
+    <dgm:fillClrLst meth="repeat">
+      <a:schemeClr val="accent1"/>
+    </dgm:fillClrLst>
+    <dgm:linClrLst meth="repeat">
+      <a:schemeClr val="accent1"/>
+    </dgm:linClrLst>
+    <dgm:effectClrLst/>
+    <dgm:txLinClrLst/>
+    <dgm:txFillClrLst meth="repeat">
+      <a:schemeClr val="lt1"/>
+    </dgm:txFillClrLst>
+    <dgm:txEffectClrLst/>
+  </dgm:styleLbl>
+  <dgm:styleLbl name="parChTrans2D4">
+    <dgm:fillClrLst meth="repeat">
+      <a:schemeClr val="accent1"/>
+    </dgm:fillClrLst>
+    <dgm:linClrLst meth="repeat">
+      <a:schemeClr val="accent1"/>
+    </dgm:linClrLst>
+    <dgm:effectClrLst/>
+    <dgm:txLinClrLst/>
+    <dgm:txFillClrLst meth="repeat">
+      <a:schemeClr val="lt1"/>
+    </dgm:txFillClrLst>
+    <dgm:txEffectClrLst/>
+  </dgm:styleLbl>
+  <dgm:styleLbl name="parChTrans1D1">
+    <dgm:fillClrLst meth="repeat">
+      <a:schemeClr val="accent1"/>
+    </dgm:fillClrLst>
+    <dgm:linClrLst meth="repeat">
+      <a:schemeClr val="accent1">
+        <a:shade val="60000"/>
+      </a:schemeClr>
+    </dgm:linClrLst>
+    <dgm:effectClrLst/>
+    <dgm:txLinClrLst/>
+    <dgm:txFillClrLst meth="repeat">
+      <a:schemeClr val="tx1"/>
+    </dgm:txFillClrLst>
+    <dgm:txEffectClrLst/>
+  </dgm:styleLbl>
+  <dgm:styleLbl name="parChTrans1D2">
+    <dgm:fillClrLst meth="repeat">
+      <a:schemeClr val="accent1"/>
+    </dgm:fillClrLst>
+    <dgm:linClrLst meth="repeat">
+      <a:schemeClr val="accent1">
+        <a:shade val="60000"/>
+      </a:schemeClr>
+    </dgm:linClrLst>
+    <dgm:effectClrLst/>
+    <dgm:txLinClrLst/>
+    <dgm:txFillClrLst meth="repeat">
+      <a:schemeClr val="tx1"/>
+    </dgm:txFillClrLst>
+    <dgm:txEffectClrLst/>
+  </dgm:styleLbl>
+  <dgm:styleLbl name="parChTrans1D3">
+    <dgm:fillClrLst meth="repeat">
+      <a:schemeClr val="accent1"/>
+    </dgm:fillClrLst>
+    <dgm:linClrLst meth="repeat">
+      <a:schemeClr val="accent1">
+        <a:shade val="80000"/>
+      </a:schemeClr>
+    </dgm:linClrLst>
+    <dgm:effectClrLst/>
+    <dgm:txLinClrLst/>
+    <dgm:txFillClrLst meth="repeat">
+      <a:schemeClr val="tx1"/>
+    </dgm:txFillClrLst>
+    <dgm:txEffectClrLst/>
+  </dgm:styleLbl>
+  <dgm:styleLbl name="parChTrans1D4">
+    <dgm:fillClrLst meth="repeat">
+      <a:schemeClr val="accent1"/>
+    </dgm:fillClrLst>
+    <dgm:linClrLst meth="repeat">
+      <a:schemeClr val="accent1">
+        <a:shade val="80000"/>
+      </a:schemeClr>
+    </dgm:linClrLst>
+    <dgm:effectClrLst/>
+    <dgm:txLinClrLst/>
+    <dgm:txFillClrLst meth="repeat">
+      <a:schemeClr val="tx1"/>
+    </dgm:txFillClrLst>
+    <dgm:txEffectClrLst/>
+  </dgm:styleLbl>
+  <dgm:styleLbl name="fgAcc1">
+    <dgm:fillClrLst meth="repeat">
+      <a:schemeClr val="lt1">
+        <a:alpha val="90000"/>
+      </a:schemeClr>
+    </dgm:fillClrLst>
+    <dgm:linClrLst meth="repeat">
+      <a:schemeClr val="accent1"/>
+    </dgm:linClrLst>
+    <dgm:effectClrLst/>
+    <dgm:txLinClrLst/>
+    <dgm:txFillClrLst meth="repeat">
+      <a:schemeClr val="dk1"/>
+    </dgm:txFillClrLst>
+    <dgm:txEffectClrLst/>
+  </dgm:styleLbl>
+  <dgm:styleLbl name="conFgAcc1">
+    <dgm:fillClrLst meth="repeat">
+      <a:schemeClr val="lt1">
+        <a:alpha val="90000"/>
+      </a:schemeClr>
+    </dgm:fillClrLst>
+    <dgm:linClrLst meth="repeat">
+      <a:schemeClr val="accent1"/>
+    </dgm:linClrLst>
+    <dgm:effectClrLst/>
+    <dgm:txLinClrLst/>
+    <dgm:txFillClrLst meth="repeat">
+      <a:schemeClr val="dk1"/>
+    </dgm:txFillClrLst>
+    <dgm:txEffectClrLst/>
+  </dgm:styleLbl>
+  <dgm:styleLbl name="alignAcc1">
+    <dgm:fillClrLst meth="repeat">
+      <a:schemeClr val="lt1">
+        <a:alpha val="90000"/>
+      </a:schemeClr>
+    </dgm:fillClrLst>
+    <dgm:linClrLst meth="repeat">
+      <a:schemeClr val="accent1"/>
+    </dgm:linClrLst>
+    <dgm:effectClrLst/>
+    <dgm:txLinClrLst/>
+    <dgm:txFillClrLst meth="repeat">
+      <a:schemeClr val="dk1"/>
+    </dgm:txFillClrLst>
+    <dgm:txEffectClrLst/>
+  </dgm:styleLbl>
+  <dgm:styleLbl name="trAlignAcc1">
+    <dgm:fillClrLst meth="repeat">
+      <a:schemeClr val="lt1">
+        <a:alpha val="40000"/>
+      </a:schemeClr>
+    </dgm:fillClrLst>
+    <dgm:linClrLst meth="repeat">
+      <a:schemeClr val="accent1"/>
+    </dgm:linClrLst>
+    <dgm:effectClrLst/>
+    <dgm:txLinClrLst/>
+    <dgm:txFillClrLst meth="repeat">
+      <a:schemeClr val="dk1"/>
+    </dgm:txFillClrLst>
+    <dgm:txEffectClrLst/>
+  </dgm:styleLbl>
+  <dgm:styleLbl name="bgAcc1">
+    <dgm:fillClrLst meth="repeat">
+      <a:schemeClr val="lt1">
+        <a:alpha val="90000"/>
+      </a:schemeClr>
+    </dgm:fillClrLst>
+    <dgm:linClrLst meth="repeat">
+      <a:schemeClr val="accent1"/>
+    </dgm:linClrLst>
+    <dgm:effectClrLst/>
+    <dgm:txLinClrLst/>
+    <dgm:txFillClrLst meth="repeat">
+      <a:schemeClr val="dk1"/>
+    </dgm:txFillClrLst>
+    <dgm:txEffectClrLst/>
+  </dgm:styleLbl>
+  <dgm:styleLbl name="solidFgAcc1">
+    <dgm:fillClrLst meth="repeat">
+      <a:schemeClr val="lt1"/>
+    </dgm:fillClrLst>
+    <dgm:linClrLst meth="repeat">
+      <a:schemeClr val="accent1"/>
+    </dgm:linClrLst>
+    <dgm:effectClrLst/>
+    <dgm:txLinClrLst/>
+    <dgm:txFillClrLst meth="repeat">
+      <a:schemeClr val="dk1"/>
+    </dgm:txFillClrLst>
+    <dgm:txEffectClrLst/>
+  </dgm:styleLbl>
+  <dgm:styleLbl name="solidAlignAcc1">
+    <dgm:fillClrLst meth="repeat">
+      <a:schemeClr val="lt1"/>
+    </dgm:fillClrLst>
+    <dgm:linClrLst meth="repeat">
+      <a:schemeClr val="accent1"/>
+    </dgm:linClrLst>
+    <dgm:effectClrLst/>
+    <dgm:txLinClrLst/>
+    <dgm:txFillClrLst meth="repeat">
+      <a:schemeClr val="dk1"/>
+    </dgm:txFillClrLst>
+    <dgm:txEffectClrLst/>
+  </dgm:styleLbl>
+  <dgm:styleLbl name="solidBgAcc1">
+    <dgm:fillClrLst meth="repeat">
+      <a:schemeClr val="lt1"/>
+    </dgm:fillClrLst>
+    <dgm:linClrLst meth="repeat">
+      <a:schemeClr val="accent1"/>
+    </dgm:linClrLst>
+    <dgm:effectClrLst/>
+    <dgm:txLinClrLst/>
+    <dgm:txFillClrLst meth="repeat">
+      <a:schemeClr val="dk1"/>
+    </dgm:txFillClrLst>
+    <dgm:txEffectClrLst/>
+  </dgm:styleLbl>
+  <dgm:styleLbl name="fgAccFollowNode1">
+    <dgm:fillClrLst meth="repeat">
+      <a:schemeClr val="accent1">
+        <a:alpha val="90000"/>
+        <a:tint val="40000"/>
+      </a:schemeClr>
+    </dgm:fillClrLst>
+    <dgm:linClrLst meth="repeat">
+      <a:schemeClr val="accent1">
+        <a:alpha val="90000"/>
+        <a:tint val="40000"/>
+      </a:schemeClr>
+    </dgm:linClrLst>
+    <dgm:effectClrLst/>
+    <dgm:txLinClrLst/>
+    <dgm:txFillClrLst meth="repeat">
+      <a:schemeClr val="dk1"/>
+    </dgm:txFillClrLst>
+    <dgm:txEffectClrLst/>
+  </dgm:styleLbl>
+  <dgm:styleLbl name="alignAccFollowNode1">
+    <dgm:fillClrLst meth="repeat">
+      <a:schemeClr val="accent1">
+        <a:alpha val="90000"/>
+        <a:tint val="40000"/>
+      </a:schemeClr>
+    </dgm:fillClrLst>
+    <dgm:linClrLst meth="repeat">
+      <a:schemeClr val="accent1">
+        <a:alpha val="90000"/>
+        <a:tint val="40000"/>
+      </a:schemeClr>
+    </dgm:linClrLst>
+    <dgm:effectClrLst/>
+    <dgm:txLinClrLst/>
+    <dgm:txFillClrLst meth="repeat">
+      <a:schemeClr val="dk1"/>
+    </dgm:txFillClrLst>
+    <dgm:txEffectClrLst/>
+  </dgm:styleLbl>
+  <dgm:styleLbl name="bgAccFollowNode1">
+    <dgm:fillClrLst meth="repeat">
+      <a:schemeClr val="accent1">
+        <a:alpha val="90000"/>
+        <a:tint val="40000"/>
+      </a:schemeClr>
+    </dgm:fillClrLst>
+    <dgm:linClrLst meth="repeat">
+      <a:schemeClr val="accent1">
+        <a:alpha val="90000"/>
+        <a:tint val="40000"/>
+      </a:schemeClr>
+    </dgm:linClrLst>
+    <dgm:effectClrLst/>
+    <dgm:txLinClrLst/>
+    <dgm:txFillClrLst meth="repeat">
+      <a:schemeClr val="dk1"/>
+    </dgm:txFillClrLst>
+    <dgm:txEffectClrLst/>
+  </dgm:styleLbl>
+  <dgm:styleLbl name="fgAcc0">
+    <dgm:fillClrLst meth="repeat">
+      <a:schemeClr val="lt1">
+        <a:alpha val="90000"/>
+      </a:schemeClr>
+    </dgm:fillClrLst>
+    <dgm:linClrLst meth="repeat">
+      <a:schemeClr val="accent1"/>
+    </dgm:linClrLst>
+    <dgm:effectClrLst/>
+    <dgm:txLinClrLst/>
+    <dgm:txFillClrLst meth="repeat">
+      <a:schemeClr val="dk1"/>
+    </dgm:txFillClrLst>
+    <dgm:txEffectClrLst/>
+  </dgm:styleLbl>
+  <dgm:styleLbl name="fgAcc2">
+    <dgm:fillClrLst meth="repeat">
+      <a:schemeClr val="lt1">
+        <a:alpha val="90000"/>
+      </a:schemeClr>
+    </dgm:fillClrLst>
+    <dgm:linClrLst meth="repeat">
+      <a:schemeClr val="accent1"/>
+    </dgm:linClrLst>
+    <dgm:effectClrLst/>
+    <dgm:txLinClrLst/>
+    <dgm:txFillClrLst meth="repeat">
+      <a:schemeClr val="dk1"/>
+    </dgm:txFillClrLst>
+    <dgm:txEffectClrLst/>
+  </dgm:styleLbl>
+  <dgm:styleLbl name="fgAcc3">
+    <dgm:fillClrLst meth="repeat">
+      <a:schemeClr val="lt1">
+        <a:alpha val="90000"/>
+      </a:schemeClr>
+    </dgm:fillClrLst>
+    <dgm:linClrLst meth="repeat">
+      <a:schemeClr val="accent1"/>
+    </dgm:linClrLst>
+    <dgm:effectClrLst/>
+    <dgm:txLinClrLst/>
+    <dgm:txFillClrLst meth="repeat">
+      <a:schemeClr val="dk1"/>
+    </dgm:txFillClrLst>
+    <dgm:txEffectClrLst/>
+  </dgm:styleLbl>
+  <dgm:styleLbl name="fgAcc4">
+    <dgm:fillClrLst meth="repeat">
+      <a:schemeClr val="lt1">
+        <a:alpha val="90000"/>
+      </a:schemeClr>
+    </dgm:fillClrLst>
+    <dgm:linClrLst meth="repeat">
+      <a:schemeClr val="accent1"/>
+    </dgm:linClrLst>
+    <dgm:effectClrLst/>
+    <dgm:txLinClrLst/>
+    <dgm:txFillClrLst meth="repeat">
+      <a:schemeClr val="dk1"/>
+    </dgm:txFillClrLst>
+    <dgm:txEffectClrLst/>
+  </dgm:styleLbl>
+  <dgm:styleLbl name="bgShp">
+    <dgm:fillClrLst meth="repeat">
+      <a:schemeClr val="accent1">
+        <a:tint val="40000"/>
+      </a:schemeClr>
+    </dgm:fillClrLst>
+    <dgm:linClrLst meth="repeat">
+      <a:schemeClr val="accent1"/>
+    </dgm:linClrLst>
+    <dgm:effectClrLst/>
+    <dgm:txLinClrLst/>
+    <dgm:txFillClrLst meth="repeat">
+      <a:schemeClr val="dk1"/>
+    </dgm:txFillClrLst>
+    <dgm:txEffectClrLst/>
+  </dgm:styleLbl>
+  <dgm:styleLbl name="dkBgShp">
+    <dgm:fillClrLst meth="repeat">
+      <a:schemeClr val="accent1">
+        <a:shade val="80000"/>
+      </a:schemeClr>
+    </dgm:fillClrLst>
+    <dgm:linClrLst meth="repeat">
+      <a:schemeClr val="accent1"/>
+    </dgm:linClrLst>
+    <dgm:effectClrLst/>
+    <dgm:txLinClrLst/>
+    <dgm:txFillClrLst meth="repeat">
+      <a:schemeClr val="lt1"/>
+    </dgm:txFillClrLst>
+    <dgm:txEffectClrLst/>
+  </dgm:styleLbl>
+  <dgm:styleLbl name="trBgShp">
+    <dgm:fillClrLst meth="repeat">
+      <a:schemeClr val="accent1">
+        <a:tint val="50000"/>
+        <a:alpha val="40000"/>
+      </a:schemeClr>
+    </dgm:fillClrLst>
+    <dgm:linClrLst meth="repeat">
+      <a:schemeClr val="accent1"/>
+    </dgm:linClrLst>
+    <dgm:effectClrLst/>
+    <dgm:txLinClrLst/>
+    <dgm:txFillClrLst meth="repeat">
+      <a:schemeClr val="lt1"/>
+    </dgm:txFillClrLst>
+    <dgm:txEffectClrLst/>
+  </dgm:styleLbl>
+  <dgm:styleLbl name="fgShp">
+    <dgm:fillClrLst meth="repeat">
+      <a:schemeClr val="accent1">
+        <a:tint val="60000"/>
+      </a:schemeClr>
+    </dgm:fillClrLst>
+    <dgm:linClrLst meth="repeat">
+      <a:schemeClr val="lt1"/>
+    </dgm:linClrLst>
+    <dgm:effectClrLst/>
+    <dgm:txLinClrLst/>
+    <dgm:txFillClrLst meth="repeat">
+      <a:schemeClr val="dk1"/>
+    </dgm:txFillClrLst>
+    <dgm:txEffectClrLst/>
+  </dgm:styleLbl>
+  <dgm:styleLbl name="revTx">
+    <dgm:fillClrLst meth="repeat">
+      <a:schemeClr val="lt1">
+        <a:alpha val="0"/>
+      </a:schemeClr>
+    </dgm:fillClrLst>
+    <dgm:linClrLst meth="repeat">
+      <a:schemeClr val="dk1">
+        <a:alpha val="0"/>
+      </a:schemeClr>
+    </dgm:linClrLst>
+    <dgm:effectClrLst/>
+    <dgm:txLinClrLst/>
+    <dgm:txFillClrLst meth="repeat">
+      <a:schemeClr val="tx1"/>
+    </dgm:txFillClrLst>
+    <dgm:txEffectClrLst/>
+  </dgm:styleLbl>
+</dgm:colorsDef>
+</file>
+
+<file path=ppt/diagrams/colors2.xml><?xml version="1.0" encoding="utf-8"?>
+<dgm:colorsDef xmlns:dgm="http://schemas.openxmlformats.org/drawingml/2006/diagram" xmlns:a="http://schemas.openxmlformats.org/drawingml/2006/main" uniqueId="urn:microsoft.com/office/officeart/2005/8/colors/accent1_2">
+  <dgm:title val=""/>
+  <dgm:desc val=""/>
+  <dgm:catLst>
+    <dgm:cat type="accent1" pri="11200"/>
+  </dgm:catLst>
+  <dgm:styleLbl name="node0">
+    <dgm:fillClrLst meth="repeat">
+      <a:schemeClr val="accent1"/>
+    </dgm:fillClrLst>
+    <dgm:linClrLst meth="repeat">
+      <a:schemeClr val="lt1"/>
+    </dgm:linClrLst>
+    <dgm:effectClrLst/>
+    <dgm:txLinClrLst/>
+    <dgm:txFillClrLst/>
+    <dgm:txEffectClrLst/>
+  </dgm:styleLbl>
+  <dgm:styleLbl name="alignNode1">
+    <dgm:fillClrLst meth="repeat">
+      <a:schemeClr val="accent1"/>
+    </dgm:fillClrLst>
+    <dgm:linClrLst meth="repeat">
+      <a:schemeClr val="accent1"/>
+    </dgm:linClrLst>
+    <dgm:effectClrLst/>
+    <dgm:txLinClrLst/>
+    <dgm:txFillClrLst/>
+    <dgm:txEffectClrLst/>
+  </dgm:styleLbl>
+  <dgm:styleLbl name="node1">
+    <dgm:fillClrLst meth="repeat">
+      <a:schemeClr val="accent1"/>
+    </dgm:fillClrLst>
+    <dgm:linClrLst meth="repeat">
+      <a:schemeClr val="lt1"/>
+    </dgm:linClrLst>
+    <dgm:effectClrLst/>
+    <dgm:txLinClrLst/>
+    <dgm:txFillClrLst/>
+    <dgm:txEffectClrLst/>
+  </dgm:styleLbl>
+  <dgm:styleLbl name="lnNode1">
+    <dgm:fillClrLst meth="repeat">
+      <a:schemeClr val="accent1"/>
+    </dgm:fillClrLst>
+    <dgm:linClrLst meth="repeat">
+      <a:schemeClr val="lt1"/>
+    </dgm:linClrLst>
+    <dgm:effectClrLst/>
+    <dgm:txLinClrLst/>
+    <dgm:txFillClrLst/>
+    <dgm:txEffectClrLst/>
+  </dgm:styleLbl>
+  <dgm:styleLbl name="vennNode1">
+    <dgm:fillClrLst meth="repeat">
+      <a:schemeClr val="accent1">
+        <a:alpha val="50000"/>
+      </a:schemeClr>
+    </dgm:fillClrLst>
+    <dgm:linClrLst meth="repeat">
+      <a:schemeClr val="lt1"/>
+    </dgm:linClrLst>
+    <dgm:effectClrLst/>
+    <dgm:txLinClrLst/>
+    <dgm:txFillClrLst/>
+    <dgm:txEffectClrLst/>
+  </dgm:styleLbl>
+  <dgm:styleLbl name="node2">
+    <dgm:fillClrLst meth="repeat">
+      <a:schemeClr val="accent1"/>
+    </dgm:fillClrLst>
+    <dgm:linClrLst meth="repeat">
+      <a:schemeClr val="lt1"/>
+    </dgm:linClrLst>
+    <dgm:effectClrLst/>
+    <dgm:txLinClrLst/>
+    <dgm:txFillClrLst/>
+    <dgm:txEffectClrLst/>
+  </dgm:styleLbl>
+  <dgm:styleLbl name="node3">
+    <dgm:fillClrLst meth="repeat">
+      <a:schemeClr val="accent1"/>
+    </dgm:fillClrLst>
+    <dgm:linClrLst meth="repeat">
+      <a:schemeClr val="lt1"/>
+    </dgm:linClrLst>
+    <dgm:effectClrLst/>
+    <dgm:txLinClrLst/>
+    <dgm:txFillClrLst/>
+    <dgm:txEffectClrLst/>
+  </dgm:styleLbl>
+  <dgm:styleLbl name="node4">
+    <dgm:fillClrLst meth="repeat">
+      <a:schemeClr val="accent1"/>
+    </dgm:fillClrLst>
+    <dgm:linClrLst meth="repeat">
+      <a:schemeClr val="lt1"/>
+    </dgm:linClrLst>
+    <dgm:effectClrLst/>
+    <dgm:txLinClrLst/>
+    <dgm:txFillClrLst/>
+    <dgm:txEffectClrLst/>
+  </dgm:styleLbl>
+  <dgm:styleLbl name="fgImgPlace1">
+    <dgm:fillClrLst meth="repeat">
+      <a:schemeClr val="accent1">
+        <a:tint val="50000"/>
+      </a:schemeClr>
+    </dgm:fillClrLst>
+    <dgm:linClrLst meth="repeat">
+      <a:schemeClr val="lt1"/>
+    </dgm:linClrLst>
+    <dgm:effectClrLst/>
+    <dgm:txLinClrLst/>
+    <dgm:txFillClrLst meth="repeat">
+      <a:schemeClr val="lt1"/>
+    </dgm:txFillClrLst>
+    <dgm:txEffectClrLst/>
+  </dgm:styleLbl>
+  <dgm:styleLbl name="alignImgPlace1">
+    <dgm:fillClrLst meth="repeat">
+      <a:schemeClr val="accent1">
+        <a:tint val="50000"/>
+      </a:schemeClr>
+    </dgm:fillClrLst>
+    <dgm:linClrLst meth="repeat">
+      <a:schemeClr val="lt1"/>
+    </dgm:linClrLst>
+    <dgm:effectClrLst/>
+    <dgm:txLinClrLst/>
+    <dgm:txFillClrLst meth="repeat">
+      <a:schemeClr val="lt1"/>
+    </dgm:txFillClrLst>
+    <dgm:txEffectClrLst/>
+  </dgm:styleLbl>
+  <dgm:styleLbl name="bgImgPlace1">
+    <dgm:fillClrLst meth="repeat">
+      <a:schemeClr val="accent1">
+        <a:tint val="50000"/>
+      </a:schemeClr>
+    </dgm:fillClrLst>
+    <dgm:linClrLst meth="repeat">
+      <a:schemeClr val="lt1"/>
+    </dgm:linClrLst>
+    <dgm:effectClrLst/>
+    <dgm:txLinClrLst/>
+    <dgm:txFillClrLst meth="repeat">
+      <a:schemeClr val="lt1"/>
+    </dgm:txFillClrLst>
+    <dgm:txEffectClrLst/>
+  </dgm:styleLbl>
+  <dgm:styleLbl name="sibTrans2D1">
+    <dgm:fillClrLst meth="repeat">
+      <a:schemeClr val="accent1">
+        <a:tint val="60000"/>
+      </a:schemeClr>
+    </dgm:fillClrLst>
+    <dgm:linClrLst meth="repeat">
+      <a:schemeClr val="accent1">
+        <a:tint val="60000"/>
+      </a:schemeClr>
+    </dgm:linClrLst>
+    <dgm:effectClrLst/>
+    <dgm:txLinClrLst/>
+    <dgm:txFillClrLst/>
+    <dgm:txEffectClrLst/>
+  </dgm:styleLbl>
+  <dgm:styleLbl name="fgSibTrans2D1">
+    <dgm:fillClrLst meth="repeat">
+      <a:schemeClr val="accent1">
+        <a:tint val="60000"/>
+      </a:schemeClr>
+    </dgm:fillClrLst>
+    <dgm:linClrLst meth="repeat">
+      <a:schemeClr val="accent1">
+        <a:tint val="60000"/>
+      </a:schemeClr>
+    </dgm:linClrLst>
+    <dgm:effectClrLst/>
+    <dgm:txLinClrLst/>
+    <dgm:txFillClrLst/>
+    <dgm:txEffectClrLst/>
+  </dgm:styleLbl>
+  <dgm:styleLbl name="bgSibTrans2D1">
+    <dgm:fillClrLst meth="repeat">
+      <a:schemeClr val="accent1">
+        <a:tint val="60000"/>
+      </a:schemeClr>
+    </dgm:fillClrLst>
+    <dgm:linClrLst meth="repeat">
+      <a:schemeClr val="accent1">
+        <a:tint val="60000"/>
+      </a:schemeClr>
+    </dgm:linClrLst>
+    <dgm:effectClrLst/>
+    <dgm:txLinClrLst/>
+    <dgm:txFillClrLst/>
+    <dgm:txEffectClrLst/>
+  </dgm:styleLbl>
+  <dgm:styleLbl name="sibTrans1D1">
+    <dgm:fillClrLst meth="repeat">
+      <a:schemeClr val="accent1"/>
+    </dgm:fillClrLst>
+    <dgm:linClrLst meth="repeat">
+      <a:schemeClr val="accent1"/>
+    </dgm:linClrLst>
+    <dgm:effectClrLst/>
+    <dgm:txLinClrLst/>
+    <dgm:txFillClrLst meth="repeat">
+      <a:schemeClr val="tx1"/>
+    </dgm:txFillClrLst>
+    <dgm:txEffectClrLst/>
+  </dgm:styleLbl>
+  <dgm:styleLbl name="callout">
+    <dgm:fillClrLst meth="repeat">
+      <a:schemeClr val="accent1"/>
+    </dgm:fillClrLst>
+    <dgm:linClrLst meth="repeat">
+      <a:schemeClr val="accent1">
+        <a:tint val="50000"/>
+      </a:schemeClr>
+    </dgm:linClrLst>
+    <dgm:effectClrLst/>
+    <dgm:txLinClrLst/>
+    <dgm:txFillClrLst meth="repeat">
+      <a:schemeClr val="tx1"/>
+    </dgm:txFillClrLst>
+    <dgm:txEffectClrLst/>
+  </dgm:styleLbl>
+  <dgm:styleLbl name="asst0">
+    <dgm:fillClrLst meth="repeat">
+      <a:schemeClr val="accent1"/>
+    </dgm:fillClrLst>
+    <dgm:linClrLst meth="repeat">
+      <a:schemeClr val="lt1"/>
+    </dgm:linClrLst>
+    <dgm:effectClrLst/>
+    <dgm:txLinClrLst/>
+    <dgm:txFillClrLst/>
+    <dgm:txEffectClrLst/>
+  </dgm:styleLbl>
+  <dgm:styleLbl name="asst1">
+    <dgm:fillClrLst meth="repeat">
+      <a:schemeClr val="accent1"/>
+    </dgm:fillClrLst>
+    <dgm:linClrLst meth="repeat">
+      <a:schemeClr val="lt1"/>
+    </dgm:linClrLst>
+    <dgm:effectClrLst/>
+    <dgm:txLinClrLst/>
+    <dgm:txFillClrLst/>
+    <dgm:txEffectClrLst/>
+  </dgm:styleLbl>
+  <dgm:styleLbl name="asst2">
+    <dgm:fillClrLst meth="repeat">
+      <a:schemeClr val="accent1"/>
+    </dgm:fillClrLst>
+    <dgm:linClrLst meth="repeat">
+      <a:schemeClr val="lt1"/>
+    </dgm:linClrLst>
+    <dgm:effectClrLst/>
+    <dgm:txLinClrLst/>
+    <dgm:txFillClrLst/>
+    <dgm:txEffectClrLst/>
+  </dgm:styleLbl>
+  <dgm:styleLbl name="asst3">
+    <dgm:fillClrLst meth="repeat">
+      <a:schemeClr val="accent1"/>
+    </dgm:fillClrLst>
+    <dgm:linClrLst meth="repeat">
+      <a:schemeClr val="lt1"/>
+    </dgm:linClrLst>
+    <dgm:effectClrLst/>
+    <dgm:txLinClrLst/>
+    <dgm:txFillClrLst/>
+    <dgm:txEffectClrLst/>
+  </dgm:styleLbl>
+  <dgm:styleLbl name="asst4">
+    <dgm:fillClrLst meth="repeat">
+      <a:schemeClr val="accent1"/>
+    </dgm:fillClrLst>
+    <dgm:linClrLst meth="repeat">
+      <a:schemeClr val="lt1"/>
+    </dgm:linClrLst>
+    <dgm:effectClrLst/>
+    <dgm:txLinClrLst/>
+    <dgm:txFillClrLst/>
+    <dgm:txEffectClrLst/>
+  </dgm:styleLbl>
+  <dgm:styleLbl name="parChTrans2D1">
+    <dgm:fillClrLst meth="repeat">
+      <a:schemeClr val="accent1">
+        <a:tint val="60000"/>
+      </a:schemeClr>
+    </dgm:fillClrLst>
+    <dgm:linClrLst meth="repeat">
+      <a:schemeClr val="accent1">
+        <a:tint val="60000"/>
+      </a:schemeClr>
+    </dgm:linClrLst>
+    <dgm:effectClrLst/>
+    <dgm:txLinClrLst/>
+    <dgm:txFillClrLst meth="repeat">
+      <a:schemeClr val="lt1"/>
+    </dgm:txFillClrLst>
+    <dgm:txEffectClrLst/>
+  </dgm:styleLbl>
+  <dgm:styleLbl name="parChTrans2D2">
+    <dgm:fillClrLst meth="repeat">
+      <a:schemeClr val="accent1"/>
+    </dgm:fillClrLst>
+    <dgm:linClrLst meth="repeat">
+      <a:schemeClr val="accent1"/>
+    </dgm:linClrLst>
+    <dgm:effectClrLst/>
+    <dgm:txLinClrLst/>
+    <dgm:txFillClrLst meth="repeat">
+      <a:schemeClr val="lt1"/>
+    </dgm:txFillClrLst>
+    <dgm:txEffectClrLst/>
+  </dgm:styleLbl>
+  <dgm:styleLbl name="parChTrans2D3">
+    <dgm:fillClrLst meth="repeat">
+      <a:schemeClr val="accent1"/>
+    </dgm:fillClrLst>
+    <dgm:linClrLst meth="repeat">
+      <a:schemeClr val="accent1"/>
+    </dgm:linClrLst>
+    <dgm:effectClrLst/>
+    <dgm:txLinClrLst/>
+    <dgm:txFillClrLst meth="repeat">
+      <a:schemeClr val="lt1"/>
+    </dgm:txFillClrLst>
+    <dgm:txEffectClrLst/>
+  </dgm:styleLbl>
+  <dgm:styleLbl name="parChTrans2D4">
+    <dgm:fillClrLst meth="repeat">
+      <a:schemeClr val="accent1"/>
+    </dgm:fillClrLst>
+    <dgm:linClrLst meth="repeat">
+      <a:schemeClr val="accent1"/>
+    </dgm:linClrLst>
+    <dgm:effectClrLst/>
+    <dgm:txLinClrLst/>
+    <dgm:txFillClrLst meth="repeat">
+      <a:schemeClr val="lt1"/>
+    </dgm:txFillClrLst>
+    <dgm:txEffectClrLst/>
+  </dgm:styleLbl>
+  <dgm:styleLbl name="parChTrans1D1">
+    <dgm:fillClrLst meth="repeat">
+      <a:schemeClr val="accent1"/>
+    </dgm:fillClrLst>
+    <dgm:linClrLst meth="repeat">
+      <a:schemeClr val="accent1">
+        <a:shade val="60000"/>
+      </a:schemeClr>
+    </dgm:linClrLst>
+    <dgm:effectClrLst/>
+    <dgm:txLinClrLst/>
+    <dgm:txFillClrLst meth="repeat">
+      <a:schemeClr val="tx1"/>
+    </dgm:txFillClrLst>
+    <dgm:txEffectClrLst/>
+  </dgm:styleLbl>
+  <dgm:styleLbl name="parChTrans1D2">
+    <dgm:fillClrLst meth="repeat">
+      <a:schemeClr val="accent1"/>
+    </dgm:fillClrLst>
+    <dgm:linClrLst meth="repeat">
+      <a:schemeClr val="accent1">
+        <a:shade val="60000"/>
+      </a:schemeClr>
+    </dgm:linClrLst>
+    <dgm:effectClrLst/>
+    <dgm:txLinClrLst/>
+    <dgm:txFillClrLst meth="repeat">
+      <a:schemeClr val="tx1"/>
+    </dgm:txFillClrLst>
+    <dgm:txEffectClrLst/>
+  </dgm:styleLbl>
+  <dgm:styleLbl name="parChTrans1D3">
+    <dgm:fillClrLst meth="repeat">
+      <a:schemeClr val="accent1"/>
+    </dgm:fillClrLst>
+    <dgm:linClrLst meth="repeat">
+      <a:schemeClr val="accent1">
+        <a:shade val="80000"/>
+      </a:schemeClr>
+    </dgm:linClrLst>
+    <dgm:effectClrLst/>
+    <dgm:txLinClrLst/>
+    <dgm:txFillClrLst meth="repeat">
+      <a:schemeClr val="tx1"/>
+    </dgm:txFillClrLst>
+    <dgm:txEffectClrLst/>
+  </dgm:styleLbl>
+  <dgm:styleLbl name="parChTrans1D4">
+    <dgm:fillClrLst meth="repeat">
+      <a:schemeClr val="accent1"/>
+    </dgm:fillClrLst>
+    <dgm:linClrLst meth="repeat">
+      <a:schemeClr val="accent1">
+        <a:shade val="80000"/>
+      </a:schemeClr>
+    </dgm:linClrLst>
+    <dgm:effectClrLst/>
+    <dgm:txLinClrLst/>
+    <dgm:txFillClrLst meth="repeat">
+      <a:schemeClr val="tx1"/>
+    </dgm:txFillClrLst>
+    <dgm:txEffectClrLst/>
+  </dgm:styleLbl>
+  <dgm:styleLbl name="fgAcc1">
+    <dgm:fillClrLst meth="repeat">
+      <a:schemeClr val="lt1">
+        <a:alpha val="90000"/>
+      </a:schemeClr>
+    </dgm:fillClrLst>
+    <dgm:linClrLst meth="repeat">
+      <a:schemeClr val="accent1"/>
+    </dgm:linClrLst>
+    <dgm:effectClrLst/>
+    <dgm:txLinClrLst/>
+    <dgm:txFillClrLst meth="repeat">
+      <a:schemeClr val="dk1"/>
+    </dgm:txFillClrLst>
+    <dgm:txEffectClrLst/>
+  </dgm:styleLbl>
+  <dgm:styleLbl name="conFgAcc1">
+    <dgm:fillClrLst meth="repeat">
+      <a:schemeClr val="lt1">
+        <a:alpha val="90000"/>
+      </a:schemeClr>
+    </dgm:fillClrLst>
+    <dgm:linClrLst meth="repeat">
+      <a:schemeClr val="accent1"/>
+    </dgm:linClrLst>
+    <dgm:effectClrLst/>
+    <dgm:txLinClrLst/>
+    <dgm:txFillClrLst meth="repeat">
+      <a:schemeClr val="dk1"/>
+    </dgm:txFillClrLst>
+    <dgm:txEffectClrLst/>
+  </dgm:styleLbl>
+  <dgm:styleLbl name="alignAcc1">
+    <dgm:fillClrLst meth="repeat">
+      <a:schemeClr val="lt1">
+        <a:alpha val="90000"/>
+      </a:schemeClr>
+    </dgm:fillClrLst>
+    <dgm:linClrLst meth="repeat">
+      <a:schemeClr val="accent1"/>
+    </dgm:linClrLst>
+    <dgm:effectClrLst/>
+    <dgm:txLinClrLst/>
+    <dgm:txFillClrLst meth="repeat">
+      <a:schemeClr val="dk1"/>
+    </dgm:txFillClrLst>
+    <dgm:txEffectClrLst/>
+  </dgm:styleLbl>
+  <dgm:styleLbl name="trAlignAcc1">
+    <dgm:fillClrLst meth="repeat">
+      <a:schemeClr val="lt1">
+        <a:alpha val="40000"/>
+      </a:schemeClr>
+    </dgm:fillClrLst>
+    <dgm:linClrLst meth="repeat">
+      <a:schemeClr val="accent1"/>
+    </dgm:linClrLst>
+    <dgm:effectClrLst/>
+    <dgm:txLinClrLst/>
+    <dgm:txFillClrLst meth="repeat">
+      <a:schemeClr val="dk1"/>
+    </dgm:txFillClrLst>
+    <dgm:txEffectClrLst/>
+  </dgm:styleLbl>
+  <dgm:styleLbl name="bgAcc1">
+    <dgm:fillClrLst meth="repeat">
+      <a:schemeClr val="lt1">
+        <a:alpha val="90000"/>
+      </a:schemeClr>
+    </dgm:fillClrLst>
+    <dgm:linClrLst meth="repeat">
+      <a:schemeClr val="accent1"/>
+    </dgm:linClrLst>
+    <dgm:effectClrLst/>
+    <dgm:txLinClrLst/>
+    <dgm:txFillClrLst meth="repeat">
+      <a:schemeClr val="dk1"/>
+    </dgm:txFillClrLst>
+    <dgm:txEffectClrLst/>
+  </dgm:styleLbl>
+  <dgm:styleLbl name="solidFgAcc1">
+    <dgm:fillClrLst meth="repeat">
+      <a:schemeClr val="lt1"/>
+    </dgm:fillClrLst>
+    <dgm:linClrLst meth="repeat">
+      <a:schemeClr val="accent1"/>
+    </dgm:linClrLst>
+    <dgm:effectClrLst/>
+    <dgm:txLinClrLst/>
+    <dgm:txFillClrLst meth="repeat">
+      <a:schemeClr val="dk1"/>
+    </dgm:txFillClrLst>
+    <dgm:txEffectClrLst/>
+  </dgm:styleLbl>
+  <dgm:styleLbl name="solidAlignAcc1">
+    <dgm:fillClrLst meth="repeat">
+      <a:schemeClr val="lt1"/>
+    </dgm:fillClrLst>
+    <dgm:linClrLst meth="repeat">
+      <a:schemeClr val="accent1"/>
+    </dgm:linClrLst>
+    <dgm:effectClrLst/>
+    <dgm:txLinClrLst/>
+    <dgm:txFillClrLst meth="repeat">
+      <a:schemeClr val="dk1"/>
+    </dgm:txFillClrLst>
+    <dgm:txEffectClrLst/>
+  </dgm:styleLbl>
+  <dgm:styleLbl name="solidBgAcc1">
+    <dgm:fillClrLst meth="repeat">
+      <a:schemeClr val="lt1"/>
+    </dgm:fillClrLst>
+    <dgm:linClrLst meth="repeat">
+      <a:schemeClr val="accent1"/>
+    </dgm:linClrLst>
+    <dgm:effectClrLst/>
+    <dgm:txLinClrLst/>
+    <dgm:txFillClrLst meth="repeat">
+      <a:schemeClr val="dk1"/>
+    </dgm:txFillClrLst>
+    <dgm:txEffectClrLst/>
+  </dgm:styleLbl>
+  <dgm:styleLbl name="fgAccFollowNode1">
+    <dgm:fillClrLst meth="repeat">
+      <a:schemeClr val="accent1">
+        <a:alpha val="90000"/>
+        <a:tint val="40000"/>
+      </a:schemeClr>
+    </dgm:fillClrLst>
+    <dgm:linClrLst meth="repeat">
+      <a:schemeClr val="accent1">
+        <a:alpha val="90000"/>
+        <a:tint val="40000"/>
+      </a:schemeClr>
+    </dgm:linClrLst>
+    <dgm:effectClrLst/>
+    <dgm:txLinClrLst/>
+    <dgm:txFillClrLst meth="repeat">
+      <a:schemeClr val="dk1"/>
+    </dgm:txFillClrLst>
+    <dgm:txEffectClrLst/>
+  </dgm:styleLbl>
+  <dgm:styleLbl name="alignAccFollowNode1">
+    <dgm:fillClrLst meth="repeat">
+      <a:schemeClr val="accent1">
+        <a:alpha val="90000"/>
+        <a:tint val="40000"/>
+      </a:schemeClr>
+    </dgm:fillClrLst>
+    <dgm:linClrLst meth="repeat">
+      <a:schemeClr val="accent1">
+        <a:alpha val="90000"/>
+        <a:tint val="40000"/>
+      </a:schemeClr>
+    </dgm:linClrLst>
+    <dgm:effectClrLst/>
+    <dgm:txLinClrLst/>
+    <dgm:txFillClrLst meth="repeat">
+      <a:schemeClr val="dk1"/>
+    </dgm:txFillClrLst>
+    <dgm:txEffectClrLst/>
+  </dgm:styleLbl>
+  <dgm:styleLbl name="bgAccFollowNode1">
+    <dgm:fillClrLst meth="repeat">
+      <a:schemeClr val="accent1">
+        <a:alpha val="90000"/>
+        <a:tint val="40000"/>
+      </a:schemeClr>
+    </dgm:fillClrLst>
+    <dgm:linClrLst meth="repeat">
+      <a:schemeClr val="accent1">
+        <a:alpha val="90000"/>
+        <a:tint val="40000"/>
+      </a:schemeClr>
+    </dgm:linClrLst>
+    <dgm:effectClrLst/>
+    <dgm:txLinClrLst/>
+    <dgm:txFillClrLst meth="repeat">
+      <a:schemeClr val="dk1"/>
+    </dgm:txFillClrLst>
+    <dgm:txEffectClrLst/>
+  </dgm:styleLbl>
+  <dgm:styleLbl name="fgAcc0">
+    <dgm:fillClrLst meth="repeat">
+      <a:schemeClr val="lt1">
+        <a:alpha val="90000"/>
+      </a:schemeClr>
+    </dgm:fillClrLst>
+    <dgm:linClrLst meth="repeat">
+      <a:schemeClr val="accent1"/>
+    </dgm:linClrLst>
+    <dgm:effectClrLst/>
+    <dgm:txLinClrLst/>
+    <dgm:txFillClrLst meth="repeat">
+      <a:schemeClr val="dk1"/>
+    </dgm:txFillClrLst>
+    <dgm:txEffectClrLst/>
+  </dgm:styleLbl>
+  <dgm:styleLbl name="fgAcc2">
+    <dgm:fillClrLst meth="repeat">
+      <a:schemeClr val="lt1">
+        <a:alpha val="90000"/>
+      </a:schemeClr>
+    </dgm:fillClrLst>
+    <dgm:linClrLst meth="repeat">
+      <a:schemeClr val="accent1"/>
+    </dgm:linClrLst>
+    <dgm:effectClrLst/>
+    <dgm:txLinClrLst/>
+    <dgm:txFillClrLst meth="repeat">
+      <a:schemeClr val="dk1"/>
+    </dgm:txFillClrLst>
+    <dgm:txEffectClrLst/>
+  </dgm:styleLbl>
+  <dgm:styleLbl name="fgAcc3">
+    <dgm:fillClrLst meth="repeat">
+      <a:schemeClr val="lt1">
+        <a:alpha val="90000"/>
+      </a:schemeClr>
+    </dgm:fillClrLst>
+    <dgm:linClrLst meth="repeat">
+      <a:schemeClr val="accent1"/>
+    </dgm:linClrLst>
+    <dgm:effectClrLst/>
+    <dgm:txLinClrLst/>
+    <dgm:txFillClrLst meth="repeat">
+      <a:schemeClr val="dk1"/>
+    </dgm:txFillClrLst>
+    <dgm:txEffectClrLst/>
+  </dgm:styleLbl>
+  <dgm:styleLbl name="fgAcc4">
+    <dgm:fillClrLst meth="repeat">
+      <a:schemeClr val="lt1">
+        <a:alpha val="90000"/>
+      </a:schemeClr>
+    </dgm:fillClrLst>
+    <dgm:linClrLst meth="repeat">
+      <a:schemeClr val="accent1"/>
+    </dgm:linClrLst>
+    <dgm:effectClrLst/>
+    <dgm:txLinClrLst/>
+    <dgm:txFillClrLst meth="repeat">
+      <a:schemeClr val="dk1"/>
+    </dgm:txFillClrLst>
+    <dgm:txEffectClrLst/>
+  </dgm:styleLbl>
+  <dgm:styleLbl name="bgShp">
+    <dgm:fillClrLst meth="repeat">
+      <a:schemeClr val="accent1">
+        <a:tint val="40000"/>
+      </a:schemeClr>
+    </dgm:fillClrLst>
+    <dgm:linClrLst meth="repeat">
+      <a:schemeClr val="accent1"/>
+    </dgm:linClrLst>
+    <dgm:effectClrLst/>
+    <dgm:txLinClrLst/>
+    <dgm:txFillClrLst meth="repeat">
+      <a:schemeClr val="dk1"/>
+    </dgm:txFillClrLst>
+    <dgm:txEffectClrLst/>
+  </dgm:styleLbl>
+  <dgm:styleLbl name="dkBgShp">
+    <dgm:fillClrLst meth="repeat">
+      <a:schemeClr val="accent1">
+        <a:shade val="80000"/>
+      </a:schemeClr>
+    </dgm:fillClrLst>
+    <dgm:linClrLst meth="repeat">
+      <a:schemeClr val="accent1"/>
+    </dgm:linClrLst>
+    <dgm:effectClrLst/>
+    <dgm:txLinClrLst/>
+    <dgm:txFillClrLst meth="repeat">
+      <a:schemeClr val="lt1"/>
+    </dgm:txFillClrLst>
+    <dgm:txEffectClrLst/>
+  </dgm:styleLbl>
+  <dgm:styleLbl name="trBgShp">
+    <dgm:fillClrLst meth="repeat">
+      <a:schemeClr val="accent1">
+        <a:tint val="50000"/>
+        <a:alpha val="40000"/>
+      </a:schemeClr>
+    </dgm:fillClrLst>
+    <dgm:linClrLst meth="repeat">
+      <a:schemeClr val="accent1"/>
+    </dgm:linClrLst>
+    <dgm:effectClrLst/>
+    <dgm:txLinClrLst/>
+    <dgm:txFillClrLst meth="repeat">
+      <a:schemeClr val="lt1"/>
+    </dgm:txFillClrLst>
+    <dgm:txEffectClrLst/>
+  </dgm:styleLbl>
+  <dgm:styleLbl name="fgShp">
+    <dgm:fillClrLst meth="repeat">
+      <a:schemeClr val="accent1">
+        <a:tint val="60000"/>
+      </a:schemeClr>
+    </dgm:fillClrLst>
+    <dgm:linClrLst meth="repeat">
+      <a:schemeClr val="lt1"/>
+    </dgm:linClrLst>
+    <dgm:effectClrLst/>
+    <dgm:txLinClrLst/>
+    <dgm:txFillClrLst meth="repeat">
+      <a:schemeClr val="dk1"/>
+    </dgm:txFillClrLst>
+    <dgm:txEffectClrLst/>
+  </dgm:styleLbl>
+  <dgm:styleLbl name="revTx">
+    <dgm:fillClrLst meth="repeat">
+      <a:schemeClr val="lt1">
+        <a:alpha val="0"/>
+      </a:schemeClr>
+    </dgm:fillClrLst>
+    <dgm:linClrLst meth="repeat">
+      <a:schemeClr val="dk1">
+        <a:alpha val="0"/>
+      </a:schemeClr>
+    </dgm:linClrLst>
+    <dgm:effectClrLst/>
+    <dgm:txLinClrLst/>
+    <dgm:txFillClrLst meth="repeat">
+      <a:schemeClr val="tx1"/>
+    </dgm:txFillClrLst>
+    <dgm:txEffectClrLst/>
+  </dgm:styleLbl>
+</dgm:colorsDef>
+</file>
+
+<file path=ppt/diagrams/data1.xml><?xml version="1.0" encoding="utf-8"?>
+<dgm:dataModel xmlns:dgm="http://schemas.openxmlformats.org/drawingml/2006/diagram" xmlns:a="http://schemas.openxmlformats.org/drawingml/2006/main">
+  <dgm:ptLst>
+    <dgm:pt modelId="{94BE70B5-5908-4F1E-8D34-908665558AC1}" type="doc">
+      <dgm:prSet loTypeId="urn:microsoft.com/office/officeart/2005/8/layout/hList3" loCatId="list" qsTypeId="urn:microsoft.com/office/officeart/2005/8/quickstyle/simple1" qsCatId="simple" csTypeId="urn:microsoft.com/office/officeart/2005/8/colors/accent1_2" csCatId="accent1" phldr="1"/>
+      <dgm:spPr/>
+      <dgm:t>
+        <a:bodyPr/>
+        <a:lstStyle/>
+        <a:p>
+          <a:endParaRPr lang="zh-CN" altLang="en-US"/>
+        </a:p>
+      </dgm:t>
+    </dgm:pt>
+    <dgm:pt modelId="{30D1CF98-C871-4DC8-89B1-322B95B210E2}">
+      <dgm:prSet phldrT="[文本]"/>
+      <dgm:spPr/>
+      <dgm:t>
+        <a:bodyPr/>
+        <a:lstStyle/>
+        <a:p>
+          <a:r>
+            <a:rPr lang="en-US" altLang="zh-CN" dirty="0" smtClean="0"/>
+            <a:t>Test</a:t>
+          </a:r>
+          <a:endParaRPr lang="zh-CN" altLang="en-US" dirty="0"/>
+        </a:p>
+      </dgm:t>
+    </dgm:pt>
+    <dgm:pt modelId="{41BC7B4C-FD7E-43F2-92C7-FF8F4ADEECCA}" type="parTrans" cxnId="{B8014A77-AD59-43D5-A7BF-EB928421DB33}">
+      <dgm:prSet/>
+      <dgm:spPr/>
+      <dgm:t>
+        <a:bodyPr/>
+        <a:lstStyle/>
+        <a:p>
+          <a:endParaRPr lang="zh-CN" altLang="en-US"/>
+        </a:p>
+      </dgm:t>
+    </dgm:pt>
+    <dgm:pt modelId="{B97EBA12-ABF8-493C-A73A-1AD9A5AFEED9}" type="sibTrans" cxnId="{B8014A77-AD59-43D5-A7BF-EB928421DB33}">
+      <dgm:prSet/>
+      <dgm:spPr/>
+      <dgm:t>
+        <a:bodyPr/>
+        <a:lstStyle/>
+        <a:p>
+          <a:endParaRPr lang="zh-CN" altLang="en-US"/>
+        </a:p>
+      </dgm:t>
+    </dgm:pt>
+    <dgm:pt modelId="{4DC40B46-AA83-4631-8F58-7BC2A2AFDB24}">
+      <dgm:prSet phldrT="[文本]"/>
+      <dgm:spPr/>
+      <dgm:t>
+        <a:bodyPr/>
+        <a:lstStyle/>
+        <a:p>
+          <a:r>
+            <a:rPr lang="en-US" altLang="zh-CN" dirty="0" smtClean="0"/>
+            <a:t>demo1</a:t>
+          </a:r>
+          <a:endParaRPr lang="zh-CN" altLang="en-US" dirty="0"/>
+        </a:p>
+      </dgm:t>
+    </dgm:pt>
+    <dgm:pt modelId="{DE8A24A7-C192-4972-9134-9FB47BE55E76}" type="parTrans" cxnId="{7A877EFD-0284-4EBC-9927-6710ED548CEC}">
+      <dgm:prSet/>
+      <dgm:spPr/>
+      <dgm:t>
+        <a:bodyPr/>
+        <a:lstStyle/>
+        <a:p>
+          <a:endParaRPr lang="zh-CN" altLang="en-US"/>
+        </a:p>
+      </dgm:t>
+    </dgm:pt>
+    <dgm:pt modelId="{96B38B97-A425-429C-B9FF-3ECCB68D9347}" type="sibTrans" cxnId="{7A877EFD-0284-4EBC-9927-6710ED548CEC}">
+      <dgm:prSet/>
+      <dgm:spPr/>
+      <dgm:t>
+        <a:bodyPr/>
+        <a:lstStyle/>
+        <a:p>
+          <a:endParaRPr lang="zh-CN" altLang="en-US"/>
+        </a:p>
+      </dgm:t>
+    </dgm:pt>
+    <dgm:pt modelId="{1143A129-82F1-4FA0-B1AD-55D7607C2DBC}">
+      <dgm:prSet phldrT="[文本]"/>
+      <dgm:spPr/>
+      <dgm:t>
+        <a:bodyPr/>
+        <a:lstStyle/>
+        <a:p>
+          <a:r>
+            <a:rPr lang="en-US" altLang="zh-CN" dirty="0" smtClean="0"/>
+            <a:t>demo2</a:t>
+          </a:r>
+          <a:endParaRPr lang="zh-CN" altLang="en-US" dirty="0"/>
+        </a:p>
+      </dgm:t>
+    </dgm:pt>
+    <dgm:pt modelId="{145F4D1D-8257-4606-9498-2E0A1B397514}" type="parTrans" cxnId="{ECA04339-9DB5-4574-B3AD-E21C26D433E6}">
+      <dgm:prSet/>
+      <dgm:spPr/>
+      <dgm:t>
+        <a:bodyPr/>
+        <a:lstStyle/>
+        <a:p>
+          <a:endParaRPr lang="zh-CN" altLang="en-US"/>
+        </a:p>
+      </dgm:t>
+    </dgm:pt>
+    <dgm:pt modelId="{E18C3D43-8791-47E3-942A-BECF3F7DAB25}" type="sibTrans" cxnId="{ECA04339-9DB5-4574-B3AD-E21C26D433E6}">
+      <dgm:prSet/>
+      <dgm:spPr/>
+      <dgm:t>
+        <a:bodyPr/>
+        <a:lstStyle/>
+        <a:p>
+          <a:endParaRPr lang="zh-CN" altLang="en-US"/>
+        </a:p>
+      </dgm:t>
+    </dgm:pt>
+    <dgm:pt modelId="{684415EE-F833-4A5A-95A5-5E7645954AE8}">
+      <dgm:prSet phldrT="[文本]"/>
+      <dgm:spPr/>
+      <dgm:t>
+        <a:bodyPr/>
+        <a:lstStyle/>
+        <a:p>
+          <a:r>
+            <a:rPr lang="en-US" altLang="zh-CN" dirty="0" smtClean="0"/>
+            <a:t>demo3</a:t>
+          </a:r>
+          <a:endParaRPr lang="zh-CN" altLang="en-US" dirty="0"/>
+        </a:p>
+      </dgm:t>
+    </dgm:pt>
+    <dgm:pt modelId="{642A7E58-49A6-4602-90F9-A0C49AD5ACB1}" type="parTrans" cxnId="{2CDBEA7B-90D6-45B3-8E41-27CDF1B40B27}">
+      <dgm:prSet/>
+      <dgm:spPr/>
+      <dgm:t>
+        <a:bodyPr/>
+        <a:lstStyle/>
+        <a:p>
+          <a:endParaRPr lang="zh-CN" altLang="en-US"/>
+        </a:p>
+      </dgm:t>
+    </dgm:pt>
+    <dgm:pt modelId="{D2D7F916-49FA-4DE4-AD42-9CC580CA42CA}" type="sibTrans" cxnId="{2CDBEA7B-90D6-45B3-8E41-27CDF1B40B27}">
+      <dgm:prSet/>
+      <dgm:spPr/>
+      <dgm:t>
+        <a:bodyPr/>
+        <a:lstStyle/>
+        <a:p>
+          <a:endParaRPr lang="zh-CN" altLang="en-US"/>
+        </a:p>
+      </dgm:t>
+    </dgm:pt>
+    <dgm:pt modelId="{55DFE266-5F41-4ABC-9372-D41870B66647}" type="pres">
+      <dgm:prSet presAssocID="{94BE70B5-5908-4F1E-8D34-908665558AC1}" presName="composite" presStyleCnt="0">
+        <dgm:presLayoutVars>
+          <dgm:chMax val="1"/>
+          <dgm:dir/>
+          <dgm:resizeHandles val="exact"/>
+        </dgm:presLayoutVars>
+      </dgm:prSet>
+      <dgm:spPr/>
+      <dgm:t>
+        <a:bodyPr/>
+        <a:lstStyle/>
+        <a:p>
+          <a:endParaRPr lang="zh-CN" altLang="en-US"/>
+        </a:p>
+      </dgm:t>
+    </dgm:pt>
+    <dgm:pt modelId="{F91C6A2F-C66E-489D-ABB5-13FF953226B1}" type="pres">
+      <dgm:prSet presAssocID="{30D1CF98-C871-4DC8-89B1-322B95B210E2}" presName="roof" presStyleLbl="dkBgShp" presStyleIdx="0" presStyleCnt="2"/>
+      <dgm:spPr/>
+      <dgm:t>
+        <a:bodyPr/>
+        <a:lstStyle/>
+        <a:p>
+          <a:endParaRPr lang="zh-CN" altLang="en-US"/>
+        </a:p>
+      </dgm:t>
+    </dgm:pt>
+    <dgm:pt modelId="{29DDFCAB-868B-4460-BBDD-EF8CA4631E6B}" type="pres">
+      <dgm:prSet presAssocID="{30D1CF98-C871-4DC8-89B1-322B95B210E2}" presName="pillars" presStyleCnt="0"/>
+      <dgm:spPr/>
+    </dgm:pt>
+    <dgm:pt modelId="{C42EE52E-EDA0-451C-82C4-719D182C7C64}" type="pres">
+      <dgm:prSet presAssocID="{30D1CF98-C871-4DC8-89B1-322B95B210E2}" presName="pillar1" presStyleLbl="node1" presStyleIdx="0" presStyleCnt="3">
+        <dgm:presLayoutVars>
+          <dgm:bulletEnabled val="1"/>
+        </dgm:presLayoutVars>
+      </dgm:prSet>
+      <dgm:spPr/>
+      <dgm:t>
+        <a:bodyPr/>
+        <a:lstStyle/>
+        <a:p>
+          <a:endParaRPr lang="zh-CN" altLang="en-US"/>
+        </a:p>
+      </dgm:t>
+    </dgm:pt>
+    <dgm:pt modelId="{C142B8C7-DF8F-4938-AE4C-6B102C87A62E}" type="pres">
+      <dgm:prSet presAssocID="{1143A129-82F1-4FA0-B1AD-55D7607C2DBC}" presName="pillarX" presStyleLbl="node1" presStyleIdx="1" presStyleCnt="3">
+        <dgm:presLayoutVars>
+          <dgm:bulletEnabled val="1"/>
+        </dgm:presLayoutVars>
+      </dgm:prSet>
+      <dgm:spPr/>
+      <dgm:t>
+        <a:bodyPr/>
+        <a:lstStyle/>
+        <a:p>
+          <a:endParaRPr lang="zh-CN" altLang="en-US"/>
+        </a:p>
+      </dgm:t>
+    </dgm:pt>
+    <dgm:pt modelId="{3445DA62-EB68-405F-B936-3BFDDBC142B2}" type="pres">
+      <dgm:prSet presAssocID="{684415EE-F833-4A5A-95A5-5E7645954AE8}" presName="pillarX" presStyleLbl="node1" presStyleIdx="2" presStyleCnt="3">
+        <dgm:presLayoutVars>
+          <dgm:bulletEnabled val="1"/>
+        </dgm:presLayoutVars>
+      </dgm:prSet>
+      <dgm:spPr/>
+      <dgm:t>
+        <a:bodyPr/>
+        <a:lstStyle/>
+        <a:p>
+          <a:endParaRPr lang="zh-CN" altLang="en-US"/>
+        </a:p>
+      </dgm:t>
+    </dgm:pt>
+    <dgm:pt modelId="{200FD22B-6D2C-4B66-AC55-4E8C8AE8507C}" type="pres">
+      <dgm:prSet presAssocID="{30D1CF98-C871-4DC8-89B1-322B95B210E2}" presName="base" presStyleLbl="dkBgShp" presStyleIdx="1" presStyleCnt="2"/>
+      <dgm:spPr/>
+    </dgm:pt>
+  </dgm:ptLst>
+  <dgm:cxnLst>
+    <dgm:cxn modelId="{2CDBEA7B-90D6-45B3-8E41-27CDF1B40B27}" srcId="{30D1CF98-C871-4DC8-89B1-322B95B210E2}" destId="{684415EE-F833-4A5A-95A5-5E7645954AE8}" srcOrd="2" destOrd="0" parTransId="{642A7E58-49A6-4602-90F9-A0C49AD5ACB1}" sibTransId="{D2D7F916-49FA-4DE4-AD42-9CC580CA42CA}"/>
+    <dgm:cxn modelId="{B8014A77-AD59-43D5-A7BF-EB928421DB33}" srcId="{94BE70B5-5908-4F1E-8D34-908665558AC1}" destId="{30D1CF98-C871-4DC8-89B1-322B95B210E2}" srcOrd="0" destOrd="0" parTransId="{41BC7B4C-FD7E-43F2-92C7-FF8F4ADEECCA}" sibTransId="{B97EBA12-ABF8-493C-A73A-1AD9A5AFEED9}"/>
+    <dgm:cxn modelId="{ECA04339-9DB5-4574-B3AD-E21C26D433E6}" srcId="{30D1CF98-C871-4DC8-89B1-322B95B210E2}" destId="{1143A129-82F1-4FA0-B1AD-55D7607C2DBC}" srcOrd="1" destOrd="0" parTransId="{145F4D1D-8257-4606-9498-2E0A1B397514}" sibTransId="{E18C3D43-8791-47E3-942A-BECF3F7DAB25}"/>
+    <dgm:cxn modelId="{51C9225C-E6F7-4DF8-AA59-BB397486CC63}" type="presOf" srcId="{4DC40B46-AA83-4631-8F58-7BC2A2AFDB24}" destId="{C42EE52E-EDA0-451C-82C4-719D182C7C64}" srcOrd="0" destOrd="0" presId="urn:microsoft.com/office/officeart/2005/8/layout/hList3"/>
+    <dgm:cxn modelId="{7A877EFD-0284-4EBC-9927-6710ED548CEC}" srcId="{30D1CF98-C871-4DC8-89B1-322B95B210E2}" destId="{4DC40B46-AA83-4631-8F58-7BC2A2AFDB24}" srcOrd="0" destOrd="0" parTransId="{DE8A24A7-C192-4972-9134-9FB47BE55E76}" sibTransId="{96B38B97-A425-429C-B9FF-3ECCB68D9347}"/>
+    <dgm:cxn modelId="{36BDA2D3-A2D3-477D-8C34-96B3EA41A6F4}" type="presOf" srcId="{94BE70B5-5908-4F1E-8D34-908665558AC1}" destId="{55DFE266-5F41-4ABC-9372-D41870B66647}" srcOrd="0" destOrd="0" presId="urn:microsoft.com/office/officeart/2005/8/layout/hList3"/>
+    <dgm:cxn modelId="{E4DC789E-4F93-4147-B784-407EDA41C98B}" type="presOf" srcId="{684415EE-F833-4A5A-95A5-5E7645954AE8}" destId="{3445DA62-EB68-405F-B936-3BFDDBC142B2}" srcOrd="0" destOrd="0" presId="urn:microsoft.com/office/officeart/2005/8/layout/hList3"/>
+    <dgm:cxn modelId="{72D11256-152F-4479-8E56-E453B8CE37B6}" type="presOf" srcId="{30D1CF98-C871-4DC8-89B1-322B95B210E2}" destId="{F91C6A2F-C66E-489D-ABB5-13FF953226B1}" srcOrd="0" destOrd="0" presId="urn:microsoft.com/office/officeart/2005/8/layout/hList3"/>
+    <dgm:cxn modelId="{08AE9B92-B533-4947-B96B-80AD0155E34F}" type="presOf" srcId="{1143A129-82F1-4FA0-B1AD-55D7607C2DBC}" destId="{C142B8C7-DF8F-4938-AE4C-6B102C87A62E}" srcOrd="0" destOrd="0" presId="urn:microsoft.com/office/officeart/2005/8/layout/hList3"/>
+    <dgm:cxn modelId="{FE081C47-A871-4564-B41B-FC55EF5BF471}" type="presParOf" srcId="{55DFE266-5F41-4ABC-9372-D41870B66647}" destId="{F91C6A2F-C66E-489D-ABB5-13FF953226B1}" srcOrd="0" destOrd="0" presId="urn:microsoft.com/office/officeart/2005/8/layout/hList3"/>
+    <dgm:cxn modelId="{87901CA3-81C0-40D8-A949-525E9E0BDFE8}" type="presParOf" srcId="{55DFE266-5F41-4ABC-9372-D41870B66647}" destId="{29DDFCAB-868B-4460-BBDD-EF8CA4631E6B}" srcOrd="1" destOrd="0" presId="urn:microsoft.com/office/officeart/2005/8/layout/hList3"/>
+    <dgm:cxn modelId="{71585C21-70E8-4727-AA1A-43959FC7CCA3}" type="presParOf" srcId="{29DDFCAB-868B-4460-BBDD-EF8CA4631E6B}" destId="{C42EE52E-EDA0-451C-82C4-719D182C7C64}" srcOrd="0" destOrd="0" presId="urn:microsoft.com/office/officeart/2005/8/layout/hList3"/>
+    <dgm:cxn modelId="{F1BD3C26-A0AF-469D-9A9A-73F3A8E48C1E}" type="presParOf" srcId="{29DDFCAB-868B-4460-BBDD-EF8CA4631E6B}" destId="{C142B8C7-DF8F-4938-AE4C-6B102C87A62E}" srcOrd="1" destOrd="0" presId="urn:microsoft.com/office/officeart/2005/8/layout/hList3"/>
+    <dgm:cxn modelId="{92104883-7A83-4E79-8C5B-28EE9829CD39}" type="presParOf" srcId="{29DDFCAB-868B-4460-BBDD-EF8CA4631E6B}" destId="{3445DA62-EB68-405F-B936-3BFDDBC142B2}" srcOrd="2" destOrd="0" presId="urn:microsoft.com/office/officeart/2005/8/layout/hList3"/>
+    <dgm:cxn modelId="{2A94B8CB-BB88-4725-8234-3B6BF505CC96}" type="presParOf" srcId="{55DFE266-5F41-4ABC-9372-D41870B66647}" destId="{200FD22B-6D2C-4B66-AC55-4E8C8AE8507C}" srcOrd="2" destOrd="0" presId="urn:microsoft.com/office/officeart/2005/8/layout/hList3"/>
+  </dgm:cxnLst>
+  <dgm:bg/>
+  <dgm:whole/>
+  <dgm:extLst>
+    <a:ext uri="http://schemas.microsoft.com/office/drawing/2008/diagram">
+      <dsp:dataModelExt xmlns:dsp="http://schemas.microsoft.com/office/drawing/2008/diagram" relId="rId6" minVer="http://schemas.openxmlformats.org/drawingml/2006/diagram"/>
+    </a:ext>
+  </dgm:extLst>
+</dgm:dataModel>
+</file>
+
+<file path=ppt/diagrams/data2.xml><?xml version="1.0" encoding="utf-8"?>
+<dgm:dataModel xmlns:dgm="http://schemas.openxmlformats.org/drawingml/2006/diagram" xmlns:a="http://schemas.openxmlformats.org/drawingml/2006/main">
+  <dgm:ptLst>
+    <dgm:pt modelId="{17214430-A7F0-41F3-B2EC-1E912BE55994}" type="doc">
+      <dgm:prSet loTypeId="urn:microsoft.com/office/officeart/2005/8/layout/hList1" loCatId="list" qsTypeId="urn:microsoft.com/office/officeart/2005/8/quickstyle/simple1" qsCatId="simple" csTypeId="urn:microsoft.com/office/officeart/2005/8/colors/accent1_2" csCatId="accent1" phldr="1"/>
+      <dgm:spPr/>
+      <dgm:t>
+        <a:bodyPr/>
+        <a:lstStyle/>
+        <a:p>
+          <a:endParaRPr lang="zh-CN" altLang="en-US"/>
+        </a:p>
+      </dgm:t>
+    </dgm:pt>
+    <dgm:pt modelId="{FA0307A0-A96B-4521-8BA9-A948322CBE9A}">
+      <dgm:prSet phldrT="[文本]"/>
+      <dgm:spPr/>
+      <dgm:t>
+        <a:bodyPr/>
+        <a:lstStyle/>
+        <a:p>
+          <a:r>
+            <a:rPr lang="en-US" altLang="zh-CN" dirty="0" err="1" smtClean="0"/>
+            <a:t>sdfs</a:t>
+          </a:r>
+          <a:endParaRPr lang="zh-CN" altLang="en-US" dirty="0"/>
+        </a:p>
+      </dgm:t>
+    </dgm:pt>
+    <dgm:pt modelId="{E0DA8508-011C-4C70-99D3-4AF0383F57F2}" type="parTrans" cxnId="{23D79024-30BB-4CC8-9D19-567543CF72FF}">
+      <dgm:prSet/>
+      <dgm:spPr/>
+      <dgm:t>
+        <a:bodyPr/>
+        <a:lstStyle/>
+        <a:p>
+          <a:endParaRPr lang="zh-CN" altLang="en-US"/>
+        </a:p>
+      </dgm:t>
+    </dgm:pt>
+    <dgm:pt modelId="{68ED3F66-67B7-4586-9CEC-273B0D76B360}" type="sibTrans" cxnId="{23D79024-30BB-4CC8-9D19-567543CF72FF}">
+      <dgm:prSet/>
+      <dgm:spPr/>
+      <dgm:t>
+        <a:bodyPr/>
+        <a:lstStyle/>
+        <a:p>
+          <a:endParaRPr lang="zh-CN" altLang="en-US"/>
+        </a:p>
+      </dgm:t>
+    </dgm:pt>
+    <dgm:pt modelId="{00510682-7267-4906-B537-8C5E34778F06}">
+      <dgm:prSet phldrT="[文本]"/>
+      <dgm:spPr/>
+      <dgm:t>
+        <a:bodyPr/>
+        <a:lstStyle/>
+        <a:p>
+          <a:r>
+            <a:rPr lang="en-US" altLang="zh-CN" dirty="0" err="1" smtClean="0"/>
+            <a:t>sdfdsf</a:t>
+          </a:r>
+          <a:endParaRPr lang="zh-CN" altLang="en-US" dirty="0"/>
+        </a:p>
+      </dgm:t>
+    </dgm:pt>
+    <dgm:pt modelId="{1F753214-347E-4FF0-ADCC-076EE88E01C8}" type="parTrans" cxnId="{D65FF528-1D29-429E-940D-1425884E37C6}">
+      <dgm:prSet/>
+      <dgm:spPr/>
+      <dgm:t>
+        <a:bodyPr/>
+        <a:lstStyle/>
+        <a:p>
+          <a:endParaRPr lang="zh-CN" altLang="en-US"/>
+        </a:p>
+      </dgm:t>
+    </dgm:pt>
+    <dgm:pt modelId="{9AB9EAA1-BF62-4378-9D6A-C9D565B759D9}" type="sibTrans" cxnId="{D65FF528-1D29-429E-940D-1425884E37C6}">
+      <dgm:prSet/>
+      <dgm:spPr/>
+      <dgm:t>
+        <a:bodyPr/>
+        <a:lstStyle/>
+        <a:p>
+          <a:endParaRPr lang="zh-CN" altLang="en-US"/>
+        </a:p>
+      </dgm:t>
+    </dgm:pt>
+    <dgm:pt modelId="{A2091D77-24F4-4233-BB69-C74010BDDC66}">
+      <dgm:prSet phldrT="[文本]"/>
+      <dgm:spPr/>
+      <dgm:t>
+        <a:bodyPr/>
+        <a:lstStyle/>
+        <a:p>
+          <a:r>
+            <a:rPr lang="en-US" altLang="zh-CN" dirty="0" err="1" smtClean="0"/>
+            <a:t>sdf</a:t>
+          </a:r>
+          <a:endParaRPr lang="zh-CN" altLang="en-US" dirty="0"/>
+        </a:p>
+      </dgm:t>
+    </dgm:pt>
+    <dgm:pt modelId="{C9C55B2F-9261-44F1-A61F-00C9104276DD}" type="parTrans" cxnId="{B1AE3DDE-855D-44B4-BECE-9087ACE316D6}">
+      <dgm:prSet/>
+      <dgm:spPr/>
+      <dgm:t>
+        <a:bodyPr/>
+        <a:lstStyle/>
+        <a:p>
+          <a:endParaRPr lang="zh-CN" altLang="en-US"/>
+        </a:p>
+      </dgm:t>
+    </dgm:pt>
+    <dgm:pt modelId="{DDF087E8-AEA9-4393-B26C-E94770F47596}" type="sibTrans" cxnId="{B1AE3DDE-855D-44B4-BECE-9087ACE316D6}">
+      <dgm:prSet/>
+      <dgm:spPr/>
+      <dgm:t>
+        <a:bodyPr/>
+        <a:lstStyle/>
+        <a:p>
+          <a:endParaRPr lang="zh-CN" altLang="en-US"/>
+        </a:p>
+      </dgm:t>
+    </dgm:pt>
+    <dgm:pt modelId="{D2F64E50-C5AB-464E-B143-E72D22DC8A24}">
+      <dgm:prSet phldrT="[文本]"/>
+      <dgm:spPr/>
+      <dgm:t>
+        <a:bodyPr/>
+        <a:lstStyle/>
+        <a:p>
+          <a:r>
+            <a:rPr lang="en-US" altLang="zh-CN" dirty="0" err="1" smtClean="0"/>
+            <a:t>sdf</a:t>
+          </a:r>
+          <a:endParaRPr lang="zh-CN" altLang="en-US" dirty="0"/>
+        </a:p>
+      </dgm:t>
+    </dgm:pt>
+    <dgm:pt modelId="{31242434-5A6A-4737-98F4-CA47EAD00BE6}" type="parTrans" cxnId="{A098759A-BB91-432F-9483-D04390719EF2}">
+      <dgm:prSet/>
+      <dgm:spPr/>
+      <dgm:t>
+        <a:bodyPr/>
+        <a:lstStyle/>
+        <a:p>
+          <a:endParaRPr lang="zh-CN" altLang="en-US"/>
+        </a:p>
+      </dgm:t>
+    </dgm:pt>
+    <dgm:pt modelId="{C7C1E9B5-C61A-4F47-983C-7F40D83A4B65}" type="sibTrans" cxnId="{A098759A-BB91-432F-9483-D04390719EF2}">
+      <dgm:prSet/>
+      <dgm:spPr/>
+      <dgm:t>
+        <a:bodyPr/>
+        <a:lstStyle/>
+        <a:p>
+          <a:endParaRPr lang="zh-CN" altLang="en-US"/>
+        </a:p>
+      </dgm:t>
+    </dgm:pt>
+    <dgm:pt modelId="{361F6E0E-426A-4101-BDDD-055B993099DF}">
+      <dgm:prSet phldrT="[文本]"/>
+      <dgm:spPr/>
+      <dgm:t>
+        <a:bodyPr/>
+        <a:lstStyle/>
+        <a:p>
+          <a:r>
+            <a:rPr lang="en-US" altLang="zh-CN" dirty="0" err="1" smtClean="0"/>
+            <a:t>sdf</a:t>
+          </a:r>
+          <a:endParaRPr lang="zh-CN" altLang="en-US" dirty="0"/>
+        </a:p>
+      </dgm:t>
+    </dgm:pt>
+    <dgm:pt modelId="{8A2A0A68-A0B3-4B1F-A3DC-A51A45162301}" type="parTrans" cxnId="{A6CE5626-175B-42A3-8201-72E9BB184FB3}">
+      <dgm:prSet/>
+      <dgm:spPr/>
+      <dgm:t>
+        <a:bodyPr/>
+        <a:lstStyle/>
+        <a:p>
+          <a:endParaRPr lang="zh-CN" altLang="en-US"/>
+        </a:p>
+      </dgm:t>
+    </dgm:pt>
+    <dgm:pt modelId="{10742980-DAAC-40DC-B09E-E70C9A905C06}" type="sibTrans" cxnId="{A6CE5626-175B-42A3-8201-72E9BB184FB3}">
+      <dgm:prSet/>
+      <dgm:spPr/>
+      <dgm:t>
+        <a:bodyPr/>
+        <a:lstStyle/>
+        <a:p>
+          <a:endParaRPr lang="zh-CN" altLang="en-US"/>
+        </a:p>
+      </dgm:t>
+    </dgm:pt>
+    <dgm:pt modelId="{6D2A0398-FE00-459C-820F-424FA9416BAB}">
+      <dgm:prSet phldrT="[文本]"/>
+      <dgm:spPr/>
+      <dgm:t>
+        <a:bodyPr/>
+        <a:lstStyle/>
+        <a:p>
+          <a:r>
+            <a:rPr lang="en-US" altLang="zh-CN" dirty="0" err="1" smtClean="0"/>
+            <a:t>sdf</a:t>
+          </a:r>
+          <a:endParaRPr lang="zh-CN" altLang="en-US" dirty="0"/>
+        </a:p>
+      </dgm:t>
+    </dgm:pt>
+    <dgm:pt modelId="{8343CBF2-33B8-43A4-A325-DB36E18F4DF9}" type="parTrans" cxnId="{069E99A6-F5EA-43A0-895C-8C892102902B}">
+      <dgm:prSet/>
+      <dgm:spPr/>
+      <dgm:t>
+        <a:bodyPr/>
+        <a:lstStyle/>
+        <a:p>
+          <a:endParaRPr lang="zh-CN" altLang="en-US"/>
+        </a:p>
+      </dgm:t>
+    </dgm:pt>
+    <dgm:pt modelId="{6528C97F-4578-49C4-807D-2E87A06EB833}" type="sibTrans" cxnId="{069E99A6-F5EA-43A0-895C-8C892102902B}">
+      <dgm:prSet/>
+      <dgm:spPr/>
+      <dgm:t>
+        <a:bodyPr/>
+        <a:lstStyle/>
+        <a:p>
+          <a:endParaRPr lang="zh-CN" altLang="en-US"/>
+        </a:p>
+      </dgm:t>
+    </dgm:pt>
+    <dgm:pt modelId="{77BD6E8D-7393-43CF-B817-A2C2932A66E0}">
+      <dgm:prSet phldrT="[文本]"/>
+      <dgm:spPr/>
+      <dgm:t>
+        <a:bodyPr/>
+        <a:lstStyle/>
+        <a:p>
+          <a:r>
+            <a:rPr lang="en-US" altLang="zh-CN" dirty="0" err="1" smtClean="0"/>
+            <a:t>sdf</a:t>
+          </a:r>
+          <a:endParaRPr lang="zh-CN" altLang="en-US" dirty="0"/>
+        </a:p>
+      </dgm:t>
+    </dgm:pt>
+    <dgm:pt modelId="{20B9B5D4-8ED5-4C9D-B146-7492BD898669}" type="parTrans" cxnId="{17F70324-DE19-46BB-9251-43F9EE387698}">
+      <dgm:prSet/>
+      <dgm:spPr/>
+      <dgm:t>
+        <a:bodyPr/>
+        <a:lstStyle/>
+        <a:p>
+          <a:endParaRPr lang="zh-CN" altLang="en-US"/>
+        </a:p>
+      </dgm:t>
+    </dgm:pt>
+    <dgm:pt modelId="{76A0B30F-B715-45F2-8A0F-DE9DEB5947AE}" type="sibTrans" cxnId="{17F70324-DE19-46BB-9251-43F9EE387698}">
+      <dgm:prSet/>
+      <dgm:spPr/>
+      <dgm:t>
+        <a:bodyPr/>
+        <a:lstStyle/>
+        <a:p>
+          <a:endParaRPr lang="zh-CN" altLang="en-US"/>
+        </a:p>
+      </dgm:t>
+    </dgm:pt>
+    <dgm:pt modelId="{E4AD13B8-A64B-4099-A3EF-B2B929B98404}">
+      <dgm:prSet phldrT="[文本]"/>
+      <dgm:spPr/>
+      <dgm:t>
+        <a:bodyPr/>
+        <a:lstStyle/>
+        <a:p>
+          <a:r>
+            <a:rPr lang="en-US" altLang="zh-CN" dirty="0" err="1" smtClean="0"/>
+            <a:t>sdf</a:t>
+          </a:r>
+          <a:endParaRPr lang="zh-CN" altLang="en-US" dirty="0"/>
+        </a:p>
+      </dgm:t>
+    </dgm:pt>
+    <dgm:pt modelId="{90BD3C82-0C8D-4ED9-9044-2DD05D92E1C9}" type="parTrans" cxnId="{20FA9A86-8B71-4140-B0BF-E4713F7421D1}">
+      <dgm:prSet/>
+      <dgm:spPr/>
+      <dgm:t>
+        <a:bodyPr/>
+        <a:lstStyle/>
+        <a:p>
+          <a:endParaRPr lang="zh-CN" altLang="en-US"/>
+        </a:p>
+      </dgm:t>
+    </dgm:pt>
+    <dgm:pt modelId="{E85337EE-3682-468F-8D17-F104508F98BE}" type="sibTrans" cxnId="{20FA9A86-8B71-4140-B0BF-E4713F7421D1}">
+      <dgm:prSet/>
+      <dgm:spPr/>
+      <dgm:t>
+        <a:bodyPr/>
+        <a:lstStyle/>
+        <a:p>
+          <a:endParaRPr lang="zh-CN" altLang="en-US"/>
+        </a:p>
+      </dgm:t>
+    </dgm:pt>
+    <dgm:pt modelId="{975934A7-4E02-49D4-AFC0-EA8EFD05BB23}">
+      <dgm:prSet phldrT="[文本]"/>
+      <dgm:spPr/>
+      <dgm:t>
+        <a:bodyPr/>
+        <a:lstStyle/>
+        <a:p>
+          <a:r>
+            <a:rPr lang="en-US" altLang="zh-CN" dirty="0" err="1" smtClean="0"/>
+            <a:t>sdf</a:t>
+          </a:r>
+          <a:endParaRPr lang="zh-CN" altLang="en-US" dirty="0"/>
+        </a:p>
+      </dgm:t>
+    </dgm:pt>
+    <dgm:pt modelId="{1D228D24-F7B9-47F9-ABAB-21F95A3A48EF}" type="parTrans" cxnId="{513EEDC0-3973-4D33-9BC0-2B87B48FF44E}">
+      <dgm:prSet/>
+      <dgm:spPr/>
+      <dgm:t>
+        <a:bodyPr/>
+        <a:lstStyle/>
+        <a:p>
+          <a:endParaRPr lang="zh-CN" altLang="en-US"/>
+        </a:p>
+      </dgm:t>
+    </dgm:pt>
+    <dgm:pt modelId="{B4244782-B9C6-4116-8016-E4E4095F0261}" type="sibTrans" cxnId="{513EEDC0-3973-4D33-9BC0-2B87B48FF44E}">
+      <dgm:prSet/>
+      <dgm:spPr/>
+      <dgm:t>
+        <a:bodyPr/>
+        <a:lstStyle/>
+        <a:p>
+          <a:endParaRPr lang="zh-CN" altLang="en-US"/>
+        </a:p>
+      </dgm:t>
+    </dgm:pt>
+    <dgm:pt modelId="{D80F4244-2FE4-4FAF-A120-548FF4D9CE64}" type="pres">
+      <dgm:prSet presAssocID="{17214430-A7F0-41F3-B2EC-1E912BE55994}" presName="Name0" presStyleCnt="0">
+        <dgm:presLayoutVars>
+          <dgm:dir/>
+          <dgm:animLvl val="lvl"/>
+          <dgm:resizeHandles val="exact"/>
+        </dgm:presLayoutVars>
+      </dgm:prSet>
+      <dgm:spPr/>
+      <dgm:t>
+        <a:bodyPr/>
+        <a:lstStyle/>
+        <a:p>
+          <a:endParaRPr lang="zh-CN" altLang="en-US"/>
+        </a:p>
+      </dgm:t>
+    </dgm:pt>
+    <dgm:pt modelId="{2E91FC14-EA9F-4418-94D6-A4CCAB7C410C}" type="pres">
+      <dgm:prSet presAssocID="{FA0307A0-A96B-4521-8BA9-A948322CBE9A}" presName="composite" presStyleCnt="0"/>
+      <dgm:spPr/>
+    </dgm:pt>
+    <dgm:pt modelId="{A07CF886-67B2-402C-9937-872A6DE9BD02}" type="pres">
+      <dgm:prSet presAssocID="{FA0307A0-A96B-4521-8BA9-A948322CBE9A}" presName="parTx" presStyleLbl="alignNode1" presStyleIdx="0" presStyleCnt="3">
+        <dgm:presLayoutVars>
+          <dgm:chMax val="0"/>
+          <dgm:chPref val="0"/>
+          <dgm:bulletEnabled val="1"/>
+        </dgm:presLayoutVars>
+      </dgm:prSet>
+      <dgm:spPr/>
+      <dgm:t>
+        <a:bodyPr/>
+        <a:lstStyle/>
+        <a:p>
+          <a:endParaRPr lang="zh-CN" altLang="en-US"/>
+        </a:p>
+      </dgm:t>
+    </dgm:pt>
+    <dgm:pt modelId="{71C40B82-9F64-42B5-8543-20F8A5354761}" type="pres">
+      <dgm:prSet presAssocID="{FA0307A0-A96B-4521-8BA9-A948322CBE9A}" presName="desTx" presStyleLbl="alignAccFollowNode1" presStyleIdx="0" presStyleCnt="3">
+        <dgm:presLayoutVars>
+          <dgm:bulletEnabled val="1"/>
+        </dgm:presLayoutVars>
+      </dgm:prSet>
+      <dgm:spPr/>
+      <dgm:t>
+        <a:bodyPr/>
+        <a:lstStyle/>
+        <a:p>
+          <a:endParaRPr lang="zh-CN" altLang="en-US"/>
+        </a:p>
+      </dgm:t>
+    </dgm:pt>
+    <dgm:pt modelId="{9F7599C5-3A16-4B4D-9614-7F124E1D836E}" type="pres">
+      <dgm:prSet presAssocID="{68ED3F66-67B7-4586-9CEC-273B0D76B360}" presName="space" presStyleCnt="0"/>
+      <dgm:spPr/>
+    </dgm:pt>
+    <dgm:pt modelId="{D8D0FE30-8E44-4B4E-8737-BEC695A10B21}" type="pres">
+      <dgm:prSet presAssocID="{D2F64E50-C5AB-464E-B143-E72D22DC8A24}" presName="composite" presStyleCnt="0"/>
+      <dgm:spPr/>
+    </dgm:pt>
+    <dgm:pt modelId="{11C4ADD7-47CE-454F-998E-647FAA6E8EE5}" type="pres">
+      <dgm:prSet presAssocID="{D2F64E50-C5AB-464E-B143-E72D22DC8A24}" presName="parTx" presStyleLbl="alignNode1" presStyleIdx="1" presStyleCnt="3">
+        <dgm:presLayoutVars>
+          <dgm:chMax val="0"/>
+          <dgm:chPref val="0"/>
+          <dgm:bulletEnabled val="1"/>
+        </dgm:presLayoutVars>
+      </dgm:prSet>
+      <dgm:spPr/>
+      <dgm:t>
+        <a:bodyPr/>
+        <a:lstStyle/>
+        <a:p>
+          <a:endParaRPr lang="zh-CN" altLang="en-US"/>
+        </a:p>
+      </dgm:t>
+    </dgm:pt>
+    <dgm:pt modelId="{3AEECB27-6B95-494B-8588-E71210951EC7}" type="pres">
+      <dgm:prSet presAssocID="{D2F64E50-C5AB-464E-B143-E72D22DC8A24}" presName="desTx" presStyleLbl="alignAccFollowNode1" presStyleIdx="1" presStyleCnt="3">
+        <dgm:presLayoutVars>
+          <dgm:bulletEnabled val="1"/>
+        </dgm:presLayoutVars>
+      </dgm:prSet>
+      <dgm:spPr/>
+      <dgm:t>
+        <a:bodyPr/>
+        <a:lstStyle/>
+        <a:p>
+          <a:endParaRPr lang="zh-CN" altLang="en-US"/>
+        </a:p>
+      </dgm:t>
+    </dgm:pt>
+    <dgm:pt modelId="{5DD55932-23D5-48C6-B7A2-0320286A7861}" type="pres">
+      <dgm:prSet presAssocID="{C7C1E9B5-C61A-4F47-983C-7F40D83A4B65}" presName="space" presStyleCnt="0"/>
+      <dgm:spPr/>
+    </dgm:pt>
+    <dgm:pt modelId="{E8452F1E-96A4-4107-A081-8DCFCBB71E78}" type="pres">
+      <dgm:prSet presAssocID="{77BD6E8D-7393-43CF-B817-A2C2932A66E0}" presName="composite" presStyleCnt="0"/>
+      <dgm:spPr/>
+    </dgm:pt>
+    <dgm:pt modelId="{F0D770C4-DCFB-4BB6-90F6-04AEF123B215}" type="pres">
+      <dgm:prSet presAssocID="{77BD6E8D-7393-43CF-B817-A2C2932A66E0}" presName="parTx" presStyleLbl="alignNode1" presStyleIdx="2" presStyleCnt="3">
+        <dgm:presLayoutVars>
+          <dgm:chMax val="0"/>
+          <dgm:chPref val="0"/>
+          <dgm:bulletEnabled val="1"/>
+        </dgm:presLayoutVars>
+      </dgm:prSet>
+      <dgm:spPr/>
+      <dgm:t>
+        <a:bodyPr/>
+        <a:lstStyle/>
+        <a:p>
+          <a:endParaRPr lang="zh-CN" altLang="en-US"/>
+        </a:p>
+      </dgm:t>
+    </dgm:pt>
+    <dgm:pt modelId="{F7CCB0F5-7BEF-4974-94B7-40090ECA00B4}" type="pres">
+      <dgm:prSet presAssocID="{77BD6E8D-7393-43CF-B817-A2C2932A66E0}" presName="desTx" presStyleLbl="alignAccFollowNode1" presStyleIdx="2" presStyleCnt="3">
+        <dgm:presLayoutVars>
+          <dgm:bulletEnabled val="1"/>
+        </dgm:presLayoutVars>
+      </dgm:prSet>
+      <dgm:spPr/>
+      <dgm:t>
+        <a:bodyPr/>
+        <a:lstStyle/>
+        <a:p>
+          <a:endParaRPr lang="zh-CN" altLang="en-US"/>
+        </a:p>
+      </dgm:t>
+    </dgm:pt>
+  </dgm:ptLst>
+  <dgm:cxnLst>
+    <dgm:cxn modelId="{88389582-983E-415E-8638-34197B510796}" type="presOf" srcId="{D2F64E50-C5AB-464E-B143-E72D22DC8A24}" destId="{11C4ADD7-47CE-454F-998E-647FAA6E8EE5}" srcOrd="0" destOrd="0" presId="urn:microsoft.com/office/officeart/2005/8/layout/hList1"/>
+    <dgm:cxn modelId="{513EEDC0-3973-4D33-9BC0-2B87B48FF44E}" srcId="{77BD6E8D-7393-43CF-B817-A2C2932A66E0}" destId="{975934A7-4E02-49D4-AFC0-EA8EFD05BB23}" srcOrd="1" destOrd="0" parTransId="{1D228D24-F7B9-47F9-ABAB-21F95A3A48EF}" sibTransId="{B4244782-B9C6-4116-8016-E4E4095F0261}"/>
+    <dgm:cxn modelId="{A6CE5626-175B-42A3-8201-72E9BB184FB3}" srcId="{D2F64E50-C5AB-464E-B143-E72D22DC8A24}" destId="{361F6E0E-426A-4101-BDDD-055B993099DF}" srcOrd="0" destOrd="0" parTransId="{8A2A0A68-A0B3-4B1F-A3DC-A51A45162301}" sibTransId="{10742980-DAAC-40DC-B09E-E70C9A905C06}"/>
+    <dgm:cxn modelId="{AF128E48-83B8-4849-AF26-CC5C011BE9C5}" type="presOf" srcId="{17214430-A7F0-41F3-B2EC-1E912BE55994}" destId="{D80F4244-2FE4-4FAF-A120-548FF4D9CE64}" srcOrd="0" destOrd="0" presId="urn:microsoft.com/office/officeart/2005/8/layout/hList1"/>
+    <dgm:cxn modelId="{20FA9A86-8B71-4140-B0BF-E4713F7421D1}" srcId="{77BD6E8D-7393-43CF-B817-A2C2932A66E0}" destId="{E4AD13B8-A64B-4099-A3EF-B2B929B98404}" srcOrd="0" destOrd="0" parTransId="{90BD3C82-0C8D-4ED9-9044-2DD05D92E1C9}" sibTransId="{E85337EE-3682-468F-8D17-F104508F98BE}"/>
+    <dgm:cxn modelId="{069E99A6-F5EA-43A0-895C-8C892102902B}" srcId="{D2F64E50-C5AB-464E-B143-E72D22DC8A24}" destId="{6D2A0398-FE00-459C-820F-424FA9416BAB}" srcOrd="1" destOrd="0" parTransId="{8343CBF2-33B8-43A4-A325-DB36E18F4DF9}" sibTransId="{6528C97F-4578-49C4-807D-2E87A06EB833}"/>
+    <dgm:cxn modelId="{17F70324-DE19-46BB-9251-43F9EE387698}" srcId="{17214430-A7F0-41F3-B2EC-1E912BE55994}" destId="{77BD6E8D-7393-43CF-B817-A2C2932A66E0}" srcOrd="2" destOrd="0" parTransId="{20B9B5D4-8ED5-4C9D-B146-7492BD898669}" sibTransId="{76A0B30F-B715-45F2-8A0F-DE9DEB5947AE}"/>
+    <dgm:cxn modelId="{6BAE542C-C130-473C-9D03-4D5549DC7C39}" type="presOf" srcId="{A2091D77-24F4-4233-BB69-C74010BDDC66}" destId="{71C40B82-9F64-42B5-8543-20F8A5354761}" srcOrd="0" destOrd="1" presId="urn:microsoft.com/office/officeart/2005/8/layout/hList1"/>
+    <dgm:cxn modelId="{A098759A-BB91-432F-9483-D04390719EF2}" srcId="{17214430-A7F0-41F3-B2EC-1E912BE55994}" destId="{D2F64E50-C5AB-464E-B143-E72D22DC8A24}" srcOrd="1" destOrd="0" parTransId="{31242434-5A6A-4737-98F4-CA47EAD00BE6}" sibTransId="{C7C1E9B5-C61A-4F47-983C-7F40D83A4B65}"/>
+    <dgm:cxn modelId="{D65FF528-1D29-429E-940D-1425884E37C6}" srcId="{FA0307A0-A96B-4521-8BA9-A948322CBE9A}" destId="{00510682-7267-4906-B537-8C5E34778F06}" srcOrd="0" destOrd="0" parTransId="{1F753214-347E-4FF0-ADCC-076EE88E01C8}" sibTransId="{9AB9EAA1-BF62-4378-9D6A-C9D565B759D9}"/>
+    <dgm:cxn modelId="{B1AE3DDE-855D-44B4-BECE-9087ACE316D6}" srcId="{FA0307A0-A96B-4521-8BA9-A948322CBE9A}" destId="{A2091D77-24F4-4233-BB69-C74010BDDC66}" srcOrd="1" destOrd="0" parTransId="{C9C55B2F-9261-44F1-A61F-00C9104276DD}" sibTransId="{DDF087E8-AEA9-4393-B26C-E94770F47596}"/>
+    <dgm:cxn modelId="{2A092BC6-8F45-49E0-A245-5091326A7177}" type="presOf" srcId="{E4AD13B8-A64B-4099-A3EF-B2B929B98404}" destId="{F7CCB0F5-7BEF-4974-94B7-40090ECA00B4}" srcOrd="0" destOrd="0" presId="urn:microsoft.com/office/officeart/2005/8/layout/hList1"/>
+    <dgm:cxn modelId="{23D79024-30BB-4CC8-9D19-567543CF72FF}" srcId="{17214430-A7F0-41F3-B2EC-1E912BE55994}" destId="{FA0307A0-A96B-4521-8BA9-A948322CBE9A}" srcOrd="0" destOrd="0" parTransId="{E0DA8508-011C-4C70-99D3-4AF0383F57F2}" sibTransId="{68ED3F66-67B7-4586-9CEC-273B0D76B360}"/>
+    <dgm:cxn modelId="{732705C8-B406-40CE-8E57-F07A4F6E7E7B}" type="presOf" srcId="{FA0307A0-A96B-4521-8BA9-A948322CBE9A}" destId="{A07CF886-67B2-402C-9937-872A6DE9BD02}" srcOrd="0" destOrd="0" presId="urn:microsoft.com/office/officeart/2005/8/layout/hList1"/>
+    <dgm:cxn modelId="{A1DEA41B-79FD-4ED9-A5F8-5D5A9DAE4EF4}" type="presOf" srcId="{975934A7-4E02-49D4-AFC0-EA8EFD05BB23}" destId="{F7CCB0F5-7BEF-4974-94B7-40090ECA00B4}" srcOrd="0" destOrd="1" presId="urn:microsoft.com/office/officeart/2005/8/layout/hList1"/>
+    <dgm:cxn modelId="{7D26ED3E-CFEF-4225-A9E9-E33B4128F8D1}" type="presOf" srcId="{77BD6E8D-7393-43CF-B817-A2C2932A66E0}" destId="{F0D770C4-DCFB-4BB6-90F6-04AEF123B215}" srcOrd="0" destOrd="0" presId="urn:microsoft.com/office/officeart/2005/8/layout/hList1"/>
+    <dgm:cxn modelId="{3AA63D7D-D0EF-4E6D-856B-7B38E0B6894A}" type="presOf" srcId="{361F6E0E-426A-4101-BDDD-055B993099DF}" destId="{3AEECB27-6B95-494B-8588-E71210951EC7}" srcOrd="0" destOrd="0" presId="urn:microsoft.com/office/officeart/2005/8/layout/hList1"/>
+    <dgm:cxn modelId="{F045A87A-97ED-448A-B1A7-309680D4ACC6}" type="presOf" srcId="{00510682-7267-4906-B537-8C5E34778F06}" destId="{71C40B82-9F64-42B5-8543-20F8A5354761}" srcOrd="0" destOrd="0" presId="urn:microsoft.com/office/officeart/2005/8/layout/hList1"/>
+    <dgm:cxn modelId="{A33CCF33-F719-46EE-86FA-DD19F57C9BB7}" type="presOf" srcId="{6D2A0398-FE00-459C-820F-424FA9416BAB}" destId="{3AEECB27-6B95-494B-8588-E71210951EC7}" srcOrd="0" destOrd="1" presId="urn:microsoft.com/office/officeart/2005/8/layout/hList1"/>
+    <dgm:cxn modelId="{C07BE677-5442-46F1-AF61-1CF33CBD8132}" type="presParOf" srcId="{D80F4244-2FE4-4FAF-A120-548FF4D9CE64}" destId="{2E91FC14-EA9F-4418-94D6-A4CCAB7C410C}" srcOrd="0" destOrd="0" presId="urn:microsoft.com/office/officeart/2005/8/layout/hList1"/>
+    <dgm:cxn modelId="{6085E1C1-FA65-4741-999A-FB0828199B33}" type="presParOf" srcId="{2E91FC14-EA9F-4418-94D6-A4CCAB7C410C}" destId="{A07CF886-67B2-402C-9937-872A6DE9BD02}" srcOrd="0" destOrd="0" presId="urn:microsoft.com/office/officeart/2005/8/layout/hList1"/>
+    <dgm:cxn modelId="{DE893975-4192-4DC4-9F15-AD2E58882BF3}" type="presParOf" srcId="{2E91FC14-EA9F-4418-94D6-A4CCAB7C410C}" destId="{71C40B82-9F64-42B5-8543-20F8A5354761}" srcOrd="1" destOrd="0" presId="urn:microsoft.com/office/officeart/2005/8/layout/hList1"/>
+    <dgm:cxn modelId="{D8C0ED38-FCA6-4482-B160-4710FFBBE325}" type="presParOf" srcId="{D80F4244-2FE4-4FAF-A120-548FF4D9CE64}" destId="{9F7599C5-3A16-4B4D-9614-7F124E1D836E}" srcOrd="1" destOrd="0" presId="urn:microsoft.com/office/officeart/2005/8/layout/hList1"/>
+    <dgm:cxn modelId="{6C372161-F0F3-4D2C-AA7E-C6BF800EDACB}" type="presParOf" srcId="{D80F4244-2FE4-4FAF-A120-548FF4D9CE64}" destId="{D8D0FE30-8E44-4B4E-8737-BEC695A10B21}" srcOrd="2" destOrd="0" presId="urn:microsoft.com/office/officeart/2005/8/layout/hList1"/>
+    <dgm:cxn modelId="{97B6B62C-EE60-4EF8-804B-E8BCFCCAC1AC}" type="presParOf" srcId="{D8D0FE30-8E44-4B4E-8737-BEC695A10B21}" destId="{11C4ADD7-47CE-454F-998E-647FAA6E8EE5}" srcOrd="0" destOrd="0" presId="urn:microsoft.com/office/officeart/2005/8/layout/hList1"/>
+    <dgm:cxn modelId="{B1DCBDB1-DF1F-4BA8-8AC6-448260831C25}" type="presParOf" srcId="{D8D0FE30-8E44-4B4E-8737-BEC695A10B21}" destId="{3AEECB27-6B95-494B-8588-E71210951EC7}" srcOrd="1" destOrd="0" presId="urn:microsoft.com/office/officeart/2005/8/layout/hList1"/>
+    <dgm:cxn modelId="{65D95D9D-A302-4858-A75F-9C55DA51D2A4}" type="presParOf" srcId="{D80F4244-2FE4-4FAF-A120-548FF4D9CE64}" destId="{5DD55932-23D5-48C6-B7A2-0320286A7861}" srcOrd="3" destOrd="0" presId="urn:microsoft.com/office/officeart/2005/8/layout/hList1"/>
+    <dgm:cxn modelId="{DEB61B19-62C8-47B4-8B6E-FE054F628432}" type="presParOf" srcId="{D80F4244-2FE4-4FAF-A120-548FF4D9CE64}" destId="{E8452F1E-96A4-4107-A081-8DCFCBB71E78}" srcOrd="4" destOrd="0" presId="urn:microsoft.com/office/officeart/2005/8/layout/hList1"/>
+    <dgm:cxn modelId="{61388B29-D831-4F4D-8AF7-73C1DB64FB6B}" type="presParOf" srcId="{E8452F1E-96A4-4107-A081-8DCFCBB71E78}" destId="{F0D770C4-DCFB-4BB6-90F6-04AEF123B215}" srcOrd="0" destOrd="0" presId="urn:microsoft.com/office/officeart/2005/8/layout/hList1"/>
+    <dgm:cxn modelId="{EDF1BE7E-CFE6-46D6-ADD6-73A82B6C8F46}" type="presParOf" srcId="{E8452F1E-96A4-4107-A081-8DCFCBB71E78}" destId="{F7CCB0F5-7BEF-4974-94B7-40090ECA00B4}" srcOrd="1" destOrd="0" presId="urn:microsoft.com/office/officeart/2005/8/layout/hList1"/>
+  </dgm:cxnLst>
+  <dgm:bg/>
+  <dgm:whole/>
+  <dgm:extLst>
+    <a:ext uri="http://schemas.microsoft.com/office/drawing/2008/diagram">
+      <dsp:dataModelExt xmlns:dsp="http://schemas.microsoft.com/office/drawing/2008/diagram" relId="rId6" minVer="http://schemas.openxmlformats.org/drawingml/2006/diagram"/>
+    </a:ext>
+  </dgm:extLst>
+</dgm:dataModel>
+</file>
+
+<file path=ppt/diagrams/drawing1.xml><?xml version="1.0" encoding="utf-8"?>
+<dsp:drawing xmlns:dgm="http://schemas.openxmlformats.org/drawingml/2006/diagram" xmlns:dsp="http://schemas.microsoft.com/office/drawing/2008/diagram" xmlns:a="http://schemas.openxmlformats.org/drawingml/2006/main">
+  <dsp:spTree>
+    <dsp:nvGrpSpPr>
+      <dsp:cNvPr id="0" name=""/>
+      <dsp:cNvGrpSpPr/>
+    </dsp:nvGrpSpPr>
+    <dsp:grpSpPr/>
+    <dsp:sp modelId="{F91C6A2F-C66E-489D-ABB5-13FF953226B1}">
+      <dsp:nvSpPr>
+        <dsp:cNvPr id="0" name=""/>
+        <dsp:cNvSpPr/>
+      </dsp:nvSpPr>
+      <dsp:spPr>
+        <a:xfrm>
+          <a:off x="0" y="0"/>
+          <a:ext cx="8229600" cy="1357788"/>
+        </a:xfrm>
+        <a:prstGeom prst="rect">
+          <a:avLst/>
+        </a:prstGeom>
+        <a:solidFill>
+          <a:schemeClr val="accent1">
+            <a:shade val="80000"/>
+            <a:hueOff val="0"/>
+            <a:satOff val="0"/>
+            <a:lumOff val="0"/>
+            <a:alphaOff val="0"/>
+          </a:schemeClr>
+        </a:solidFill>
+        <a:ln>
+          <a:noFill/>
+        </a:ln>
+        <a:effectLst/>
+      </dsp:spPr>
+      <dsp:style>
+        <a:lnRef idx="0">
+          <a:scrgbClr r="0" g="0" b="0"/>
+        </a:lnRef>
+        <a:fillRef idx="1">
+          <a:scrgbClr r="0" g="0" b="0"/>
+        </a:fillRef>
+        <a:effectRef idx="0">
+          <a:scrgbClr r="0" g="0" b="0"/>
+        </a:effectRef>
+        <a:fontRef idx="minor"/>
+      </dsp:style>
+      <dsp:txBody>
+        <a:bodyPr spcFirstLastPara="0" vert="horz" wrap="square" lIns="236220" tIns="236220" rIns="236220" bIns="236220" numCol="1" spcCol="1270" anchor="ctr" anchorCtr="0">
+          <a:noAutofit/>
+        </a:bodyPr>
+        <a:lstStyle/>
+        <a:p>
+          <a:pPr lvl="0" algn="ctr" defTabSz="2755900">
+            <a:lnSpc>
+              <a:spcPct val="90000"/>
+            </a:lnSpc>
+            <a:spcBef>
+              <a:spcPct val="0"/>
+            </a:spcBef>
+            <a:spcAft>
+              <a:spcPct val="35000"/>
+            </a:spcAft>
+          </a:pPr>
+          <a:r>
+            <a:rPr lang="en-US" altLang="zh-CN" sz="6200" kern="1200" dirty="0" smtClean="0"/>
+            <a:t>Test</a:t>
+          </a:r>
+          <a:endParaRPr lang="zh-CN" altLang="en-US" sz="6200" kern="1200" dirty="0"/>
+        </a:p>
+      </dsp:txBody>
+      <dsp:txXfrm>
+        <a:off x="0" y="0"/>
+        <a:ext cx="8229600" cy="1357788"/>
+      </dsp:txXfrm>
+    </dsp:sp>
+    <dsp:sp modelId="{C42EE52E-EDA0-451C-82C4-719D182C7C64}">
+      <dsp:nvSpPr>
+        <dsp:cNvPr id="0" name=""/>
+        <dsp:cNvSpPr/>
+      </dsp:nvSpPr>
+      <dsp:spPr>
+        <a:xfrm>
+          <a:off x="4018" y="1357788"/>
+          <a:ext cx="2740521" cy="2851356"/>
+        </a:xfrm>
+        <a:prstGeom prst="rect">
+          <a:avLst/>
+        </a:prstGeom>
+        <a:solidFill>
+          <a:schemeClr val="accent1">
+            <a:hueOff val="0"/>
+            <a:satOff val="0"/>
+            <a:lumOff val="0"/>
+            <a:alphaOff val="0"/>
+          </a:schemeClr>
+        </a:solidFill>
+        <a:ln w="25400" cap="flat" cmpd="sng" algn="ctr">
+          <a:solidFill>
+            <a:schemeClr val="lt1">
+              <a:hueOff val="0"/>
+              <a:satOff val="0"/>
+              <a:lumOff val="0"/>
+              <a:alphaOff val="0"/>
+            </a:schemeClr>
+          </a:solidFill>
+          <a:prstDash val="solid"/>
+        </a:ln>
+        <a:effectLst/>
+      </dsp:spPr>
+      <dsp:style>
+        <a:lnRef idx="2">
+          <a:scrgbClr r="0" g="0" b="0"/>
+        </a:lnRef>
+        <a:fillRef idx="1">
+          <a:scrgbClr r="0" g="0" b="0"/>
+        </a:fillRef>
+        <a:effectRef idx="0">
+          <a:scrgbClr r="0" g="0" b="0"/>
+        </a:effectRef>
+        <a:fontRef idx="minor">
+          <a:schemeClr val="lt1"/>
+        </a:fontRef>
+      </dsp:style>
+      <dsp:txBody>
+        <a:bodyPr spcFirstLastPara="0" vert="horz" wrap="square" lIns="236220" tIns="236220" rIns="236220" bIns="236220" numCol="1" spcCol="1270" anchor="ctr" anchorCtr="0">
+          <a:noAutofit/>
+        </a:bodyPr>
+        <a:lstStyle/>
+        <a:p>
+          <a:pPr lvl="0" algn="ctr" defTabSz="2755900">
+            <a:lnSpc>
+              <a:spcPct val="90000"/>
+            </a:lnSpc>
+            <a:spcBef>
+              <a:spcPct val="0"/>
+            </a:spcBef>
+            <a:spcAft>
+              <a:spcPct val="35000"/>
+            </a:spcAft>
+          </a:pPr>
+          <a:r>
+            <a:rPr lang="en-US" altLang="zh-CN" sz="6200" kern="1200" dirty="0" smtClean="0"/>
+            <a:t>demo1</a:t>
+          </a:r>
+          <a:endParaRPr lang="zh-CN" altLang="en-US" sz="6200" kern="1200" dirty="0"/>
+        </a:p>
+      </dsp:txBody>
+      <dsp:txXfrm>
+        <a:off x="4018" y="1357788"/>
+        <a:ext cx="2740521" cy="2851356"/>
+      </dsp:txXfrm>
+    </dsp:sp>
+    <dsp:sp modelId="{C142B8C7-DF8F-4938-AE4C-6B102C87A62E}">
+      <dsp:nvSpPr>
+        <dsp:cNvPr id="0" name=""/>
+        <dsp:cNvSpPr/>
+      </dsp:nvSpPr>
+      <dsp:spPr>
+        <a:xfrm>
+          <a:off x="2744539" y="1357788"/>
+          <a:ext cx="2740521" cy="2851356"/>
+        </a:xfrm>
+        <a:prstGeom prst="rect">
+          <a:avLst/>
+        </a:prstGeom>
+        <a:solidFill>
+          <a:schemeClr val="accent1">
+            <a:hueOff val="0"/>
+            <a:satOff val="0"/>
+            <a:lumOff val="0"/>
+            <a:alphaOff val="0"/>
+          </a:schemeClr>
+        </a:solidFill>
+        <a:ln w="25400" cap="flat" cmpd="sng" algn="ctr">
+          <a:solidFill>
+            <a:schemeClr val="lt1">
+              <a:hueOff val="0"/>
+              <a:satOff val="0"/>
+              <a:lumOff val="0"/>
+              <a:alphaOff val="0"/>
+            </a:schemeClr>
+          </a:solidFill>
+          <a:prstDash val="solid"/>
+        </a:ln>
+        <a:effectLst/>
+      </dsp:spPr>
+      <dsp:style>
+        <a:lnRef idx="2">
+          <a:scrgbClr r="0" g="0" b="0"/>
+        </a:lnRef>
+        <a:fillRef idx="1">
+          <a:scrgbClr r="0" g="0" b="0"/>
+        </a:fillRef>
+        <a:effectRef idx="0">
+          <a:scrgbClr r="0" g="0" b="0"/>
+        </a:effectRef>
+        <a:fontRef idx="minor">
+          <a:schemeClr val="lt1"/>
+        </a:fontRef>
+      </dsp:style>
+      <dsp:txBody>
+        <a:bodyPr spcFirstLastPara="0" vert="horz" wrap="square" lIns="236220" tIns="236220" rIns="236220" bIns="236220" numCol="1" spcCol="1270" anchor="ctr" anchorCtr="0">
+          <a:noAutofit/>
+        </a:bodyPr>
+        <a:lstStyle/>
+        <a:p>
+          <a:pPr lvl="0" algn="ctr" defTabSz="2755900">
+            <a:lnSpc>
+              <a:spcPct val="90000"/>
+            </a:lnSpc>
+            <a:spcBef>
+              <a:spcPct val="0"/>
+            </a:spcBef>
+            <a:spcAft>
+              <a:spcPct val="35000"/>
+            </a:spcAft>
+          </a:pPr>
+          <a:r>
+            <a:rPr lang="en-US" altLang="zh-CN" sz="6200" kern="1200" dirty="0" smtClean="0"/>
+            <a:t>demo2</a:t>
+          </a:r>
+          <a:endParaRPr lang="zh-CN" altLang="en-US" sz="6200" kern="1200" dirty="0"/>
+        </a:p>
+      </dsp:txBody>
+      <dsp:txXfrm>
+        <a:off x="2744539" y="1357788"/>
+        <a:ext cx="2740521" cy="2851356"/>
+      </dsp:txXfrm>
+    </dsp:sp>
+    <dsp:sp modelId="{3445DA62-EB68-405F-B936-3BFDDBC142B2}">
+      <dsp:nvSpPr>
+        <dsp:cNvPr id="0" name=""/>
+        <dsp:cNvSpPr/>
+      </dsp:nvSpPr>
+      <dsp:spPr>
+        <a:xfrm>
+          <a:off x="5485060" y="1357788"/>
+          <a:ext cx="2740521" cy="2851356"/>
+        </a:xfrm>
+        <a:prstGeom prst="rect">
+          <a:avLst/>
+        </a:prstGeom>
+        <a:solidFill>
+          <a:schemeClr val="accent1">
+            <a:hueOff val="0"/>
+            <a:satOff val="0"/>
+            <a:lumOff val="0"/>
+            <a:alphaOff val="0"/>
+          </a:schemeClr>
+        </a:solidFill>
+        <a:ln w="25400" cap="flat" cmpd="sng" algn="ctr">
+          <a:solidFill>
+            <a:schemeClr val="lt1">
+              <a:hueOff val="0"/>
+              <a:satOff val="0"/>
+              <a:lumOff val="0"/>
+              <a:alphaOff val="0"/>
+            </a:schemeClr>
+          </a:solidFill>
+          <a:prstDash val="solid"/>
+        </a:ln>
+        <a:effectLst/>
+      </dsp:spPr>
+      <dsp:style>
+        <a:lnRef idx="2">
+          <a:scrgbClr r="0" g="0" b="0"/>
+        </a:lnRef>
+        <a:fillRef idx="1">
+          <a:scrgbClr r="0" g="0" b="0"/>
+        </a:fillRef>
+        <a:effectRef idx="0">
+          <a:scrgbClr r="0" g="0" b="0"/>
+        </a:effectRef>
+        <a:fontRef idx="minor">
+          <a:schemeClr val="lt1"/>
+        </a:fontRef>
+      </dsp:style>
+      <dsp:txBody>
+        <a:bodyPr spcFirstLastPara="0" vert="horz" wrap="square" lIns="236220" tIns="236220" rIns="236220" bIns="236220" numCol="1" spcCol="1270" anchor="ctr" anchorCtr="0">
+          <a:noAutofit/>
+        </a:bodyPr>
+        <a:lstStyle/>
+        <a:p>
+          <a:pPr lvl="0" algn="ctr" defTabSz="2755900">
+            <a:lnSpc>
+              <a:spcPct val="90000"/>
+            </a:lnSpc>
+            <a:spcBef>
+              <a:spcPct val="0"/>
+            </a:spcBef>
+            <a:spcAft>
+              <a:spcPct val="35000"/>
+            </a:spcAft>
+          </a:pPr>
+          <a:r>
+            <a:rPr lang="en-US" altLang="zh-CN" sz="6200" kern="1200" dirty="0" smtClean="0"/>
+            <a:t>demo3</a:t>
+          </a:r>
+          <a:endParaRPr lang="zh-CN" altLang="en-US" sz="6200" kern="1200" dirty="0"/>
+        </a:p>
+      </dsp:txBody>
+      <dsp:txXfrm>
+        <a:off x="5485060" y="1357788"/>
+        <a:ext cx="2740521" cy="2851356"/>
+      </dsp:txXfrm>
+    </dsp:sp>
+    <dsp:sp modelId="{200FD22B-6D2C-4B66-AC55-4E8C8AE8507C}">
+      <dsp:nvSpPr>
+        <dsp:cNvPr id="0" name=""/>
+        <dsp:cNvSpPr/>
+      </dsp:nvSpPr>
+      <dsp:spPr>
+        <a:xfrm>
+          <a:off x="0" y="4209145"/>
+          <a:ext cx="8229600" cy="316817"/>
+        </a:xfrm>
+        <a:prstGeom prst="rect">
+          <a:avLst/>
+        </a:prstGeom>
+        <a:solidFill>
+          <a:schemeClr val="accent1">
+            <a:shade val="80000"/>
+            <a:hueOff val="0"/>
+            <a:satOff val="0"/>
+            <a:lumOff val="0"/>
+            <a:alphaOff val="0"/>
+          </a:schemeClr>
+        </a:solidFill>
+        <a:ln>
+          <a:noFill/>
+        </a:ln>
+        <a:effectLst/>
+      </dsp:spPr>
+      <dsp:style>
+        <a:lnRef idx="0">
+          <a:scrgbClr r="0" g="0" b="0"/>
+        </a:lnRef>
+        <a:fillRef idx="1">
+          <a:scrgbClr r="0" g="0" b="0"/>
+        </a:fillRef>
+        <a:effectRef idx="0">
+          <a:scrgbClr r="0" g="0" b="0"/>
+        </a:effectRef>
+        <a:fontRef idx="minor"/>
+      </dsp:style>
+    </dsp:sp>
+  </dsp:spTree>
+</dsp:drawing>
+</file>
+
+<file path=ppt/diagrams/drawing2.xml><?xml version="1.0" encoding="utf-8"?>
+<dsp:drawing xmlns:dgm="http://schemas.openxmlformats.org/drawingml/2006/diagram" xmlns:dsp="http://schemas.microsoft.com/office/drawing/2008/diagram" xmlns:a="http://schemas.openxmlformats.org/drawingml/2006/main">
+  <dsp:spTree>
+    <dsp:nvGrpSpPr>
+      <dsp:cNvPr id="0" name=""/>
+      <dsp:cNvGrpSpPr/>
+    </dsp:nvGrpSpPr>
+    <dsp:grpSpPr/>
+    <dsp:sp modelId="{A07CF886-67B2-402C-9937-872A6DE9BD02}">
+      <dsp:nvSpPr>
+        <dsp:cNvPr id="0" name=""/>
+        <dsp:cNvSpPr/>
+      </dsp:nvSpPr>
+      <dsp:spPr>
+        <a:xfrm>
+          <a:off x="2571" y="773290"/>
+          <a:ext cx="2507456" cy="1002982"/>
+        </a:xfrm>
+        <a:prstGeom prst="rect">
+          <a:avLst/>
+        </a:prstGeom>
+        <a:solidFill>
+          <a:schemeClr val="accent1">
+            <a:hueOff val="0"/>
+            <a:satOff val="0"/>
+            <a:lumOff val="0"/>
+            <a:alphaOff val="0"/>
+          </a:schemeClr>
+        </a:solidFill>
+        <a:ln w="25400" cap="flat" cmpd="sng" algn="ctr">
+          <a:solidFill>
+            <a:schemeClr val="accent1">
+              <a:hueOff val="0"/>
+              <a:satOff val="0"/>
+              <a:lumOff val="0"/>
+              <a:alphaOff val="0"/>
+            </a:schemeClr>
+          </a:solidFill>
+          <a:prstDash val="solid"/>
+        </a:ln>
+        <a:effectLst/>
+      </dsp:spPr>
+      <dsp:style>
+        <a:lnRef idx="2">
+          <a:scrgbClr r="0" g="0" b="0"/>
+        </a:lnRef>
+        <a:fillRef idx="1">
+          <a:scrgbClr r="0" g="0" b="0"/>
+        </a:fillRef>
+        <a:effectRef idx="0">
+          <a:scrgbClr r="0" g="0" b="0"/>
+        </a:effectRef>
+        <a:fontRef idx="minor">
+          <a:schemeClr val="lt1"/>
+        </a:fontRef>
+      </dsp:style>
+      <dsp:txBody>
+        <a:bodyPr spcFirstLastPara="0" vert="horz" wrap="square" lIns="320040" tIns="182880" rIns="320040" bIns="182880" numCol="1" spcCol="1270" anchor="ctr" anchorCtr="0">
+          <a:noAutofit/>
+        </a:bodyPr>
+        <a:lstStyle/>
+        <a:p>
+          <a:pPr lvl="0" algn="ctr" defTabSz="2000250">
+            <a:lnSpc>
+              <a:spcPct val="90000"/>
+            </a:lnSpc>
+            <a:spcBef>
+              <a:spcPct val="0"/>
+            </a:spcBef>
+            <a:spcAft>
+              <a:spcPct val="35000"/>
+            </a:spcAft>
+          </a:pPr>
+          <a:r>
+            <a:rPr lang="en-US" altLang="zh-CN" sz="4500" kern="1200" dirty="0" err="1" smtClean="0"/>
+            <a:t>sdfs</a:t>
+          </a:r>
+          <a:endParaRPr lang="zh-CN" altLang="en-US" sz="4500" kern="1200" dirty="0"/>
+        </a:p>
+      </dsp:txBody>
+      <dsp:txXfrm>
+        <a:off x="2571" y="773290"/>
+        <a:ext cx="2507456" cy="1002982"/>
+      </dsp:txXfrm>
+    </dsp:sp>
+    <dsp:sp modelId="{71C40B82-9F64-42B5-8543-20F8A5354761}">
+      <dsp:nvSpPr>
+        <dsp:cNvPr id="0" name=""/>
+        <dsp:cNvSpPr/>
+      </dsp:nvSpPr>
+      <dsp:spPr>
+        <a:xfrm>
+          <a:off x="2571" y="1776272"/>
+          <a:ext cx="2507456" cy="1976400"/>
+        </a:xfrm>
+        <a:prstGeom prst="rect">
+          <a:avLst/>
+        </a:prstGeom>
+        <a:solidFill>
+          <a:schemeClr val="accent1">
+            <a:alpha val="90000"/>
+            <a:tint val="40000"/>
+            <a:hueOff val="0"/>
+            <a:satOff val="0"/>
+            <a:lumOff val="0"/>
+            <a:alphaOff val="0"/>
+          </a:schemeClr>
+        </a:solidFill>
+        <a:ln w="25400" cap="flat" cmpd="sng" algn="ctr">
+          <a:solidFill>
+            <a:schemeClr val="accent1">
+              <a:alpha val="90000"/>
+              <a:tint val="40000"/>
+              <a:hueOff val="0"/>
+              <a:satOff val="0"/>
+              <a:lumOff val="0"/>
+              <a:alphaOff val="0"/>
+            </a:schemeClr>
+          </a:solidFill>
+          <a:prstDash val="solid"/>
+        </a:ln>
+        <a:effectLst/>
+      </dsp:spPr>
+      <dsp:style>
+        <a:lnRef idx="2">
+          <a:scrgbClr r="0" g="0" b="0"/>
+        </a:lnRef>
+        <a:fillRef idx="1">
+          <a:scrgbClr r="0" g="0" b="0"/>
+        </a:fillRef>
+        <a:effectRef idx="0">
+          <a:scrgbClr r="0" g="0" b="0"/>
+        </a:effectRef>
+        <a:fontRef idx="minor"/>
+      </dsp:style>
+      <dsp:txBody>
+        <a:bodyPr spcFirstLastPara="0" vert="horz" wrap="square" lIns="240030" tIns="240030" rIns="320040" bIns="360045" numCol="1" spcCol="1270" anchor="t" anchorCtr="0">
+          <a:noAutofit/>
+        </a:bodyPr>
+        <a:lstStyle/>
+        <a:p>
+          <a:pPr marL="285750" lvl="1" indent="-285750" algn="l" defTabSz="2000250">
+            <a:lnSpc>
+              <a:spcPct val="90000"/>
+            </a:lnSpc>
+            <a:spcBef>
+              <a:spcPct val="0"/>
+            </a:spcBef>
+            <a:spcAft>
+              <a:spcPct val="15000"/>
+            </a:spcAft>
+            <a:buChar char="••"/>
+          </a:pPr>
+          <a:r>
+            <a:rPr lang="en-US" altLang="zh-CN" sz="4500" kern="1200" dirty="0" err="1" smtClean="0"/>
+            <a:t>sdfdsf</a:t>
+          </a:r>
+          <a:endParaRPr lang="zh-CN" altLang="en-US" sz="4500" kern="1200" dirty="0"/>
+        </a:p>
+        <a:p>
+          <a:pPr marL="285750" lvl="1" indent="-285750" algn="l" defTabSz="2000250">
+            <a:lnSpc>
+              <a:spcPct val="90000"/>
+            </a:lnSpc>
+            <a:spcBef>
+              <a:spcPct val="0"/>
+            </a:spcBef>
+            <a:spcAft>
+              <a:spcPct val="15000"/>
+            </a:spcAft>
+            <a:buChar char="••"/>
+          </a:pPr>
+          <a:r>
+            <a:rPr lang="en-US" altLang="zh-CN" sz="4500" kern="1200" dirty="0" err="1" smtClean="0"/>
+            <a:t>sdf</a:t>
+          </a:r>
+          <a:endParaRPr lang="zh-CN" altLang="en-US" sz="4500" kern="1200" dirty="0"/>
+        </a:p>
+      </dsp:txBody>
+      <dsp:txXfrm>
+        <a:off x="2571" y="1776272"/>
+        <a:ext cx="2507456" cy="1976400"/>
+      </dsp:txXfrm>
+    </dsp:sp>
+    <dsp:sp modelId="{11C4ADD7-47CE-454F-998E-647FAA6E8EE5}">
+      <dsp:nvSpPr>
+        <dsp:cNvPr id="0" name=""/>
+        <dsp:cNvSpPr/>
+      </dsp:nvSpPr>
+      <dsp:spPr>
+        <a:xfrm>
+          <a:off x="2861071" y="773290"/>
+          <a:ext cx="2507456" cy="1002982"/>
+        </a:xfrm>
+        <a:prstGeom prst="rect">
+          <a:avLst/>
+        </a:prstGeom>
+        <a:solidFill>
+          <a:schemeClr val="accent1">
+            <a:hueOff val="0"/>
+            <a:satOff val="0"/>
+            <a:lumOff val="0"/>
+            <a:alphaOff val="0"/>
+          </a:schemeClr>
+        </a:solidFill>
+        <a:ln w="25400" cap="flat" cmpd="sng" algn="ctr">
+          <a:solidFill>
+            <a:schemeClr val="accent1">
+              <a:hueOff val="0"/>
+              <a:satOff val="0"/>
+              <a:lumOff val="0"/>
+              <a:alphaOff val="0"/>
+            </a:schemeClr>
+          </a:solidFill>
+          <a:prstDash val="solid"/>
+        </a:ln>
+        <a:effectLst/>
+      </dsp:spPr>
+      <dsp:style>
+        <a:lnRef idx="2">
+          <a:scrgbClr r="0" g="0" b="0"/>
+        </a:lnRef>
+        <a:fillRef idx="1">
+          <a:scrgbClr r="0" g="0" b="0"/>
+        </a:fillRef>
+        <a:effectRef idx="0">
+          <a:scrgbClr r="0" g="0" b="0"/>
+        </a:effectRef>
+        <a:fontRef idx="minor">
+          <a:schemeClr val="lt1"/>
+        </a:fontRef>
+      </dsp:style>
+      <dsp:txBody>
+        <a:bodyPr spcFirstLastPara="0" vert="horz" wrap="square" lIns="320040" tIns="182880" rIns="320040" bIns="182880" numCol="1" spcCol="1270" anchor="ctr" anchorCtr="0">
+          <a:noAutofit/>
+        </a:bodyPr>
+        <a:lstStyle/>
+        <a:p>
+          <a:pPr lvl="0" algn="ctr" defTabSz="2000250">
+            <a:lnSpc>
+              <a:spcPct val="90000"/>
+            </a:lnSpc>
+            <a:spcBef>
+              <a:spcPct val="0"/>
+            </a:spcBef>
+            <a:spcAft>
+              <a:spcPct val="35000"/>
+            </a:spcAft>
+          </a:pPr>
+          <a:r>
+            <a:rPr lang="en-US" altLang="zh-CN" sz="4500" kern="1200" dirty="0" err="1" smtClean="0"/>
+            <a:t>sdf</a:t>
+          </a:r>
+          <a:endParaRPr lang="zh-CN" altLang="en-US" sz="4500" kern="1200" dirty="0"/>
+        </a:p>
+      </dsp:txBody>
+      <dsp:txXfrm>
+        <a:off x="2861071" y="773290"/>
+        <a:ext cx="2507456" cy="1002982"/>
+      </dsp:txXfrm>
+    </dsp:sp>
+    <dsp:sp modelId="{3AEECB27-6B95-494B-8588-E71210951EC7}">
+      <dsp:nvSpPr>
+        <dsp:cNvPr id="0" name=""/>
+        <dsp:cNvSpPr/>
+      </dsp:nvSpPr>
+      <dsp:spPr>
+        <a:xfrm>
+          <a:off x="2861071" y="1776272"/>
+          <a:ext cx="2507456" cy="1976400"/>
+        </a:xfrm>
+        <a:prstGeom prst="rect">
+          <a:avLst/>
+        </a:prstGeom>
+        <a:solidFill>
+          <a:schemeClr val="accent1">
+            <a:alpha val="90000"/>
+            <a:tint val="40000"/>
+            <a:hueOff val="0"/>
+            <a:satOff val="0"/>
+            <a:lumOff val="0"/>
+            <a:alphaOff val="0"/>
+          </a:schemeClr>
+        </a:solidFill>
+        <a:ln w="25400" cap="flat" cmpd="sng" algn="ctr">
+          <a:solidFill>
+            <a:schemeClr val="accent1">
+              <a:alpha val="90000"/>
+              <a:tint val="40000"/>
+              <a:hueOff val="0"/>
+              <a:satOff val="0"/>
+              <a:lumOff val="0"/>
+              <a:alphaOff val="0"/>
+            </a:schemeClr>
+          </a:solidFill>
+          <a:prstDash val="solid"/>
+        </a:ln>
+        <a:effectLst/>
+      </dsp:spPr>
+      <dsp:style>
+        <a:lnRef idx="2">
+          <a:scrgbClr r="0" g="0" b="0"/>
+        </a:lnRef>
+        <a:fillRef idx="1">
+          <a:scrgbClr r="0" g="0" b="0"/>
+        </a:fillRef>
+        <a:effectRef idx="0">
+          <a:scrgbClr r="0" g="0" b="0"/>
+        </a:effectRef>
+        <a:fontRef idx="minor"/>
+      </dsp:style>
+      <dsp:txBody>
+        <a:bodyPr spcFirstLastPara="0" vert="horz" wrap="square" lIns="240030" tIns="240030" rIns="320040" bIns="360045" numCol="1" spcCol="1270" anchor="t" anchorCtr="0">
+          <a:noAutofit/>
+        </a:bodyPr>
+        <a:lstStyle/>
+        <a:p>
+          <a:pPr marL="285750" lvl="1" indent="-285750" algn="l" defTabSz="2000250">
+            <a:lnSpc>
+              <a:spcPct val="90000"/>
+            </a:lnSpc>
+            <a:spcBef>
+              <a:spcPct val="0"/>
+            </a:spcBef>
+            <a:spcAft>
+              <a:spcPct val="15000"/>
+            </a:spcAft>
+            <a:buChar char="••"/>
+          </a:pPr>
+          <a:r>
+            <a:rPr lang="en-US" altLang="zh-CN" sz="4500" kern="1200" dirty="0" err="1" smtClean="0"/>
+            <a:t>sdf</a:t>
+          </a:r>
+          <a:endParaRPr lang="zh-CN" altLang="en-US" sz="4500" kern="1200" dirty="0"/>
+        </a:p>
+        <a:p>
+          <a:pPr marL="285750" lvl="1" indent="-285750" algn="l" defTabSz="2000250">
+            <a:lnSpc>
+              <a:spcPct val="90000"/>
+            </a:lnSpc>
+            <a:spcBef>
+              <a:spcPct val="0"/>
+            </a:spcBef>
+            <a:spcAft>
+              <a:spcPct val="15000"/>
+            </a:spcAft>
+            <a:buChar char="••"/>
+          </a:pPr>
+          <a:r>
+            <a:rPr lang="en-US" altLang="zh-CN" sz="4500" kern="1200" dirty="0" err="1" smtClean="0"/>
+            <a:t>sdf</a:t>
+          </a:r>
+          <a:endParaRPr lang="zh-CN" altLang="en-US" sz="4500" kern="1200" dirty="0"/>
+        </a:p>
+      </dsp:txBody>
+      <dsp:txXfrm>
+        <a:off x="2861071" y="1776272"/>
+        <a:ext cx="2507456" cy="1976400"/>
+      </dsp:txXfrm>
+    </dsp:sp>
+    <dsp:sp modelId="{F0D770C4-DCFB-4BB6-90F6-04AEF123B215}">
+      <dsp:nvSpPr>
+        <dsp:cNvPr id="0" name=""/>
+        <dsp:cNvSpPr/>
+      </dsp:nvSpPr>
+      <dsp:spPr>
+        <a:xfrm>
+          <a:off x="5719571" y="773290"/>
+          <a:ext cx="2507456" cy="1002982"/>
+        </a:xfrm>
+        <a:prstGeom prst="rect">
+          <a:avLst/>
+        </a:prstGeom>
+        <a:solidFill>
+          <a:schemeClr val="accent1">
+            <a:hueOff val="0"/>
+            <a:satOff val="0"/>
+            <a:lumOff val="0"/>
+            <a:alphaOff val="0"/>
+          </a:schemeClr>
+        </a:solidFill>
+        <a:ln w="25400" cap="flat" cmpd="sng" algn="ctr">
+          <a:solidFill>
+            <a:schemeClr val="accent1">
+              <a:hueOff val="0"/>
+              <a:satOff val="0"/>
+              <a:lumOff val="0"/>
+              <a:alphaOff val="0"/>
+            </a:schemeClr>
+          </a:solidFill>
+          <a:prstDash val="solid"/>
+        </a:ln>
+        <a:effectLst/>
+      </dsp:spPr>
+      <dsp:style>
+        <a:lnRef idx="2">
+          <a:scrgbClr r="0" g="0" b="0"/>
+        </a:lnRef>
+        <a:fillRef idx="1">
+          <a:scrgbClr r="0" g="0" b="0"/>
+        </a:fillRef>
+        <a:effectRef idx="0">
+          <a:scrgbClr r="0" g="0" b="0"/>
+        </a:effectRef>
+        <a:fontRef idx="minor">
+          <a:schemeClr val="lt1"/>
+        </a:fontRef>
+      </dsp:style>
+      <dsp:txBody>
+        <a:bodyPr spcFirstLastPara="0" vert="horz" wrap="square" lIns="320040" tIns="182880" rIns="320040" bIns="182880" numCol="1" spcCol="1270" anchor="ctr" anchorCtr="0">
+          <a:noAutofit/>
+        </a:bodyPr>
+        <a:lstStyle/>
+        <a:p>
+          <a:pPr lvl="0" algn="ctr" defTabSz="2000250">
+            <a:lnSpc>
+              <a:spcPct val="90000"/>
+            </a:lnSpc>
+            <a:spcBef>
+              <a:spcPct val="0"/>
+            </a:spcBef>
+            <a:spcAft>
+              <a:spcPct val="35000"/>
+            </a:spcAft>
+          </a:pPr>
+          <a:r>
+            <a:rPr lang="en-US" altLang="zh-CN" sz="4500" kern="1200" dirty="0" err="1" smtClean="0"/>
+            <a:t>sdf</a:t>
+          </a:r>
+          <a:endParaRPr lang="zh-CN" altLang="en-US" sz="4500" kern="1200" dirty="0"/>
+        </a:p>
+      </dsp:txBody>
+      <dsp:txXfrm>
+        <a:off x="5719571" y="773290"/>
+        <a:ext cx="2507456" cy="1002982"/>
+      </dsp:txXfrm>
+    </dsp:sp>
+    <dsp:sp modelId="{F7CCB0F5-7BEF-4974-94B7-40090ECA00B4}">
+      <dsp:nvSpPr>
+        <dsp:cNvPr id="0" name=""/>
+        <dsp:cNvSpPr/>
+      </dsp:nvSpPr>
+      <dsp:spPr>
+        <a:xfrm>
+          <a:off x="5719571" y="1776272"/>
+          <a:ext cx="2507456" cy="1976400"/>
+        </a:xfrm>
+        <a:prstGeom prst="rect">
+          <a:avLst/>
+        </a:prstGeom>
+        <a:solidFill>
+          <a:schemeClr val="accent1">
+            <a:alpha val="90000"/>
+            <a:tint val="40000"/>
+            <a:hueOff val="0"/>
+            <a:satOff val="0"/>
+            <a:lumOff val="0"/>
+            <a:alphaOff val="0"/>
+          </a:schemeClr>
+        </a:solidFill>
+        <a:ln w="25400" cap="flat" cmpd="sng" algn="ctr">
+          <a:solidFill>
+            <a:schemeClr val="accent1">
+              <a:alpha val="90000"/>
+              <a:tint val="40000"/>
+              <a:hueOff val="0"/>
+              <a:satOff val="0"/>
+              <a:lumOff val="0"/>
+              <a:alphaOff val="0"/>
+            </a:schemeClr>
+          </a:solidFill>
+          <a:prstDash val="solid"/>
+        </a:ln>
+        <a:effectLst/>
+      </dsp:spPr>
+      <dsp:style>
+        <a:lnRef idx="2">
+          <a:scrgbClr r="0" g="0" b="0"/>
+        </a:lnRef>
+        <a:fillRef idx="1">
+          <a:scrgbClr r="0" g="0" b="0"/>
+        </a:fillRef>
+        <a:effectRef idx="0">
+          <a:scrgbClr r="0" g="0" b="0"/>
+        </a:effectRef>
+        <a:fontRef idx="minor"/>
+      </dsp:style>
+      <dsp:txBody>
+        <a:bodyPr spcFirstLastPara="0" vert="horz" wrap="square" lIns="240030" tIns="240030" rIns="320040" bIns="360045" numCol="1" spcCol="1270" anchor="t" anchorCtr="0">
+          <a:noAutofit/>
+        </a:bodyPr>
+        <a:lstStyle/>
+        <a:p>
+          <a:pPr marL="285750" lvl="1" indent="-285750" algn="l" defTabSz="2000250">
+            <a:lnSpc>
+              <a:spcPct val="90000"/>
+            </a:lnSpc>
+            <a:spcBef>
+              <a:spcPct val="0"/>
+            </a:spcBef>
+            <a:spcAft>
+              <a:spcPct val="15000"/>
+            </a:spcAft>
+            <a:buChar char="••"/>
+          </a:pPr>
+          <a:r>
+            <a:rPr lang="en-US" altLang="zh-CN" sz="4500" kern="1200" dirty="0" err="1" smtClean="0"/>
+            <a:t>sdf</a:t>
+          </a:r>
+          <a:endParaRPr lang="zh-CN" altLang="en-US" sz="4500" kern="1200" dirty="0"/>
+        </a:p>
+        <a:p>
+          <a:pPr marL="285750" lvl="1" indent="-285750" algn="l" defTabSz="2000250">
+            <a:lnSpc>
+              <a:spcPct val="90000"/>
+            </a:lnSpc>
+            <a:spcBef>
+              <a:spcPct val="0"/>
+            </a:spcBef>
+            <a:spcAft>
+              <a:spcPct val="15000"/>
+            </a:spcAft>
+            <a:buChar char="••"/>
+          </a:pPr>
+          <a:r>
+            <a:rPr lang="en-US" altLang="zh-CN" sz="4500" kern="1200" dirty="0" err="1" smtClean="0"/>
+            <a:t>sdf</a:t>
+          </a:r>
+          <a:endParaRPr lang="zh-CN" altLang="en-US" sz="4500" kern="1200" dirty="0"/>
+        </a:p>
+      </dsp:txBody>
+      <dsp:txXfrm>
+        <a:off x="5719571" y="1776272"/>
+        <a:ext cx="2507456" cy="1976400"/>
+      </dsp:txXfrm>
+    </dsp:sp>
+  </dsp:spTree>
+</dsp:drawing>
+</file>
+
+<file path=ppt/diagrams/layout1.xml><?xml version="1.0" encoding="utf-8"?>
+<dgm:layoutDef xmlns:dgm="http://schemas.openxmlformats.org/drawingml/2006/diagram" xmlns:a="http://schemas.openxmlformats.org/drawingml/2006/main" uniqueId="urn:microsoft.com/office/officeart/2005/8/layout/hList3">
+  <dgm:title val=""/>
+  <dgm:desc val=""/>
+  <dgm:catLst>
+    <dgm:cat type="list" pri="19000"/>
+  </dgm:catLst>
+  <dgm:sampData>
+    <dgm:dataModel>
+      <dgm:ptLst>
+        <dgm:pt modelId="0" type="doc"/>
+        <dgm:pt modelId="1">
+          <dgm:prSet phldr="1"/>
+        </dgm:pt>
+        <dgm:pt modelId="2">
+          <dgm:prSet phldr="1"/>
+        </dgm:pt>
+        <dgm:pt modelId="3">
+          <dgm:prSet phldr="1"/>
+        </dgm:pt>
+        <dgm:pt modelId="4">
+          <dgm:prSet phldr="1"/>
+        </dgm:pt>
+      </dgm:ptLst>
+      <dgm:cxnLst>
+        <dgm:cxn modelId="5" srcId="0" destId="1" srcOrd="0" destOrd="0"/>
+        <dgm:cxn modelId="6" srcId="1" destId="2" srcOrd="0" destOrd="0"/>
+        <dgm:cxn modelId="7" srcId="1" destId="3" srcOrd="1" destOrd="0"/>
+        <dgm:cxn modelId="8" srcId="1" destId="4" srcOrd="2" destOrd="0"/>
+      </dgm:cxnLst>
+      <dgm:bg/>
+      <dgm:whole/>
+    </dgm:dataModel>
+  </dgm:sampData>
+  <dgm:styleData>
+    <dgm:dataModel>
+      <dgm:ptLst>
+        <dgm:pt modelId="0" type="doc"/>
+        <dgm:pt modelId="1"/>
+        <dgm:pt modelId="2"/>
+        <dgm:pt modelId="3"/>
+      </dgm:ptLst>
+      <dgm:cxnLst>
+        <dgm:cxn modelId="5" srcId="0" destId="1" srcOrd="0" destOrd="0"/>
+        <dgm:cxn modelId="6" srcId="1" destId="2" srcOrd="0" destOrd="0"/>
+        <dgm:cxn modelId="7" srcId="1" destId="3" srcOrd="1" destOrd="0"/>
+      </dgm:cxnLst>
+      <dgm:bg/>
+      <dgm:whole/>
+    </dgm:dataModel>
+  </dgm:styleData>
+  <dgm:clrData>
+    <dgm:dataModel>
+      <dgm:ptLst>
+        <dgm:pt modelId="0" type="doc"/>
+        <dgm:pt modelId="1"/>
+        <dgm:pt modelId="2"/>
+        <dgm:pt modelId="3"/>
+        <dgm:pt modelId="4"/>
+        <dgm:pt modelId="5"/>
+      </dgm:ptLst>
+      <dgm:cxnLst>
+        <dgm:cxn modelId="6" srcId="0" destId="1" srcOrd="0" destOrd="0"/>
+        <dgm:cxn modelId="7" srcId="1" destId="2" srcOrd="0" destOrd="0"/>
+        <dgm:cxn modelId="8" srcId="1" destId="3" srcOrd="1" destOrd="0"/>
+        <dgm:cxn modelId="9" srcId="1" destId="4" srcOrd="2" destOrd="0"/>
+        <dgm:cxn modelId="10" srcId="1" destId="5" srcOrd="3" destOrd="0"/>
+      </dgm:cxnLst>
+      <dgm:bg/>
+      <dgm:whole/>
+    </dgm:dataModel>
+  </dgm:clrData>
+  <dgm:layoutNode name="composite">
+    <dgm:varLst>
+      <dgm:chMax val="1"/>
+      <dgm:dir/>
+      <dgm:resizeHandles val="exact"/>
+    </dgm:varLst>
+    <dgm:alg type="composite"/>
+    <dgm:shape xmlns:r="http://schemas.openxmlformats.org/officeDocument/2006/relationships" r:blip="">
+      <dgm:adjLst/>
+    </dgm:shape>
+    <dgm:presOf/>
+    <dgm:constrLst>
+      <dgm:constr type="w" for="ch" forName="roof" refType="w"/>
+      <dgm:constr type="h" for="ch" forName="roof" refType="h" fact="0.3"/>
+      <dgm:constr type="primFontSz" for="ch" forName="roof" val="65"/>
+      <dgm:constr type="w" for="ch" forName="pillars" refType="w"/>
+      <dgm:constr type="h" for="ch" forName="pillars" refType="h" fact="0.63"/>
+      <dgm:constr type="t" for="ch" forName="pillars" refType="h" fact="0.3"/>
+      <dgm:constr type="primFontSz" for="des" forName="pillar1" val="65"/>
+      <dgm:constr type="primFontSz" for="des" forName="pillarX" refType="primFontSz" refFor="des" refForName="pillar1" op="equ"/>
+      <dgm:constr type="w" for="ch" forName="base" refType="w"/>
+      <dgm:constr type="h" for="ch" forName="base" refType="h" fact="0.07"/>
+      <dgm:constr type="t" for="ch" forName="base" refType="h" fact="0.93"/>
+    </dgm:constrLst>
+    <dgm:ruleLst/>
+    <dgm:forEach name="Name0" axis="ch" ptType="node" cnt="1">
+      <dgm:layoutNode name="roof" styleLbl="dkBgShp">
+        <dgm:alg type="tx"/>
+        <dgm:shape xmlns:r="http://schemas.openxmlformats.org/officeDocument/2006/relationships" type="rect" r:blip="">
+          <dgm:adjLst/>
+        </dgm:shape>
+        <dgm:presOf axis="self"/>
+        <dgm:constrLst>
+          <dgm:constr type="lMarg" refType="primFontSz" fact="0.3"/>
+          <dgm:constr type="rMarg" refType="primFontSz" fact="0.3"/>
+          <dgm:constr type="tMarg" refType="primFontSz" fact="0.3"/>
+          <dgm:constr type="bMarg" refType="primFontSz" fact="0.3"/>
+        </dgm:constrLst>
+        <dgm:ruleLst>
+          <dgm:rule type="primFontSz" val="5" fact="NaN" max="NaN"/>
+        </dgm:ruleLst>
+      </dgm:layoutNode>
+      <dgm:layoutNode name="pillars" styleLbl="node1">
+        <dgm:choose name="Name1">
+          <dgm:if name="Name2" func="var" arg="dir" op="equ" val="norm">
+            <dgm:alg type="lin">
+              <dgm:param type="linDir" val="fromL"/>
+            </dgm:alg>
+          </dgm:if>
+          <dgm:else name="Name3">
+            <dgm:alg type="lin">
+              <dgm:param type="linDir" val="fromR"/>
+            </dgm:alg>
+          </dgm:else>
+        </dgm:choose>
+        <dgm:shape xmlns:r="http://schemas.openxmlformats.org/officeDocument/2006/relationships" r:blip="">
+          <dgm:adjLst/>
+        </dgm:shape>
+        <dgm:presOf/>
+        <dgm:constrLst>
+          <dgm:constr type="w" for="ch" forName="pillar1" refType="w"/>
+          <dgm:constr type="h" for="ch" forName="pillar1" refType="h"/>
+          <dgm:constr type="w" for="ch" forName="pillarX" refType="w"/>
+          <dgm:constr type="h" for="ch" forName="pillarX" refType="h"/>
+        </dgm:constrLst>
+        <dgm:ruleLst/>
+        <dgm:layoutNode name="pillar1" styleLbl="node1">
+          <dgm:varLst>
+            <dgm:bulletEnabled val="1"/>
+          </dgm:varLst>
+          <dgm:alg type="tx"/>
+          <dgm:shape xmlns:r="http://schemas.openxmlformats.org/officeDocument/2006/relationships" type="rect" r:blip="">
+            <dgm:adjLst/>
+          </dgm:shape>
+          <dgm:presOf axis="ch desOrSelf" ptType="node node" st="1 1" cnt="1 0"/>
+          <dgm:constrLst>
+            <dgm:constr type="lMarg" refType="primFontSz" fact="0.3"/>
+            <dgm:constr type="rMarg" refType="primFontSz" fact="0.3"/>
+            <dgm:constr type="tMarg" refType="primFontSz" fact="0.3"/>
+            <dgm:constr type="bMarg" refType="primFontSz" fact="0.3"/>
+          </dgm:constrLst>
+          <dgm:ruleLst>
+            <dgm:rule type="primFontSz" val="5" fact="NaN" max="NaN"/>
+          </dgm:ruleLst>
+        </dgm:layoutNode>
+        <dgm:forEach name="Name4" axis="ch" ptType="node" st="2">
+          <dgm:layoutNode name="pillarX" styleLbl="node1">
+            <dgm:varLst>
+              <dgm:bulletEnabled val="1"/>
+            </dgm:varLst>
+            <dgm:alg type="tx"/>
+            <dgm:shape xmlns:r="http://schemas.openxmlformats.org/officeDocument/2006/relationships" type="rect" r:blip="">
+              <dgm:adjLst/>
+            </dgm:shape>
+            <dgm:presOf axis="desOrSelf" ptType="node"/>
+            <dgm:constrLst>
+              <dgm:constr type="lMarg" refType="primFontSz" fact="0.3"/>
+              <dgm:constr type="rMarg" refType="primFontSz" fact="0.3"/>
+              <dgm:constr type="tMarg" refType="primFontSz" fact="0.3"/>
+              <dgm:constr type="bMarg" refType="primFontSz" fact="0.3"/>
+            </dgm:constrLst>
+            <dgm:ruleLst>
+              <dgm:rule type="primFontSz" val="5" fact="NaN" max="NaN"/>
+            </dgm:ruleLst>
+          </dgm:layoutNode>
+        </dgm:forEach>
+      </dgm:layoutNode>
+      <dgm:layoutNode name="base" styleLbl="dkBgShp">
+        <dgm:alg type="sp"/>
+        <dgm:shape xmlns:r="http://schemas.openxmlformats.org/officeDocument/2006/relationships" type="rect" r:blip="">
+          <dgm:adjLst/>
+        </dgm:shape>
+        <dgm:presOf/>
+        <dgm:constrLst/>
+        <dgm:ruleLst/>
+      </dgm:layoutNode>
+    </dgm:forEach>
+  </dgm:layoutNode>
+</dgm:layoutDef>
+</file>
+
+<file path=ppt/diagrams/layout2.xml><?xml version="1.0" encoding="utf-8"?>
+<dgm:layoutDef xmlns:dgm="http://schemas.openxmlformats.org/drawingml/2006/diagram" xmlns:a="http://schemas.openxmlformats.org/drawingml/2006/main" uniqueId="urn:microsoft.com/office/officeart/2005/8/layout/hList1">
+  <dgm:title val=""/>
+  <dgm:desc val=""/>
+  <dgm:catLst>
+    <dgm:cat type="list" pri="5000"/>
+    <dgm:cat type="convert" pri="5000"/>
+  </dgm:catLst>
+  <dgm:sampData>
+    <dgm:dataModel>
+      <dgm:ptLst>
+        <dgm:pt modelId="0" type="doc"/>
+        <dgm:pt modelId="1">
+          <dgm:prSet phldr="1"/>
+        </dgm:pt>
+        <dgm:pt modelId="11">
+          <dgm:prSet phldr="1"/>
+        </dgm:pt>
+        <dgm:pt modelId="12">
+          <dgm:prSet phldr="1"/>
+        </dgm:pt>
+        <dgm:pt modelId="2">
+          <dgm:prSet phldr="1"/>
+        </dgm:pt>
+        <dgm:pt modelId="21">
+          <dgm:prSet phldr="1"/>
+        </dgm:pt>
+        <dgm:pt modelId="22">
+          <dgm:prSet phldr="1"/>
+        </dgm:pt>
+        <dgm:pt modelId="3">
+          <dgm:prSet phldr="1"/>
+        </dgm:pt>
+        <dgm:pt modelId="31">
+          <dgm:prSet phldr="1"/>
+        </dgm:pt>
+        <dgm:pt modelId="32">
+          <dgm:prSet phldr="1"/>
+        </dgm:pt>
+      </dgm:ptLst>
+      <dgm:cxnLst>
+        <dgm:cxn modelId="4" srcId="0" destId="1" srcOrd="0" destOrd="0"/>
+        <dgm:cxn modelId="5" srcId="0" destId="2" srcOrd="1" destOrd="0"/>
+        <dgm:cxn modelId="6" srcId="0" destId="3" srcOrd="2" destOrd="0"/>
+        <dgm:cxn modelId="13" srcId="1" destId="11" srcOrd="0" destOrd="0"/>
+        <dgm:cxn modelId="14" srcId="1" destId="12" srcOrd="1" destOrd="0"/>
+        <dgm:cxn modelId="23" srcId="2" destId="21" srcOrd="0" destOrd="0"/>
+        <dgm:cxn modelId="24" srcId="2" destId="22" srcOrd="1" destOrd="0"/>
+        <dgm:cxn modelId="33" srcId="3" destId="31" srcOrd="0" destOrd="0"/>
+        <dgm:cxn modelId="34" srcId="3" destId="32" srcOrd="1" destOrd="0"/>
+      </dgm:cxnLst>
+      <dgm:bg/>
+      <dgm:whole/>
+    </dgm:dataModel>
+  </dgm:sampData>
+  <dgm:styleData>
+    <dgm:dataModel>
+      <dgm:ptLst>
+        <dgm:pt modelId="0" type="doc"/>
+        <dgm:pt modelId="1">
+          <dgm:prSet phldr="1"/>
+        </dgm:pt>
+        <dgm:pt modelId="2">
+          <dgm:prSet phldr="1"/>
+        </dgm:pt>
+      </dgm:ptLst>
+      <dgm:cxnLst>
+        <dgm:cxn modelId="3" srcId="0" destId="1" srcOrd="0" destOrd="0"/>
+        <dgm:cxn modelId="4" srcId="0" destId="2" srcOrd="1" destOrd="0"/>
+      </dgm:cxnLst>
+      <dgm:bg/>
+      <dgm:whole/>
+    </dgm:dataModel>
+  </dgm:styleData>
+  <dgm:clrData>
+    <dgm:dataModel>
+      <dgm:ptLst>
+        <dgm:pt modelId="0" type="doc"/>
+        <dgm:pt modelId="1">
+          <dgm:prSet phldr="1"/>
+        </dgm:pt>
+        <dgm:pt modelId="2">
+          <dgm:prSet phldr="1"/>
+        </dgm:pt>
+        <dgm:pt modelId="3">
+          <dgm:prSet phldr="1"/>
+        </dgm:pt>
+        <dgm:pt modelId="4">
+          <dgm:prSet phldr="1"/>
+        </dgm:pt>
+      </dgm:ptLst>
+      <dgm:cxnLst>
+        <dgm:cxn modelId="5" srcId="0" destId="1" srcOrd="0" destOrd="0"/>
+        <dgm:cxn modelId="6" srcId="0" destId="2" srcOrd="1" destOrd="0"/>
+        <dgm:cxn modelId="7" srcId="0" destId="3" srcOrd="2" destOrd="0"/>
+        <dgm:cxn modelId="8" srcId="0" destId="4" srcOrd="3" destOrd="0"/>
+      </dgm:cxnLst>
+      <dgm:bg/>
+      <dgm:whole/>
+    </dgm:dataModel>
+  </dgm:clrData>
+  <dgm:layoutNode name="Name0">
+    <dgm:varLst>
+      <dgm:dir/>
+      <dgm:animLvl val="lvl"/>
+      <dgm:resizeHandles val="exact"/>
+    </dgm:varLst>
+    <dgm:choose name="Name1">
+      <dgm:if name="Name2" func="var" arg="dir" op="equ" val="norm">
+        <dgm:alg type="lin"/>
+      </dgm:if>
+      <dgm:else name="Name3">
+        <dgm:alg type="lin">
+          <dgm:param type="linDir" val="fromR"/>
+        </dgm:alg>
+      </dgm:else>
+    </dgm:choose>
+    <dgm:shape xmlns:r="http://schemas.openxmlformats.org/officeDocument/2006/relationships" r:blip="">
+      <dgm:adjLst/>
+    </dgm:shape>
+    <dgm:presOf/>
+    <dgm:constrLst>
+      <dgm:constr type="h" for="ch" forName="composite" refType="h"/>
+      <dgm:constr type="w" for="ch" forName="composite" refType="w"/>
+      <dgm:constr type="w" for="des" forName="parTx"/>
+      <dgm:constr type="h" for="des" forName="parTx" op="equ"/>
+      <dgm:constr type="w" for="des" forName="desTx"/>
+      <dgm:constr type="h" for="des" forName="desTx" op="equ"/>
+      <dgm:constr type="primFontSz" for="des" forName="parTx" val="65"/>
+      <dgm:constr type="secFontSz" for="des" forName="desTx" refType="primFontSz" refFor="des" refForName="parTx" op="equ"/>
+      <dgm:constr type="h" for="des" forName="parTx" refType="primFontSz" refFor="des" refForName="parTx" fact="0.8"/>
+      <dgm:constr type="h" for="des" forName="desTx" refType="primFontSz" refFor="des" refForName="parTx" fact="1.22"/>
+      <dgm:constr type="w" for="ch" forName="space" refType="w" refFor="ch" refForName="composite" op="equ" fact="0.14"/>
+    </dgm:constrLst>
+    <dgm:ruleLst>
+      <dgm:rule type="w" for="ch" forName="composite" val="0" fact="NaN" max="NaN"/>
+      <dgm:rule type="primFontSz" for="des" forName="parTx" val="5" fact="NaN" max="NaN"/>
+    </dgm:ruleLst>
+    <dgm:forEach name="Name4" axis="ch" ptType="node">
+      <dgm:layoutNode name="composite">
+        <dgm:alg type="composite"/>
+        <dgm:shape xmlns:r="http://schemas.openxmlformats.org/officeDocument/2006/relationships" r:blip="">
+          <dgm:adjLst/>
+        </dgm:shape>
+        <dgm:presOf/>
+        <dgm:constrLst>
+          <dgm:constr type="l" for="ch" forName="parTx"/>
+          <dgm:constr type="w" for="ch" forName="parTx" refType="w"/>
+          <dgm:constr type="t" for="ch" forName="parTx"/>
+          <dgm:constr type="l" for="ch" forName="desTx"/>
+          <dgm:constr type="w" for="ch" forName="desTx" refType="w" refFor="ch" refForName="parTx"/>
+          <dgm:constr type="t" for="ch" forName="desTx" refType="h" refFor="ch" refForName="parTx"/>
+        </dgm:constrLst>
+        <dgm:ruleLst>
+          <dgm:rule type="h" val="INF" fact="NaN" max="NaN"/>
+        </dgm:ruleLst>
+        <dgm:layoutNode name="parTx" styleLbl="alignNode1">
+          <dgm:varLst>
+            <dgm:chMax val="0"/>
+            <dgm:chPref val="0"/>
+            <dgm:bulletEnabled val="1"/>
+          </dgm:varLst>
+          <dgm:alg type="tx"/>
+          <dgm:shape xmlns:r="http://schemas.openxmlformats.org/officeDocument/2006/relationships" type="rect" r:blip="">
+            <dgm:adjLst/>
+          </dgm:shape>
+          <dgm:presOf axis="self" ptType="node"/>
+          <dgm:constrLst>
+            <dgm:constr type="h" refType="w" op="lte" fact="0.4"/>
+            <dgm:constr type="h"/>
+            <dgm:constr type="tMarg" refType="primFontSz" fact="0.32"/>
+            <dgm:constr type="bMarg" refType="primFontSz" fact="0.32"/>
+          </dgm:constrLst>
+          <dgm:ruleLst>
+            <dgm:rule type="h" val="INF" fact="NaN" max="NaN"/>
+          </dgm:ruleLst>
+        </dgm:layoutNode>
+        <dgm:layoutNode name="desTx" styleLbl="alignAccFollowNode1">
+          <dgm:varLst>
+            <dgm:bulletEnabled val="1"/>
+          </dgm:varLst>
+          <dgm:alg type="tx">
+            <dgm:param type="stBulletLvl" val="1"/>
+          </dgm:alg>
+          <dgm:shape xmlns:r="http://schemas.openxmlformats.org/officeDocument/2006/relationships" type="rect" r:blip="">
+            <dgm:adjLst/>
+          </dgm:shape>
+          <dgm:presOf axis="des" ptType="node"/>
+          <dgm:constrLst>
+            <dgm:constr type="secFontSz" val="65"/>
+            <dgm:constr type="primFontSz" refType="secFontSz"/>
+            <dgm:constr type="h"/>
+            <dgm:constr type="lMarg" refType="primFontSz" fact="0.42"/>
+            <dgm:constr type="tMarg" refType="primFontSz" fact="0.42"/>
+            <dgm:constr type="bMarg" refType="primFontSz" fact="0.63"/>
+          </dgm:constrLst>
+          <dgm:ruleLst>
+            <dgm:rule type="h" val="INF" fact="NaN" max="NaN"/>
+          </dgm:ruleLst>
+        </dgm:layoutNode>
+      </dgm:layoutNode>
+      <dgm:forEach name="Name5" axis="followSib" ptType="sibTrans" cnt="1">
+        <dgm:layoutNode name="space">
+          <dgm:alg type="sp"/>
+          <dgm:shape xmlns:r="http://schemas.openxmlformats.org/officeDocument/2006/relationships" r:blip="">
+            <dgm:adjLst/>
+          </dgm:shape>
+          <dgm:presOf/>
+          <dgm:constrLst/>
+          <dgm:ruleLst/>
+        </dgm:layoutNode>
+      </dgm:forEach>
+    </dgm:forEach>
+  </dgm:layoutNode>
+</dgm:layoutDef>
+</file>
+
+<file path=ppt/diagrams/quickStyle1.xml><?xml version="1.0" encoding="utf-8"?>
+<dgm:styleDef xmlns:dgm="http://schemas.openxmlformats.org/drawingml/2006/diagram" xmlns:a="http://schemas.openxmlformats.org/drawingml/2006/main" uniqueId="urn:microsoft.com/office/officeart/2005/8/quickstyle/simple1">
+  <dgm:title val=""/>
+  <dgm:desc val=""/>
+  <dgm:catLst>
+    <dgm:cat type="simple" pri="10100"/>
+  </dgm:catLst>
+  <dgm:scene3d>
+    <a:camera prst="orthographicFront"/>
+    <a:lightRig rig="threePt" dir="t"/>
+  </dgm:scene3d>
+  <dgm:styleLbl name="node0">
+    <dgm:scene3d>
+      <a:camera prst="orthographicFront"/>
+      <a:lightRig rig="threePt" dir="t"/>
+    </dgm:scene3d>
+    <dgm:sp3d/>
+    <dgm:txPr/>
+    <dgm:style>
+      <a:lnRef idx="2">
+        <a:scrgbClr r="0" g="0" b="0"/>
+      </a:lnRef>
+      <a:fillRef idx="1">
+        <a:scrgbClr r="0" g="0" b="0"/>
+      </a:fillRef>
+      <a:effectRef idx="0">
+        <a:scrgbClr r="0" g="0" b="0"/>
+      </a:effectRef>
+      <a:fontRef idx="minor">
+        <a:schemeClr val="lt1"/>
+      </a:fontRef>
+    </dgm:style>
+  </dgm:styleLbl>
+  <dgm:styleLbl name="lnNode1">
+    <dgm:scene3d>
+      <a:camera prst="orthographicFront"/>
+      <a:lightRig rig="threePt" dir="t"/>
+    </dgm:scene3d>
+    <dgm:sp3d/>
+    <dgm:txPr/>
+    <dgm:style>
+      <a:lnRef idx="2">
+        <a:scrgbClr r="0" g="0" b="0"/>
+      </a:lnRef>
+      <a:fillRef idx="1">
+        <a:scrgbClr r="0" g="0" b="0"/>
+      </a:fillRef>
+      <a:effectRef idx="0">
+        <a:scrgbClr r="0" g="0" b="0"/>
+      </a:effectRef>
+      <a:fontRef idx="minor">
+        <a:schemeClr val="lt1"/>
+      </a:fontRef>
+    </dgm:style>
+  </dgm:styleLbl>
+  <dgm:styleLbl name="vennNode1">
+    <dgm:scene3d>
+      <a:camera prst="orthographicFront"/>
+      <a:lightRig rig="threePt" dir="t"/>
+    </dgm:scene3d>
+    <dgm:sp3d/>
+    <dgm:txPr/>
+    <dgm:style>
+      <a:lnRef idx="2">
+        <a:scrgbClr r="0" g="0" b="0"/>
+      </a:lnRef>
+      <a:fillRef idx="1">
+        <a:scrgbClr r="0" g="0" b="0"/>
+      </a:fillRef>
+      <a:effectRef idx="0">
+        <a:scrgbClr r="0" g="0" b="0"/>
+      </a:effectRef>
+      <a:fontRef idx="minor">
+        <a:schemeClr val="tx1"/>
+      </a:fontRef>
+    </dgm:style>
+  </dgm:styleLbl>
+  <dgm:styleLbl name="alignNode1">
+    <dgm:scene3d>
+      <a:camera prst="orthographicFront"/>
+      <a:lightRig rig="threePt" dir="t"/>
+    </dgm:scene3d>
+    <dgm:sp3d/>
+    <dgm:txPr/>
+    <dgm:style>
+      <a:lnRef idx="2">
+        <a:scrgbClr r="0" g="0" b="0"/>
+      </a:lnRef>
+      <a:fillRef idx="1">
+        <a:scrgbClr r="0" g="0" b="0"/>
+      </a:fillRef>
+      <a:effectRef idx="0">
+        <a:scrgbClr r="0" g="0" b="0"/>
+      </a:effectRef>
+      <a:fontRef idx="minor">
+        <a:schemeClr val="lt1"/>
+      </a:fontRef>
+    </dgm:style>
+  </dgm:styleLbl>
+  <dgm:styleLbl name="node1">
+    <dgm:scene3d>
+      <a:camera prst="orthographicFront"/>
+      <a:lightRig rig="threePt" dir="t"/>
+    </dgm:scene3d>
+    <dgm:sp3d/>
+    <dgm:txPr/>
+    <dgm:style>
+      <a:lnRef idx="2">
+        <a:scrgbClr r="0" g="0" b="0"/>
+      </a:lnRef>
+      <a:fillRef idx="1">
+        <a:scrgbClr r="0" g="0" b="0"/>
+      </a:fillRef>
+      <a:effectRef idx="0">
+        <a:scrgbClr r="0" g="0" b="0"/>
+      </a:effectRef>
+      <a:fontRef idx="minor">
+        <a:schemeClr val="lt1"/>
+      </a:fontRef>
+    </dgm:style>
+  </dgm:styleLbl>
+  <dgm:styleLbl name="node2">
+    <dgm:scene3d>
+      <a:camera prst="orthographicFront"/>
+      <a:lightRig rig="threePt" dir="t"/>
+    </dgm:scene3d>
+    <dgm:sp3d/>
+    <dgm:txPr/>
+    <dgm:style>
+      <a:lnRef idx="2">
+        <a:scrgbClr r="0" g="0" b="0"/>
+      </a:lnRef>
+      <a:fillRef idx="1">
+        <a:scrgbClr r="0" g="0" b="0"/>
+      </a:fillRef>
+      <a:effectRef idx="0">
+        <a:scrgbClr r="0" g="0" b="0"/>
+      </a:effectRef>
+      <a:fontRef idx="minor">
+        <a:schemeClr val="lt1"/>
+      </a:fontRef>
+    </dgm:style>
+  </dgm:styleLbl>
+  <dgm:styleLbl name="node3">
+    <dgm:scene3d>
+      <a:camera prst="orthographicFront"/>
+      <a:lightRig rig="threePt" dir="t"/>
+    </dgm:scene3d>
+    <dgm:sp3d/>
+    <dgm:txPr/>
+    <dgm:style>
+      <a:lnRef idx="2">
+        <a:scrgbClr r="0" g="0" b="0"/>
+      </a:lnRef>
+      <a:fillRef idx="1">
+        <a:scrgbClr r="0" g="0" b="0"/>
+      </a:fillRef>
+      <a:effectRef idx="0">
+        <a:scrgbClr r="0" g="0" b="0"/>
+      </a:effectRef>
+      <a:fontRef idx="minor">
+        <a:schemeClr val="lt1"/>
+      </a:fontRef>
+    </dgm:style>
+  </dgm:styleLbl>
+  <dgm:styleLbl name="node4">
+    <dgm:scene3d>
+      <a:camera prst="orthographicFront"/>
+      <a:lightRig rig="threePt" dir="t"/>
+    </dgm:scene3d>
+    <dgm:sp3d/>
+    <dgm:txPr/>
+    <dgm:style>
+      <a:lnRef idx="2">
+        <a:scrgbClr r="0" g="0" b="0"/>
+      </a:lnRef>
+      <a:fillRef idx="1">
+        <a:scrgbClr r="0" g="0" b="0"/>
+      </a:fillRef>
+      <a:effectRef idx="0">
+        <a:scrgbClr r="0" g="0" b="0"/>
+      </a:effectRef>
+      <a:fontRef idx="minor">
+        <a:schemeClr val="lt1"/>
+      </a:fontRef>
+    </dgm:style>
+  </dgm:styleLbl>
+  <dgm:styleLbl name="fgImgPlace1">
+    <dgm:scene3d>
+      <a:camera prst="orthographicFront"/>
+      <a:lightRig rig="threePt" dir="t"/>
+    </dgm:scene3d>
+    <dgm:sp3d/>
+    <dgm:txPr/>
+    <dgm:style>
+      <a:lnRef idx="2">
+        <a:scrgbClr r="0" g="0" b="0"/>
+      </a:lnRef>
+      <a:fillRef idx="1">
+        <a:scrgbClr r="0" g="0" b="0"/>
+      </a:fillRef>
+      <a:effectRef idx="0">
+        <a:scrgbClr r="0" g="0" b="0"/>
+      </a:effectRef>
+      <a:fontRef idx="minor"/>
+    </dgm:style>
+  </dgm:styleLbl>
+  <dgm:styleLbl name="alignImgPlace1">
+    <dgm:scene3d>
+      <a:camera prst="orthographicFront"/>
+      <a:lightRig rig="threePt" dir="t"/>
+    </dgm:scene3d>
+    <dgm:sp3d/>
+    <dgm:txPr/>
+    <dgm:style>
+      <a:lnRef idx="2">
+        <a:scrgbClr r="0" g="0" b="0"/>
+      </a:lnRef>
+      <a:fillRef idx="1">
+        <a:scrgbClr r="0" g="0" b="0"/>
+      </a:fillRef>
+      <a:effectRef idx="0">
+        <a:scrgbClr r="0" g="0" b="0"/>
+      </a:effectRef>
+      <a:fontRef idx="minor"/>
+    </dgm:style>
+  </dgm:styleLbl>
+  <dgm:styleLbl name="bgImgPlace1">
+    <dgm:scene3d>
+      <a:camera prst="orthographicFront"/>
+      <a:lightRig rig="threePt" dir="t"/>
+    </dgm:scene3d>
+    <dgm:sp3d/>
+    <dgm:txPr/>
+    <dgm:style>
+      <a:lnRef idx="2">
+        <a:scrgbClr r="0" g="0" b="0"/>
+      </a:lnRef>
+      <a:fillRef idx="1">
+        <a:scrgbClr r="0" g="0" b="0"/>
+      </a:fillRef>
+      <a:effectRef idx="0">
+        <a:scrgbClr r="0" g="0" b="0"/>
+      </a:effectRef>
+      <a:fontRef idx="minor"/>
+    </dgm:style>
+  </dgm:styleLbl>
+  <dgm:styleLbl name="sibTrans2D1">
+    <dgm:scene3d>
+      <a:camera prst="orthographicFront"/>
+      <a:lightRig rig="threePt" dir="t"/>
+    </dgm:scene3d>
+    <dgm:sp3d/>
+    <dgm:txPr/>
+    <dgm:style>
+      <a:lnRef idx="0">
+        <a:scrgbClr r="0" g="0" b="0"/>
+      </a:lnRef>
+      <a:fillRef idx="1">
+        <a:scrgbClr r="0" g="0" b="0"/>
+      </a:fillRef>
+      <a:effectRef idx="0">
+        <a:scrgbClr r="0" g="0" b="0"/>
+      </a:effectRef>
+      <a:fontRef idx="minor">
+        <a:schemeClr val="lt1"/>
+      </a:fontRef>
+    </dgm:style>
+  </dgm:styleLbl>
+  <dgm:styleLbl name="fgSibTrans2D1">
+    <dgm:scene3d>
+      <a:camera prst="orthographicFront"/>
+      <a:lightRig rig="threePt" dir="t"/>
+    </dgm:scene3d>
+    <dgm:sp3d/>
+    <dgm:txPr/>
+    <dgm:style>
+      <a:lnRef idx="0">
+        <a:scrgbClr r="0" g="0" b="0"/>
+      </a:lnRef>
+      <a:fillRef idx="1">
+        <a:scrgbClr r="0" g="0" b="0"/>
+      </a:fillRef>
+      <a:effectRef idx="0">
+        <a:scrgbClr r="0" g="0" b="0"/>
+      </a:effectRef>
+      <a:fontRef idx="minor">
+        <a:schemeClr val="lt1"/>
+      </a:fontRef>
+    </dgm:style>
+  </dgm:styleLbl>
+  <dgm:styleLbl name="bgSibTrans2D1">
+    <dgm:scene3d>
+      <a:camera prst="orthographicFront"/>
+      <a:lightRig rig="threePt" dir="t"/>
+    </dgm:scene3d>
+    <dgm:sp3d/>
+    <dgm:txPr/>
+    <dgm:style>
+      <a:lnRef idx="0">
+        <a:scrgbClr r="0" g="0" b="0"/>
+      </a:lnRef>
+      <a:fillRef idx="1">
+        <a:scrgbClr r="0" g="0" b="0"/>
+      </a:fillRef>
+      <a:effectRef idx="0">
+        <a:scrgbClr r="0" g="0" b="0"/>
+      </a:effectRef>
+      <a:fontRef idx="minor">
+        <a:schemeClr val="lt1"/>
+      </a:fontRef>
+    </dgm:style>
+  </dgm:styleLbl>
+  <dgm:styleLbl name="sibTrans1D1">
+    <dgm:scene3d>
+      <a:camera prst="orthographicFront"/>
+      <a:lightRig rig="threePt" dir="t"/>
+    </dgm:scene3d>
+    <dgm:sp3d/>
+    <dgm:txPr/>
+    <dgm:style>
+      <a:lnRef idx="1">
+        <a:scrgbClr r="0" g="0" b="0"/>
+      </a:lnRef>
+      <a:fillRef idx="0">
+        <a:scrgbClr r="0" g="0" b="0"/>
+      </a:fillRef>
+      <a:effectRef idx="0">
+        <a:scrgbClr r="0" g="0" b="0"/>
+      </a:effectRef>
+      <a:fontRef idx="minor"/>
+    </dgm:style>
+  </dgm:styleLbl>
+  <dgm:styleLbl name="callout">
+    <dgm:scene3d>
+      <a:camera prst="orthographicFront"/>
+      <a:lightRig rig="threePt" dir="t"/>
+    </dgm:scene3d>
+    <dgm:sp3d/>
+    <dgm:txPr/>
+    <dgm:style>
+      <a:lnRef idx="2">
+        <a:scrgbClr r="0" g="0" b="0"/>
+      </a:lnRef>
+      <a:fillRef idx="1">
+        <a:scrgbClr r="0" g="0" b="0"/>
+      </a:fillRef>
+      <a:effectRef idx="0">
+        <a:scrgbClr r="0" g="0" b="0"/>
+      </a:effectRef>
+      <a:fontRef idx="minor"/>
+    </dgm:style>
+  </dgm:styleLbl>
+  <dgm:styleLbl name="asst0">
+    <dgm:scene3d>
+      <a:camera prst="orthographicFront"/>
+      <a:lightRig rig="threePt" dir="t"/>
+    </dgm:scene3d>
+    <dgm:sp3d/>
+    <dgm:txPr/>
+    <dgm:style>
+      <a:lnRef idx="2">
+        <a:scrgbClr r="0" g="0" b="0"/>
+      </a:lnRef>
+      <a:fillRef idx="1">
+        <a:scrgbClr r="0" g="0" b="0"/>
+      </a:fillRef>
+      <a:effectRef idx="0">
+        <a:scrgbClr r="0" g="0" b="0"/>
+      </a:effectRef>
+      <a:fontRef idx="minor">
+        <a:schemeClr val="lt1"/>
+      </a:fontRef>
+    </dgm:style>
+  </dgm:styleLbl>
+  <dgm:styleLbl name="asst1">
+    <dgm:scene3d>
+      <a:camera prst="orthographicFront"/>
+      <a:lightRig rig="threePt" dir="t"/>
+    </dgm:scene3d>
+    <dgm:sp3d/>
+    <dgm:txPr/>
+    <dgm:style>
+      <a:lnRef idx="2">
+        <a:scrgbClr r="0" g="0" b="0"/>
+      </a:lnRef>
+      <a:fillRef idx="1">
+        <a:scrgbClr r="0" g="0" b="0"/>
+      </a:fillRef>
+      <a:effectRef idx="0">
+        <a:scrgbClr r="0" g="0" b="0"/>
+      </a:effectRef>
+      <a:fontRef idx="minor">
+        <a:schemeClr val="lt1"/>
+      </a:fontRef>
+    </dgm:style>
+  </dgm:styleLbl>
+  <dgm:styleLbl name="asst2">
+    <dgm:scene3d>
+      <a:camera prst="orthographicFront"/>
+      <a:lightRig rig="threePt" dir="t"/>
+    </dgm:scene3d>
+    <dgm:sp3d/>
+    <dgm:txPr/>
+    <dgm:style>
+      <a:lnRef idx="2">
+        <a:scrgbClr r="0" g="0" b="0"/>
+      </a:lnRef>
+      <a:fillRef idx="1">
+        <a:scrgbClr r="0" g="0" b="0"/>
+      </a:fillRef>
+      <a:effectRef idx="0">
+        <a:scrgbClr r="0" g="0" b="0"/>
+      </a:effectRef>
+      <a:fontRef idx="minor">
+        <a:schemeClr val="lt1"/>
+      </a:fontRef>
+    </dgm:style>
+  </dgm:styleLbl>
+  <dgm:styleLbl name="asst3">
+    <dgm:scene3d>
+      <a:camera prst="orthographicFront"/>
+      <a:lightRig rig="threePt" dir="t"/>
+    </dgm:scene3d>
+    <dgm:sp3d/>
+    <dgm:txPr/>
+    <dgm:style>
+      <a:lnRef idx="2">
+        <a:scrgbClr r="0" g="0" b="0"/>
+      </a:lnRef>
+      <a:fillRef idx="1">
+        <a:scrgbClr r="0" g="0" b="0"/>
+      </a:fillRef>
+      <a:effectRef idx="0">
+        <a:scrgbClr r="0" g="0" b="0"/>
+      </a:effectRef>
+      <a:fontRef idx="minor">
+        <a:schemeClr val="lt1"/>
+      </a:fontRef>
+    </dgm:style>
+  </dgm:styleLbl>
+  <dgm:styleLbl name="asst4">
+    <dgm:scene3d>
+      <a:camera prst="orthographicFront"/>
+      <a:lightRig rig="threePt" dir="t"/>
+    </dgm:scene3d>
+    <dgm:sp3d/>
+    <dgm:txPr/>
+    <dgm:style>
+      <a:lnRef idx="2">
+        <a:scrgbClr r="0" g="0" b="0"/>
+      </a:lnRef>
+      <a:fillRef idx="1">
+        <a:scrgbClr r="0" g="0" b="0"/>
+      </a:fillRef>
+      <a:effectRef idx="0">
+        <a:scrgbClr r="0" g="0" b="0"/>
+      </a:effectRef>
+      <a:fontRef idx="minor">
+        <a:schemeClr val="lt1"/>
+      </a:fontRef>
+    </dgm:style>
+  </dgm:styleLbl>
+  <dgm:styleLbl name="parChTrans2D1">
+    <dgm:scene3d>
+      <a:camera prst="orthographicFront"/>
+      <a:lightRig rig="threePt" dir="t"/>
+    </dgm:scene3d>
+    <dgm:sp3d/>
+    <dgm:txPr/>
+    <dgm:style>
+      <a:lnRef idx="2">
+        <a:scrgbClr r="0" g="0" b="0"/>
+      </a:lnRef>
+      <a:fillRef idx="1">
+        <a:scrgbClr r="0" g="0" b="0"/>
+      </a:fillRef>
+      <a:effectRef idx="0">
+        <a:scrgbClr r="0" g="0" b="0"/>
+      </a:effectRef>
+      <a:fontRef idx="minor">
+        <a:schemeClr val="lt1"/>
+      </a:fontRef>
+    </dgm:style>
+  </dgm:styleLbl>
+  <dgm:styleLbl name="parChTrans2D2">
+    <dgm:scene3d>
+      <a:camera prst="orthographicFront"/>
+      <a:lightRig rig="threePt" dir="t"/>
+    </dgm:scene3d>
+    <dgm:sp3d/>
+    <dgm:txPr/>
+    <dgm:style>
+      <a:lnRef idx="2">
+        <a:scrgbClr r="0" g="0" b="0"/>
+      </a:lnRef>
+      <a:fillRef idx="1">
+        <a:scrgbClr r="0" g="0" b="0"/>
+      </a:fillRef>
+      <a:effectRef idx="0">
+        <a:scrgbClr r="0" g="0" b="0"/>
+      </a:effectRef>
+      <a:fontRef idx="minor">
+        <a:schemeClr val="lt1"/>
+      </a:fontRef>
+    </dgm:style>
+  </dgm:styleLbl>
+  <dgm:styleLbl name="parChTrans2D3">
+    <dgm:scene3d>
+      <a:camera prst="orthographicFront"/>
+      <a:lightRig rig="threePt" dir="t"/>
+    </dgm:scene3d>
+    <dgm:sp3d/>
+    <dgm:txPr/>
+    <dgm:style>
+      <a:lnRef idx="2">
+        <a:scrgbClr r="0" g="0" b="0"/>
+      </a:lnRef>
+      <a:fillRef idx="1">
+        <a:scrgbClr r="0" g="0" b="0"/>
+      </a:fillRef>
+      <a:effectRef idx="0">
+        <a:scrgbClr r="0" g="0" b="0"/>
+      </a:effectRef>
+      <a:fontRef idx="minor">
+        <a:schemeClr val="lt1"/>
+      </a:fontRef>
+    </dgm:style>
+  </dgm:styleLbl>
+  <dgm:styleLbl name="parChTrans2D4">
+    <dgm:scene3d>
+      <a:camera prst="orthographicFront"/>
+      <a:lightRig rig="threePt" dir="t"/>
+    </dgm:scene3d>
+    <dgm:sp3d/>
+    <dgm:txPr/>
+    <dgm:style>
+      <a:lnRef idx="2">
+        <a:scrgbClr r="0" g="0" b="0"/>
+      </a:lnRef>
+      <a:fillRef idx="1">
+        <a:scrgbClr r="0" g="0" b="0"/>
+      </a:fillRef>
+      <a:effectRef idx="0">
+        <a:scrgbClr r="0" g="0" b="0"/>
+      </a:effectRef>
+      <a:fontRef idx="minor">
+        <a:schemeClr val="lt1"/>
+      </a:fontRef>
+    </dgm:style>
+  </dgm:styleLbl>
+  <dgm:styleLbl name="parChTrans1D1">
+    <dgm:scene3d>
+      <a:camera prst="orthographicFront"/>
+      <a:lightRig rig="threePt" dir="t"/>
+    </dgm:scene3d>
+    <dgm:sp3d/>
+    <dgm:txPr/>
+    <dgm:style>
+      <a:lnRef idx="2">
+        <a:scrgbClr r="0" g="0" b="0"/>
+      </a:lnRef>
+      <a:fillRef idx="0">
+        <a:scrgbClr r="0" g="0" b="0"/>
+      </a:fillRef>
+      <a:effectRef idx="0">
+        <a:scrgbClr r="0" g="0" b="0"/>
+      </a:effectRef>
+      <a:fontRef idx="minor"/>
+    </dgm:style>
+  </dgm:styleLbl>
+  <dgm:styleLbl name="parChTrans1D2">
+    <dgm:scene3d>
+      <a:camera prst="orthographicFront"/>
+      <a:lightRig rig="threePt" dir="t"/>
+    </dgm:scene3d>
+    <dgm:sp3d/>
+    <dgm:txPr/>
+    <dgm:style>
+      <a:lnRef idx="2">
+        <a:scrgbClr r="0" g="0" b="0"/>
+      </a:lnRef>
+      <a:fillRef idx="0">
+        <a:scrgbClr r="0" g="0" b="0"/>
+      </a:fillRef>
+      <a:effectRef idx="0">
+        <a:scrgbClr r="0" g="0" b="0"/>
+      </a:effectRef>
+      <a:fontRef idx="minor"/>
+    </dgm:style>
+  </dgm:styleLbl>
+  <dgm:styleLbl name="parChTrans1D3">
+    <dgm:scene3d>
+      <a:camera prst="orthographicFront"/>
+      <a:lightRig rig="threePt" dir="t"/>
+    </dgm:scene3d>
+    <dgm:sp3d/>
+    <dgm:txPr/>
+    <dgm:style>
+      <a:lnRef idx="2">
+        <a:scrgbClr r="0" g="0" b="0"/>
+      </a:lnRef>
+      <a:fillRef idx="0">
+        <a:scrgbClr r="0" g="0" b="0"/>
+      </a:fillRef>
+      <a:effectRef idx="0">
+        <a:scrgbClr r="0" g="0" b="0"/>
+      </a:effectRef>
+      <a:fontRef idx="minor"/>
+    </dgm:style>
+  </dgm:styleLbl>
+  <dgm:styleLbl name="parChTrans1D4">
+    <dgm:scene3d>
+      <a:camera prst="orthographicFront"/>
+      <a:lightRig rig="threePt" dir="t"/>
+    </dgm:scene3d>
+    <dgm:sp3d/>
+    <dgm:txPr/>
+    <dgm:style>
+      <a:lnRef idx="2">
+        <a:scrgbClr r="0" g="0" b="0"/>
+      </a:lnRef>
+      <a:fillRef idx="0">
+        <a:scrgbClr r="0" g="0" b="0"/>
+      </a:fillRef>
+      <a:effectRef idx="0">
+        <a:scrgbClr r="0" g="0" b="0"/>
+      </a:effectRef>
+      <a:fontRef idx="minor"/>
+    </dgm:style>
+  </dgm:styleLbl>
+  <dgm:styleLbl name="fgAcc1">
+    <dgm:scene3d>
+      <a:camera prst="orthographicFront"/>
+      <a:lightRig rig="threePt" dir="t"/>
+    </dgm:scene3d>
+    <dgm:sp3d/>
+    <dgm:txPr/>
+    <dgm:style>
+      <a:lnRef idx="2">
+        <a:scrgbClr r="0" g="0" b="0"/>
+      </a:lnRef>
+      <a:fillRef idx="1">
+        <a:scrgbClr r="0" g="0" b="0"/>
+      </a:fillRef>
+      <a:effectRef idx="0">
+        <a:scrgbClr r="0" g="0" b="0"/>
+      </a:effectRef>
+      <a:fontRef idx="minor"/>
+    </dgm:style>
+  </dgm:styleLbl>
+  <dgm:styleLbl name="conFgAcc1">
+    <dgm:scene3d>
+      <a:camera prst="orthographicFront"/>
+      <a:lightRig rig="threePt" dir="t"/>
+    </dgm:scene3d>
+    <dgm:sp3d/>
+    <dgm:txPr/>
+    <dgm:style>
+      <a:lnRef idx="2">
+        <a:scrgbClr r="0" g="0" b="0"/>
+      </a:lnRef>
+      <a:fillRef idx="1">
+        <a:scrgbClr r="0" g="0" b="0"/>
+      </a:fillRef>
+      <a:effectRef idx="0">
+        <a:scrgbClr r="0" g="0" b="0"/>
+      </a:effectRef>
+      <a:fontRef idx="minor"/>
+    </dgm:style>
+  </dgm:styleLbl>
+  <dgm:styleLbl name="alignAcc1">
+    <dgm:scene3d>
+      <a:camera prst="orthographicFront"/>
+      <a:lightRig rig="threePt" dir="t"/>
+    </dgm:scene3d>
+    <dgm:sp3d/>
+    <dgm:txPr/>
+    <dgm:style>
+      <a:lnRef idx="2">
+        <a:scrgbClr r="0" g="0" b="0"/>
+      </a:lnRef>
+      <a:fillRef idx="1">
+        <a:scrgbClr r="0" g="0" b="0"/>
+      </a:fillRef>
+      <a:effectRef idx="0">
+        <a:scrgbClr r="0" g="0" b="0"/>
+      </a:effectRef>
+      <a:fontRef idx="minor"/>
+    </dgm:style>
+  </dgm:styleLbl>
+  <dgm:styleLbl name="trAlignAcc1">
+    <dgm:scene3d>
+      <a:camera prst="orthographicFront"/>
+      <a:lightRig rig="threePt" dir="t"/>
+    </dgm:scene3d>
+    <dgm:sp3d/>
+    <dgm:txPr/>
+    <dgm:style>
+      <a:lnRef idx="1">
+        <a:scrgbClr r="0" g="0" b="0"/>
+      </a:lnRef>
+      <a:fillRef idx="1">
+        <a:scrgbClr r="0" g="0" b="0"/>
+      </a:fillRef>
+      <a:effectRef idx="0">
+        <a:scrgbClr r="0" g="0" b="0"/>
+      </a:effectRef>
+      <a:fontRef idx="minor"/>
+    </dgm:style>
+  </dgm:styleLbl>
+  <dgm:styleLbl name="bgAcc1">
+    <dgm:scene3d>
+      <a:camera prst="orthographicFront"/>
+      <a:lightRig rig="threePt" dir="t"/>
+    </dgm:scene3d>
+    <dgm:sp3d/>
+    <dgm:txPr/>
+    <dgm:style>
+      <a:lnRef idx="2">
+        <a:scrgbClr r="0" g="0" b="0"/>
+      </a:lnRef>
+      <a:fillRef idx="1">
+        <a:scrgbClr r="0" g="0" b="0"/>
+      </a:fillRef>
+      <a:effectRef idx="0">
+        <a:scrgbClr r="0" g="0" b="0"/>
+      </a:effectRef>
+      <a:fontRef idx="minor"/>
+    </dgm:style>
+  </dgm:styleLbl>
+  <dgm:styleLbl name="solidFgAcc1">
+    <dgm:scene3d>
+      <a:camera prst="orthographicFront"/>
+      <a:lightRig rig="threePt" dir="t"/>
+    </dgm:scene3d>
+    <dgm:sp3d/>
+    <dgm:txPr/>
+    <dgm:style>
+      <a:lnRef idx="2">
+        <a:scrgbClr r="0" g="0" b="0"/>
+      </a:lnRef>
+      <a:fillRef idx="1">
+        <a:scrgbClr r="0" g="0" b="0"/>
+      </a:fillRef>
+      <a:effectRef idx="0">
+        <a:scrgbClr r="0" g="0" b="0"/>
+      </a:effectRef>
+      <a:fontRef idx="minor"/>
+    </dgm:style>
+  </dgm:styleLbl>
+  <dgm:styleLbl name="solidAlignAcc1">
+    <dgm:scene3d>
+      <a:camera prst="orthographicFront"/>
+      <a:lightRig rig="threePt" dir="t"/>
+    </dgm:scene3d>
+    <dgm:sp3d/>
+    <dgm:txPr/>
+    <dgm:style>
+      <a:lnRef idx="2">
+        <a:scrgbClr r="0" g="0" b="0"/>
+      </a:lnRef>
+      <a:fillRef idx="1">
+        <a:scrgbClr r="0" g="0" b="0"/>
+      </a:fillRef>
+      <a:effectRef idx="0">
+        <a:scrgbClr r="0" g="0" b="0"/>
+      </a:effectRef>
+      <a:fontRef idx="minor"/>
+    </dgm:style>
+  </dgm:styleLbl>
+  <dgm:styleLbl name="solidBgAcc1">
+    <dgm:scene3d>
+      <a:camera prst="orthographicFront"/>
+      <a:lightRig rig="threePt" dir="t"/>
+    </dgm:scene3d>
+    <dgm:sp3d/>
+    <dgm:txPr/>
+    <dgm:style>
+      <a:lnRef idx="2">
+        <a:scrgbClr r="0" g="0" b="0"/>
+      </a:lnRef>
+      <a:fillRef idx="1">
+        <a:scrgbClr r="0" g="0" b="0"/>
+      </a:fillRef>
+      <a:effectRef idx="0">
+        <a:scrgbClr r="0" g="0" b="0"/>
+      </a:effectRef>
+      <a:fontRef idx="minor"/>
+    </dgm:style>
+  </dgm:styleLbl>
+  <dgm:styleLbl name="fgAccFollowNode1">
+    <dgm:scene3d>
+      <a:camera prst="orthographicFront"/>
+      <a:lightRig rig="threePt" dir="t"/>
+    </dgm:scene3d>
+    <dgm:sp3d/>
+    <dgm:txPr/>
+    <dgm:style>
+      <a:lnRef idx="2">
+        <a:scrgbClr r="0" g="0" b="0"/>
+      </a:lnRef>
+      <a:fillRef idx="1">
+        <a:scrgbClr r="0" g="0" b="0"/>
+      </a:fillRef>
+      <a:effectRef idx="0">
+        <a:scrgbClr r="0" g="0" b="0"/>
+      </a:effectRef>
+      <a:fontRef idx="minor"/>
+    </dgm:style>
+  </dgm:styleLbl>
+  <dgm:styleLbl name="alignAccFollowNode1">
+    <dgm:scene3d>
+      <a:camera prst="orthographicFront"/>
+      <a:lightRig rig="threePt" dir="t"/>
+    </dgm:scene3d>
+    <dgm:sp3d/>
+    <dgm:txPr/>
+    <dgm:style>
+      <a:lnRef idx="2">
+        <a:scrgbClr r="0" g="0" b="0"/>
+      </a:lnRef>
+      <a:fillRef idx="1">
+        <a:scrgbClr r="0" g="0" b="0"/>
+      </a:fillRef>
+      <a:effectRef idx="0">
+        <a:scrgbClr r="0" g="0" b="0"/>
+      </a:effectRef>
+      <a:fontRef idx="minor"/>
+    </dgm:style>
+  </dgm:styleLbl>
+  <dgm:styleLbl name="bgAccFollowNode1">
+    <dgm:scene3d>
+      <a:camera prst="orthographicFront"/>
+      <a:lightRig rig="threePt" dir="t"/>
+    </dgm:scene3d>
+    <dgm:sp3d/>
+    <dgm:txPr/>
+    <dgm:style>
+      <a:lnRef idx="2">
+        <a:scrgbClr r="0" g="0" b="0"/>
+      </a:lnRef>
+      <a:fillRef idx="1">
+        <a:scrgbClr r="0" g="0" b="0"/>
+      </a:fillRef>
+      <a:effectRef idx="0">
+        <a:scrgbClr r="0" g="0" b="0"/>
+      </a:effectRef>
+      <a:fontRef idx="minor"/>
+    </dgm:style>
+  </dgm:styleLbl>
+  <dgm:styleLbl name="fgAcc0">
+    <dgm:scene3d>
+      <a:camera prst="orthographicFront"/>
+      <a:lightRig rig="threePt" dir="t"/>
+    </dgm:scene3d>
+    <dgm:sp3d/>
+    <dgm:txPr/>
+    <dgm:style>
+      <a:lnRef idx="2">
+        <a:scrgbClr r="0" g="0" b="0"/>
+      </a:lnRef>
+      <a:fillRef idx="1">
+        <a:scrgbClr r="0" g="0" b="0"/>
+      </a:fillRef>
+      <a:effectRef idx="0">
+        <a:scrgbClr r="0" g="0" b="0"/>
+      </a:effectRef>
+      <a:fontRef idx="minor"/>
+    </dgm:style>
+  </dgm:styleLbl>
+  <dgm:styleLbl name="fgAcc2">
+    <dgm:scene3d>
+      <a:camera prst="orthographicFront"/>
+      <a:lightRig rig="threePt" dir="t"/>
+    </dgm:scene3d>
+    <dgm:sp3d/>
+    <dgm:txPr/>
+    <dgm:style>
+      <a:lnRef idx="2">
+        <a:scrgbClr r="0" g="0" b="0"/>
+      </a:lnRef>
+      <a:fillRef idx="1">
+        <a:scrgbClr r="0" g="0" b="0"/>
+      </a:fillRef>
+      <a:effectRef idx="0">
+        <a:scrgbClr r="0" g="0" b="0"/>
+      </a:effectRef>
+      <a:fontRef idx="minor"/>
+    </dgm:style>
+  </dgm:styleLbl>
+  <dgm:styleLbl name="fgAcc3">
+    <dgm:scene3d>
+      <a:camera prst="orthographicFront"/>
+      <a:lightRig rig="threePt" dir="t"/>
+    </dgm:scene3d>
+    <dgm:sp3d/>
+    <dgm:txPr/>
+    <dgm:style>
+      <a:lnRef idx="2">
+        <a:scrgbClr r="0" g="0" b="0"/>
+      </a:lnRef>
+      <a:fillRef idx="1">
+        <a:scrgbClr r="0" g="0" b="0"/>
+      </a:fillRef>
+      <a:effectRef idx="0">
+        <a:scrgbClr r="0" g="0" b="0"/>
+      </a:effectRef>
+      <a:fontRef idx="minor"/>
+    </dgm:style>
+  </dgm:styleLbl>
+  <dgm:styleLbl name="fgAcc4">
+    <dgm:scene3d>
+      <a:camera prst="orthographicFront"/>
+      <a:lightRig rig="threePt" dir="t"/>
+    </dgm:scene3d>
+    <dgm:sp3d/>
+    <dgm:txPr/>
+    <dgm:style>
+      <a:lnRef idx="2">
+        <a:scrgbClr r="0" g="0" b="0"/>
+      </a:lnRef>
+      <a:fillRef idx="1">
+        <a:scrgbClr r="0" g="0" b="0"/>
+      </a:fillRef>
+      <a:effectRef idx="0">
+        <a:scrgbClr r="0" g="0" b="0"/>
+      </a:effectRef>
+      <a:fontRef idx="minor"/>
+    </dgm:style>
+  </dgm:styleLbl>
+  <dgm:styleLbl name="bgShp">
+    <dgm:scene3d>
+      <a:camera prst="orthographicFront"/>
+      <a:lightRig rig="threePt" dir="t"/>
+    </dgm:scene3d>
+    <dgm:sp3d/>
+    <dgm:txPr/>
+    <dgm:style>
+      <a:lnRef idx="0">
+        <a:scrgbClr r="0" g="0" b="0"/>
+      </a:lnRef>
+      <a:fillRef idx="1">
+        <a:scrgbClr r="0" g="0" b="0"/>
+      </a:fillRef>
+      <a:effectRef idx="0">
+        <a:scrgbClr r="0" g="0" b="0"/>
+      </a:effectRef>
+      <a:fontRef idx="minor"/>
+    </dgm:style>
+  </dgm:styleLbl>
+  <dgm:styleLbl name="dkBgShp">
+    <dgm:scene3d>
+      <a:camera prst="orthographicFront"/>
+      <a:lightRig rig="threePt" dir="t"/>
+    </dgm:scene3d>
+    <dgm:sp3d/>
+    <dgm:txPr/>
+    <dgm:style>
+      <a:lnRef idx="0">
+        <a:scrgbClr r="0" g="0" b="0"/>
+      </a:lnRef>
+      <a:fillRef idx="1">
+        <a:scrgbClr r="0" g="0" b="0"/>
+      </a:fillRef>
+      <a:effectRef idx="0">
+        <a:scrgbClr r="0" g="0" b="0"/>
+      </a:effectRef>
+      <a:fontRef idx="minor"/>
+    </dgm:style>
+  </dgm:styleLbl>
+  <dgm:styleLbl name="trBgShp">
+    <dgm:scene3d>
+      <a:camera prst="orthographicFront"/>
+      <a:lightRig rig="threePt" dir="t"/>
+    </dgm:scene3d>
+    <dgm:sp3d/>
+    <dgm:txPr/>
+    <dgm:style>
+      <a:lnRef idx="0">
+        <a:scrgbClr r="0" g="0" b="0"/>
+      </a:lnRef>
+      <a:fillRef idx="1">
+        <a:scrgbClr r="0" g="0" b="0"/>
+      </a:fillRef>
+      <a:effectRef idx="0">
+        <a:scrgbClr r="0" g="0" b="0"/>
+      </a:effectRef>
+      <a:fontRef idx="minor"/>
+    </dgm:style>
+  </dgm:styleLbl>
+  <dgm:styleLbl name="fgShp">
+    <dgm:scene3d>
+      <a:camera prst="orthographicFront"/>
+      <a:lightRig rig="threePt" dir="t"/>
+    </dgm:scene3d>
+    <dgm:sp3d/>
+    <dgm:txPr/>
+    <dgm:style>
+      <a:lnRef idx="2">
+        <a:scrgbClr r="0" g="0" b="0"/>
+      </a:lnRef>
+      <a:fillRef idx="1">
+        <a:scrgbClr r="0" g="0" b="0"/>
+      </a:fillRef>
+      <a:effectRef idx="0">
+        <a:scrgbClr r="0" g="0" b="0"/>
+      </a:effectRef>
+      <a:fontRef idx="minor"/>
+    </dgm:style>
+  </dgm:styleLbl>
+  <dgm:styleLbl name="revTx">
+    <dgm:scene3d>
+      <a:camera prst="orthographicFront"/>
+      <a:lightRig rig="threePt" dir="t"/>
+    </dgm:scene3d>
+    <dgm:sp3d/>
+    <dgm:txPr/>
+    <dgm:style>
+      <a:lnRef idx="0">
+        <a:scrgbClr r="0" g="0" b="0"/>
+      </a:lnRef>
+      <a:fillRef idx="0">
+        <a:scrgbClr r="0" g="0" b="0"/>
+      </a:fillRef>
+      <a:effectRef idx="0">
+        <a:scrgbClr r="0" g="0" b="0"/>
+      </a:effectRef>
+      <a:fontRef idx="minor"/>
+    </dgm:style>
+  </dgm:styleLbl>
+</dgm:styleDef>
+</file>
+
+<file path=ppt/diagrams/quickStyle2.xml><?xml version="1.0" encoding="utf-8"?>
+<dgm:styleDef xmlns:dgm="http://schemas.openxmlformats.org/drawingml/2006/diagram" xmlns:a="http://schemas.openxmlformats.org/drawingml/2006/main" uniqueId="urn:microsoft.com/office/officeart/2005/8/quickstyle/simple1">
+  <dgm:title val=""/>
+  <dgm:desc val=""/>
+  <dgm:catLst>
+    <dgm:cat type="simple" pri="10100"/>
+  </dgm:catLst>
+  <dgm:scene3d>
+    <a:camera prst="orthographicFront"/>
+    <a:lightRig rig="threePt" dir="t"/>
+  </dgm:scene3d>
+  <dgm:styleLbl name="node0">
+    <dgm:scene3d>
+      <a:camera prst="orthographicFront"/>
+      <a:lightRig rig="threePt" dir="t"/>
+    </dgm:scene3d>
+    <dgm:sp3d/>
+    <dgm:txPr/>
+    <dgm:style>
+      <a:lnRef idx="2">
+        <a:scrgbClr r="0" g="0" b="0"/>
+      </a:lnRef>
+      <a:fillRef idx="1">
+        <a:scrgbClr r="0" g="0" b="0"/>
+      </a:fillRef>
+      <a:effectRef idx="0">
+        <a:scrgbClr r="0" g="0" b="0"/>
+      </a:effectRef>
+      <a:fontRef idx="minor">
+        <a:schemeClr val="lt1"/>
+      </a:fontRef>
+    </dgm:style>
+  </dgm:styleLbl>
+  <dgm:styleLbl name="lnNode1">
+    <dgm:scene3d>
+      <a:camera prst="orthographicFront"/>
+      <a:lightRig rig="threePt" dir="t"/>
+    </dgm:scene3d>
+    <dgm:sp3d/>
+    <dgm:txPr/>
+    <dgm:style>
+      <a:lnRef idx="2">
+        <a:scrgbClr r="0" g="0" b="0"/>
+      </a:lnRef>
+      <a:fillRef idx="1">
+        <a:scrgbClr r="0" g="0" b="0"/>
+      </a:fillRef>
+      <a:effectRef idx="0">
+        <a:scrgbClr r="0" g="0" b="0"/>
+      </a:effectRef>
+      <a:fontRef idx="minor">
+        <a:schemeClr val="lt1"/>
+      </a:fontRef>
+    </dgm:style>
+  </dgm:styleLbl>
+  <dgm:styleLbl name="vennNode1">
+    <dgm:scene3d>
+      <a:camera prst="orthographicFront"/>
+      <a:lightRig rig="threePt" dir="t"/>
+    </dgm:scene3d>
+    <dgm:sp3d/>
+    <dgm:txPr/>
+    <dgm:style>
+      <a:lnRef idx="2">
+        <a:scrgbClr r="0" g="0" b="0"/>
+      </a:lnRef>
+      <a:fillRef idx="1">
+        <a:scrgbClr r="0" g="0" b="0"/>
+      </a:fillRef>
+      <a:effectRef idx="0">
+        <a:scrgbClr r="0" g="0" b="0"/>
+      </a:effectRef>
+      <a:fontRef idx="minor">
+        <a:schemeClr val="tx1"/>
+      </a:fontRef>
+    </dgm:style>
+  </dgm:styleLbl>
+  <dgm:styleLbl name="alignNode1">
+    <dgm:scene3d>
+      <a:camera prst="orthographicFront"/>
+      <a:lightRig rig="threePt" dir="t"/>
+    </dgm:scene3d>
+    <dgm:sp3d/>
+    <dgm:txPr/>
+    <dgm:style>
+      <a:lnRef idx="2">
+        <a:scrgbClr r="0" g="0" b="0"/>
+      </a:lnRef>
+      <a:fillRef idx="1">
+        <a:scrgbClr r="0" g="0" b="0"/>
+      </a:fillRef>
+      <a:effectRef idx="0">
+        <a:scrgbClr r="0" g="0" b="0"/>
+      </a:effectRef>
+      <a:fontRef idx="minor">
+        <a:schemeClr val="lt1"/>
+      </a:fontRef>
+    </dgm:style>
+  </dgm:styleLbl>
+  <dgm:styleLbl name="node1">
+    <dgm:scene3d>
+      <a:camera prst="orthographicFront"/>
+      <a:lightRig rig="threePt" dir="t"/>
+    </dgm:scene3d>
+    <dgm:sp3d/>
+    <dgm:txPr/>
+    <dgm:style>
+      <a:lnRef idx="2">
+        <a:scrgbClr r="0" g="0" b="0"/>
+      </a:lnRef>
+      <a:fillRef idx="1">
+        <a:scrgbClr r="0" g="0" b="0"/>
+      </a:fillRef>
+      <a:effectRef idx="0">
+        <a:scrgbClr r="0" g="0" b="0"/>
+      </a:effectRef>
+      <a:fontRef idx="minor">
+        <a:schemeClr val="lt1"/>
+      </a:fontRef>
+    </dgm:style>
+  </dgm:styleLbl>
+  <dgm:styleLbl name="node2">
+    <dgm:scene3d>
+      <a:camera prst="orthographicFront"/>
+      <a:lightRig rig="threePt" dir="t"/>
+    </dgm:scene3d>
+    <dgm:sp3d/>
+    <dgm:txPr/>
+    <dgm:style>
+      <a:lnRef idx="2">
+        <a:scrgbClr r="0" g="0" b="0"/>
+      </a:lnRef>
+      <a:fillRef idx="1">
+        <a:scrgbClr r="0" g="0" b="0"/>
+      </a:fillRef>
+      <a:effectRef idx="0">
+        <a:scrgbClr r="0" g="0" b="0"/>
+      </a:effectRef>
+      <a:fontRef idx="minor">
+        <a:schemeClr val="lt1"/>
+      </a:fontRef>
+    </dgm:style>
+  </dgm:styleLbl>
+  <dgm:styleLbl name="node3">
+    <dgm:scene3d>
+      <a:camera prst="orthographicFront"/>
+      <a:lightRig rig="threePt" dir="t"/>
+    </dgm:scene3d>
+    <dgm:sp3d/>
+    <dgm:txPr/>
+    <dgm:style>
+      <a:lnRef idx="2">
+        <a:scrgbClr r="0" g="0" b="0"/>
+      </a:lnRef>
+      <a:fillRef idx="1">
+        <a:scrgbClr r="0" g="0" b="0"/>
+      </a:fillRef>
+      <a:effectRef idx="0">
+        <a:scrgbClr r="0" g="0" b="0"/>
+      </a:effectRef>
+      <a:fontRef idx="minor">
+        <a:schemeClr val="lt1"/>
+      </a:fontRef>
+    </dgm:style>
+  </dgm:styleLbl>
+  <dgm:styleLbl name="node4">
+    <dgm:scene3d>
+      <a:camera prst="orthographicFront"/>
+      <a:lightRig rig="threePt" dir="t"/>
+    </dgm:scene3d>
+    <dgm:sp3d/>
+    <dgm:txPr/>
+    <dgm:style>
+      <a:lnRef idx="2">
+        <a:scrgbClr r="0" g="0" b="0"/>
+      </a:lnRef>
+      <a:fillRef idx="1">
+        <a:scrgbClr r="0" g="0" b="0"/>
+      </a:fillRef>
+      <a:effectRef idx="0">
+        <a:scrgbClr r="0" g="0" b="0"/>
+      </a:effectRef>
+      <a:fontRef idx="minor">
+        <a:schemeClr val="lt1"/>
+      </a:fontRef>
+    </dgm:style>
+  </dgm:styleLbl>
+  <dgm:styleLbl name="fgImgPlace1">
+    <dgm:scene3d>
+      <a:camera prst="orthographicFront"/>
+      <a:lightRig rig="threePt" dir="t"/>
+    </dgm:scene3d>
+    <dgm:sp3d/>
+    <dgm:txPr/>
+    <dgm:style>
+      <a:lnRef idx="2">
+        <a:scrgbClr r="0" g="0" b="0"/>
+      </a:lnRef>
+      <a:fillRef idx="1">
+        <a:scrgbClr r="0" g="0" b="0"/>
+      </a:fillRef>
+      <a:effectRef idx="0">
+        <a:scrgbClr r="0" g="0" b="0"/>
+      </a:effectRef>
+      <a:fontRef idx="minor"/>
+    </dgm:style>
+  </dgm:styleLbl>
+  <dgm:styleLbl name="alignImgPlace1">
+    <dgm:scene3d>
+      <a:camera prst="orthographicFront"/>
+      <a:lightRig rig="threePt" dir="t"/>
+    </dgm:scene3d>
+    <dgm:sp3d/>
+    <dgm:txPr/>
+    <dgm:style>
+      <a:lnRef idx="2">
+        <a:scrgbClr r="0" g="0" b="0"/>
+      </a:lnRef>
+      <a:fillRef idx="1">
+        <a:scrgbClr r="0" g="0" b="0"/>
+      </a:fillRef>
+      <a:effectRef idx="0">
+        <a:scrgbClr r="0" g="0" b="0"/>
+      </a:effectRef>
+      <a:fontRef idx="minor"/>
+    </dgm:style>
+  </dgm:styleLbl>
+  <dgm:styleLbl name="bgImgPlace1">
+    <dgm:scene3d>
+      <a:camera prst="orthographicFront"/>
+      <a:lightRig rig="threePt" dir="t"/>
+    </dgm:scene3d>
+    <dgm:sp3d/>
+    <dgm:txPr/>
+    <dgm:style>
+      <a:lnRef idx="2">
+        <a:scrgbClr r="0" g="0" b="0"/>
+      </a:lnRef>
+      <a:fillRef idx="1">
+        <a:scrgbClr r="0" g="0" b="0"/>
+      </a:fillRef>
+      <a:effectRef idx="0">
+        <a:scrgbClr r="0" g="0" b="0"/>
+      </a:effectRef>
+      <a:fontRef idx="minor"/>
+    </dgm:style>
+  </dgm:styleLbl>
+  <dgm:styleLbl name="sibTrans2D1">
+    <dgm:scene3d>
+      <a:camera prst="orthographicFront"/>
+      <a:lightRig rig="threePt" dir="t"/>
+    </dgm:scene3d>
+    <dgm:sp3d/>
+    <dgm:txPr/>
+    <dgm:style>
+      <a:lnRef idx="0">
+        <a:scrgbClr r="0" g="0" b="0"/>
+      </a:lnRef>
+      <a:fillRef idx="1">
+        <a:scrgbClr r="0" g="0" b="0"/>
+      </a:fillRef>
+      <a:effectRef idx="0">
+        <a:scrgbClr r="0" g="0" b="0"/>
+      </a:effectRef>
+      <a:fontRef idx="minor">
+        <a:schemeClr val="lt1"/>
+      </a:fontRef>
+    </dgm:style>
+  </dgm:styleLbl>
+  <dgm:styleLbl name="fgSibTrans2D1">
+    <dgm:scene3d>
+      <a:camera prst="orthographicFront"/>
+      <a:lightRig rig="threePt" dir="t"/>
+    </dgm:scene3d>
+    <dgm:sp3d/>
+    <dgm:txPr/>
+    <dgm:style>
+      <a:lnRef idx="0">
+        <a:scrgbClr r="0" g="0" b="0"/>
+      </a:lnRef>
+      <a:fillRef idx="1">
+        <a:scrgbClr r="0" g="0" b="0"/>
+      </a:fillRef>
+      <a:effectRef idx="0">
+        <a:scrgbClr r="0" g="0" b="0"/>
+      </a:effectRef>
+      <a:fontRef idx="minor">
+        <a:schemeClr val="lt1"/>
+      </a:fontRef>
+    </dgm:style>
+  </dgm:styleLbl>
+  <dgm:styleLbl name="bgSibTrans2D1">
+    <dgm:scene3d>
+      <a:camera prst="orthographicFront"/>
+      <a:lightRig rig="threePt" dir="t"/>
+    </dgm:scene3d>
+    <dgm:sp3d/>
+    <dgm:txPr/>
+    <dgm:style>
+      <a:lnRef idx="0">
+        <a:scrgbClr r="0" g="0" b="0"/>
+      </a:lnRef>
+      <a:fillRef idx="1">
+        <a:scrgbClr r="0" g="0" b="0"/>
+      </a:fillRef>
+      <a:effectRef idx="0">
+        <a:scrgbClr r="0" g="0" b="0"/>
+      </a:effectRef>
+      <a:fontRef idx="minor">
+        <a:schemeClr val="lt1"/>
+      </a:fontRef>
+    </dgm:style>
+  </dgm:styleLbl>
+  <dgm:styleLbl name="sibTrans1D1">
+    <dgm:scene3d>
+      <a:camera prst="orthographicFront"/>
+      <a:lightRig rig="threePt" dir="t"/>
+    </dgm:scene3d>
+    <dgm:sp3d/>
+    <dgm:txPr/>
+    <dgm:style>
+      <a:lnRef idx="1">
+        <a:scrgbClr r="0" g="0" b="0"/>
+      </a:lnRef>
+      <a:fillRef idx="0">
+        <a:scrgbClr r="0" g="0" b="0"/>
+      </a:fillRef>
+      <a:effectRef idx="0">
+        <a:scrgbClr r="0" g="0" b="0"/>
+      </a:effectRef>
+      <a:fontRef idx="minor"/>
+    </dgm:style>
+  </dgm:styleLbl>
+  <dgm:styleLbl name="callout">
+    <dgm:scene3d>
+      <a:camera prst="orthographicFront"/>
+      <a:lightRig rig="threePt" dir="t"/>
+    </dgm:scene3d>
+    <dgm:sp3d/>
+    <dgm:txPr/>
+    <dgm:style>
+      <a:lnRef idx="2">
+        <a:scrgbClr r="0" g="0" b="0"/>
+      </a:lnRef>
+      <a:fillRef idx="1">
+        <a:scrgbClr r="0" g="0" b="0"/>
+      </a:fillRef>
+      <a:effectRef idx="0">
+        <a:scrgbClr r="0" g="0" b="0"/>
+      </a:effectRef>
+      <a:fontRef idx="minor"/>
+    </dgm:style>
+  </dgm:styleLbl>
+  <dgm:styleLbl name="asst0">
+    <dgm:scene3d>
+      <a:camera prst="orthographicFront"/>
+      <a:lightRig rig="threePt" dir="t"/>
+    </dgm:scene3d>
+    <dgm:sp3d/>
+    <dgm:txPr/>
+    <dgm:style>
+      <a:lnRef idx="2">
+        <a:scrgbClr r="0" g="0" b="0"/>
+      </a:lnRef>
+      <a:fillRef idx="1">
+        <a:scrgbClr r="0" g="0" b="0"/>
+      </a:fillRef>
+      <a:effectRef idx="0">
+        <a:scrgbClr r="0" g="0" b="0"/>
+      </a:effectRef>
+      <a:fontRef idx="minor">
+        <a:schemeClr val="lt1"/>
+      </a:fontRef>
+    </dgm:style>
+  </dgm:styleLbl>
+  <dgm:styleLbl name="asst1">
+    <dgm:scene3d>
+      <a:camera prst="orthographicFront"/>
+      <a:lightRig rig="threePt" dir="t"/>
+    </dgm:scene3d>
+    <dgm:sp3d/>
+    <dgm:txPr/>
+    <dgm:style>
+      <a:lnRef idx="2">
+        <a:scrgbClr r="0" g="0" b="0"/>
+      </a:lnRef>
+      <a:fillRef idx="1">
+        <a:scrgbClr r="0" g="0" b="0"/>
+      </a:fillRef>
+      <a:effectRef idx="0">
+        <a:scrgbClr r="0" g="0" b="0"/>
+      </a:effectRef>
+      <a:fontRef idx="minor">
+        <a:schemeClr val="lt1"/>
+      </a:fontRef>
+    </dgm:style>
+  </dgm:styleLbl>
+  <dgm:styleLbl name="asst2">
+    <dgm:scene3d>
+      <a:camera prst="orthographicFront"/>
+      <a:lightRig rig="threePt" dir="t"/>
+    </dgm:scene3d>
+    <dgm:sp3d/>
+    <dgm:txPr/>
+    <dgm:style>
+      <a:lnRef idx="2">
+        <a:scrgbClr r="0" g="0" b="0"/>
+      </a:lnRef>
+      <a:fillRef idx="1">
+        <a:scrgbClr r="0" g="0" b="0"/>
+      </a:fillRef>
+      <a:effectRef idx="0">
+        <a:scrgbClr r="0" g="0" b="0"/>
+      </a:effectRef>
+      <a:fontRef idx="minor">
+        <a:schemeClr val="lt1"/>
+      </a:fontRef>
+    </dgm:style>
+  </dgm:styleLbl>
+  <dgm:styleLbl name="asst3">
+    <dgm:scene3d>
+      <a:camera prst="orthographicFront"/>
+      <a:lightRig rig="threePt" dir="t"/>
+    </dgm:scene3d>
+    <dgm:sp3d/>
+    <dgm:txPr/>
+    <dgm:style>
+      <a:lnRef idx="2">
+        <a:scrgbClr r="0" g="0" b="0"/>
+      </a:lnRef>
+      <a:fillRef idx="1">
+        <a:scrgbClr r="0" g="0" b="0"/>
+      </a:fillRef>
+      <a:effectRef idx="0">
+        <a:scrgbClr r="0" g="0" b="0"/>
+      </a:effectRef>
+      <a:fontRef idx="minor">
+        <a:schemeClr val="lt1"/>
+      </a:fontRef>
+    </dgm:style>
+  </dgm:styleLbl>
+  <dgm:styleLbl name="asst4">
+    <dgm:scene3d>
+      <a:camera prst="orthographicFront"/>
+      <a:lightRig rig="threePt" dir="t"/>
+    </dgm:scene3d>
+    <dgm:sp3d/>
+    <dgm:txPr/>
+    <dgm:style>
+      <a:lnRef idx="2">
+        <a:scrgbClr r="0" g="0" b="0"/>
+      </a:lnRef>
+      <a:fillRef idx="1">
+        <a:scrgbClr r="0" g="0" b="0"/>
+      </a:fillRef>
+      <a:effectRef idx="0">
+        <a:scrgbClr r="0" g="0" b="0"/>
+      </a:effectRef>
+      <a:fontRef idx="minor">
+        <a:schemeClr val="lt1"/>
+      </a:fontRef>
+    </dgm:style>
+  </dgm:styleLbl>
+  <dgm:styleLbl name="parChTrans2D1">
+    <dgm:scene3d>
+      <a:camera prst="orthographicFront"/>
+      <a:lightRig rig="threePt" dir="t"/>
+    </dgm:scene3d>
+    <dgm:sp3d/>
+    <dgm:txPr/>
+    <dgm:style>
+      <a:lnRef idx="2">
+        <a:scrgbClr r="0" g="0" b="0"/>
+      </a:lnRef>
+      <a:fillRef idx="1">
+        <a:scrgbClr r="0" g="0" b="0"/>
+      </a:fillRef>
+      <a:effectRef idx="0">
+        <a:scrgbClr r="0" g="0" b="0"/>
+      </a:effectRef>
+      <a:fontRef idx="minor">
+        <a:schemeClr val="lt1"/>
+      </a:fontRef>
+    </dgm:style>
+  </dgm:styleLbl>
+  <dgm:styleLbl name="parChTrans2D2">
+    <dgm:scene3d>
+      <a:camera prst="orthographicFront"/>
+      <a:lightRig rig="threePt" dir="t"/>
+    </dgm:scene3d>
+    <dgm:sp3d/>
+    <dgm:txPr/>
+    <dgm:style>
+      <a:lnRef idx="2">
+        <a:scrgbClr r="0" g="0" b="0"/>
+      </a:lnRef>
+      <a:fillRef idx="1">
+        <a:scrgbClr r="0" g="0" b="0"/>
+      </a:fillRef>
+      <a:effectRef idx="0">
+        <a:scrgbClr r="0" g="0" b="0"/>
+      </a:effectRef>
+      <a:fontRef idx="minor">
+        <a:schemeClr val="lt1"/>
+      </a:fontRef>
+    </dgm:style>
+  </dgm:styleLbl>
+  <dgm:styleLbl name="parChTrans2D3">
+    <dgm:scene3d>
+      <a:camera prst="orthographicFront"/>
+      <a:lightRig rig="threePt" dir="t"/>
+    </dgm:scene3d>
+    <dgm:sp3d/>
+    <dgm:txPr/>
+    <dgm:style>
+      <a:lnRef idx="2">
+        <a:scrgbClr r="0" g="0" b="0"/>
+      </a:lnRef>
+      <a:fillRef idx="1">
+        <a:scrgbClr r="0" g="0" b="0"/>
+      </a:fillRef>
+      <a:effectRef idx="0">
+        <a:scrgbClr r="0" g="0" b="0"/>
+      </a:effectRef>
+      <a:fontRef idx="minor">
+        <a:schemeClr val="lt1"/>
+      </a:fontRef>
+    </dgm:style>
+  </dgm:styleLbl>
+  <dgm:styleLbl name="parChTrans2D4">
+    <dgm:scene3d>
+      <a:camera prst="orthographicFront"/>
+      <a:lightRig rig="threePt" dir="t"/>
+    </dgm:scene3d>
+    <dgm:sp3d/>
+    <dgm:txPr/>
+    <dgm:style>
+      <a:lnRef idx="2">
+        <a:scrgbClr r="0" g="0" b="0"/>
+      </a:lnRef>
+      <a:fillRef idx="1">
+        <a:scrgbClr r="0" g="0" b="0"/>
+      </a:fillRef>
+      <a:effectRef idx="0">
+        <a:scrgbClr r="0" g="0" b="0"/>
+      </a:effectRef>
+      <a:fontRef idx="minor">
+        <a:schemeClr val="lt1"/>
+      </a:fontRef>
+    </dgm:style>
+  </dgm:styleLbl>
+  <dgm:styleLbl name="parChTrans1D1">
+    <dgm:scene3d>
+      <a:camera prst="orthographicFront"/>
+      <a:lightRig rig="threePt" dir="t"/>
+    </dgm:scene3d>
+    <dgm:sp3d/>
+    <dgm:txPr/>
+    <dgm:style>
+      <a:lnRef idx="2">
+        <a:scrgbClr r="0" g="0" b="0"/>
+      </a:lnRef>
+      <a:fillRef idx="0">
+        <a:scrgbClr r="0" g="0" b="0"/>
+      </a:fillRef>
+      <a:effectRef idx="0">
+        <a:scrgbClr r="0" g="0" b="0"/>
+      </a:effectRef>
+      <a:fontRef idx="minor"/>
+    </dgm:style>
+  </dgm:styleLbl>
+  <dgm:styleLbl name="parChTrans1D2">
+    <dgm:scene3d>
+      <a:camera prst="orthographicFront"/>
+      <a:lightRig rig="threePt" dir="t"/>
+    </dgm:scene3d>
+    <dgm:sp3d/>
+    <dgm:txPr/>
+    <dgm:style>
+      <a:lnRef idx="2">
+        <a:scrgbClr r="0" g="0" b="0"/>
+      </a:lnRef>
+      <a:fillRef idx="0">
+        <a:scrgbClr r="0" g="0" b="0"/>
+      </a:fillRef>
+      <a:effectRef idx="0">
+        <a:scrgbClr r="0" g="0" b="0"/>
+      </a:effectRef>
+      <a:fontRef idx="minor"/>
+    </dgm:style>
+  </dgm:styleLbl>
+  <dgm:styleLbl name="parChTrans1D3">
+    <dgm:scene3d>
+      <a:camera prst="orthographicFront"/>
+      <a:lightRig rig="threePt" dir="t"/>
+    </dgm:scene3d>
+    <dgm:sp3d/>
+    <dgm:txPr/>
+    <dgm:style>
+      <a:lnRef idx="2">
+        <a:scrgbClr r="0" g="0" b="0"/>
+      </a:lnRef>
+      <a:fillRef idx="0">
+        <a:scrgbClr r="0" g="0" b="0"/>
+      </a:fillRef>
+      <a:effectRef idx="0">
+        <a:scrgbClr r="0" g="0" b="0"/>
+      </a:effectRef>
+      <a:fontRef idx="minor"/>
+    </dgm:style>
+  </dgm:styleLbl>
+  <dgm:styleLbl name="parChTrans1D4">
+    <dgm:scene3d>
+      <a:camera prst="orthographicFront"/>
+      <a:lightRig rig="threePt" dir="t"/>
+    </dgm:scene3d>
+    <dgm:sp3d/>
+    <dgm:txPr/>
+    <dgm:style>
+      <a:lnRef idx="2">
+        <a:scrgbClr r="0" g="0" b="0"/>
+      </a:lnRef>
+      <a:fillRef idx="0">
+        <a:scrgbClr r="0" g="0" b="0"/>
+      </a:fillRef>
+      <a:effectRef idx="0">
+        <a:scrgbClr r="0" g="0" b="0"/>
+      </a:effectRef>
+      <a:fontRef idx="minor"/>
+    </dgm:style>
+  </dgm:styleLbl>
+  <dgm:styleLbl name="fgAcc1">
+    <dgm:scene3d>
+      <a:camera prst="orthographicFront"/>
+      <a:lightRig rig="threePt" dir="t"/>
+    </dgm:scene3d>
+    <dgm:sp3d/>
+    <dgm:txPr/>
+    <dgm:style>
+      <a:lnRef idx="2">
+        <a:scrgbClr r="0" g="0" b="0"/>
+      </a:lnRef>
+      <a:fillRef idx="1">
+        <a:scrgbClr r="0" g="0" b="0"/>
+      </a:fillRef>
+      <a:effectRef idx="0">
+        <a:scrgbClr r="0" g="0" b="0"/>
+      </a:effectRef>
+      <a:fontRef idx="minor"/>
+    </dgm:style>
+  </dgm:styleLbl>
+  <dgm:styleLbl name="conFgAcc1">
+    <dgm:scene3d>
+      <a:camera prst="orthographicFront"/>
+      <a:lightRig rig="threePt" dir="t"/>
+    </dgm:scene3d>
+    <dgm:sp3d/>
+    <dgm:txPr/>
+    <dgm:style>
+      <a:lnRef idx="2">
+        <a:scrgbClr r="0" g="0" b="0"/>
+      </a:lnRef>
+      <a:fillRef idx="1">
+        <a:scrgbClr r="0" g="0" b="0"/>
+      </a:fillRef>
+      <a:effectRef idx="0">
+        <a:scrgbClr r="0" g="0" b="0"/>
+      </a:effectRef>
+      <a:fontRef idx="minor"/>
+    </dgm:style>
+  </dgm:styleLbl>
+  <dgm:styleLbl name="alignAcc1">
+    <dgm:scene3d>
+      <a:camera prst="orthographicFront"/>
+      <a:lightRig rig="threePt" dir="t"/>
+    </dgm:scene3d>
+    <dgm:sp3d/>
+    <dgm:txPr/>
+    <dgm:style>
+      <a:lnRef idx="2">
+        <a:scrgbClr r="0" g="0" b="0"/>
+      </a:lnRef>
+      <a:fillRef idx="1">
+        <a:scrgbClr r="0" g="0" b="0"/>
+      </a:fillRef>
+      <a:effectRef idx="0">
+        <a:scrgbClr r="0" g="0" b="0"/>
+      </a:effectRef>
+      <a:fontRef idx="minor"/>
+    </dgm:style>
+  </dgm:styleLbl>
+  <dgm:styleLbl name="trAlignAcc1">
+    <dgm:scene3d>
+      <a:camera prst="orthographicFront"/>
+      <a:lightRig rig="threePt" dir="t"/>
+    </dgm:scene3d>
+    <dgm:sp3d/>
+    <dgm:txPr/>
+    <dgm:style>
+      <a:lnRef idx="1">
+        <a:scrgbClr r="0" g="0" b="0"/>
+      </a:lnRef>
+      <a:fillRef idx="1">
+        <a:scrgbClr r="0" g="0" b="0"/>
+      </a:fillRef>
+      <a:effectRef idx="0">
+        <a:scrgbClr r="0" g="0" b="0"/>
+      </a:effectRef>
+      <a:fontRef idx="minor"/>
+    </dgm:style>
+  </dgm:styleLbl>
+  <dgm:styleLbl name="bgAcc1">
+    <dgm:scene3d>
+      <a:camera prst="orthographicFront"/>
+      <a:lightRig rig="threePt" dir="t"/>
+    </dgm:scene3d>
+    <dgm:sp3d/>
+    <dgm:txPr/>
+    <dgm:style>
+      <a:lnRef idx="2">
+        <a:scrgbClr r="0" g="0" b="0"/>
+      </a:lnRef>
+      <a:fillRef idx="1">
+        <a:scrgbClr r="0" g="0" b="0"/>
+      </a:fillRef>
+      <a:effectRef idx="0">
+        <a:scrgbClr r="0" g="0" b="0"/>
+      </a:effectRef>
+      <a:fontRef idx="minor"/>
+    </dgm:style>
+  </dgm:styleLbl>
+  <dgm:styleLbl name="solidFgAcc1">
+    <dgm:scene3d>
+      <a:camera prst="orthographicFront"/>
+      <a:lightRig rig="threePt" dir="t"/>
+    </dgm:scene3d>
+    <dgm:sp3d/>
+    <dgm:txPr/>
+    <dgm:style>
+      <a:lnRef idx="2">
+        <a:scrgbClr r="0" g="0" b="0"/>
+      </a:lnRef>
+      <a:fillRef idx="1">
+        <a:scrgbClr r="0" g="0" b="0"/>
+      </a:fillRef>
+      <a:effectRef idx="0">
+        <a:scrgbClr r="0" g="0" b="0"/>
+      </a:effectRef>
+      <a:fontRef idx="minor"/>
+    </dgm:style>
+  </dgm:styleLbl>
+  <dgm:styleLbl name="solidAlignAcc1">
+    <dgm:scene3d>
+      <a:camera prst="orthographicFront"/>
+      <a:lightRig rig="threePt" dir="t"/>
+    </dgm:scene3d>
+    <dgm:sp3d/>
+    <dgm:txPr/>
+    <dgm:style>
+      <a:lnRef idx="2">
+        <a:scrgbClr r="0" g="0" b="0"/>
+      </a:lnRef>
+      <a:fillRef idx="1">
+        <a:scrgbClr r="0" g="0" b="0"/>
+      </a:fillRef>
+      <a:effectRef idx="0">
+        <a:scrgbClr r="0" g="0" b="0"/>
+      </a:effectRef>
+      <a:fontRef idx="minor"/>
+    </dgm:style>
+  </dgm:styleLbl>
+  <dgm:styleLbl name="solidBgAcc1">
+    <dgm:scene3d>
+      <a:camera prst="orthographicFront"/>
+      <a:lightRig rig="threePt" dir="t"/>
+    </dgm:scene3d>
+    <dgm:sp3d/>
+    <dgm:txPr/>
+    <dgm:style>
+      <a:lnRef idx="2">
+        <a:scrgbClr r="0" g="0" b="0"/>
+      </a:lnRef>
+      <a:fillRef idx="1">
+        <a:scrgbClr r="0" g="0" b="0"/>
+      </a:fillRef>
+      <a:effectRef idx="0">
+        <a:scrgbClr r="0" g="0" b="0"/>
+      </a:effectRef>
+      <a:fontRef idx="minor"/>
+    </dgm:style>
+  </dgm:styleLbl>
+  <dgm:styleLbl name="fgAccFollowNode1">
+    <dgm:scene3d>
+      <a:camera prst="orthographicFront"/>
+      <a:lightRig rig="threePt" dir="t"/>
+    </dgm:scene3d>
+    <dgm:sp3d/>
+    <dgm:txPr/>
+    <dgm:style>
+      <a:lnRef idx="2">
+        <a:scrgbClr r="0" g="0" b="0"/>
+      </a:lnRef>
+      <a:fillRef idx="1">
+        <a:scrgbClr r="0" g="0" b="0"/>
+      </a:fillRef>
+      <a:effectRef idx="0">
+        <a:scrgbClr r="0" g="0" b="0"/>
+      </a:effectRef>
+      <a:fontRef idx="minor"/>
+    </dgm:style>
+  </dgm:styleLbl>
+  <dgm:styleLbl name="alignAccFollowNode1">
+    <dgm:scene3d>
+      <a:camera prst="orthographicFront"/>
+      <a:lightRig rig="threePt" dir="t"/>
+    </dgm:scene3d>
+    <dgm:sp3d/>
+    <dgm:txPr/>
+    <dgm:style>
+      <a:lnRef idx="2">
+        <a:scrgbClr r="0" g="0" b="0"/>
+      </a:lnRef>
+      <a:fillRef idx="1">
+        <a:scrgbClr r="0" g="0" b="0"/>
+      </a:fillRef>
+      <a:effectRef idx="0">
+        <a:scrgbClr r="0" g="0" b="0"/>
+      </a:effectRef>
+      <a:fontRef idx="minor"/>
+    </dgm:style>
+  </dgm:styleLbl>
+  <dgm:styleLbl name="bgAccFollowNode1">
+    <dgm:scene3d>
+      <a:camera prst="orthographicFront"/>
+      <a:lightRig rig="threePt" dir="t"/>
+    </dgm:scene3d>
+    <dgm:sp3d/>
+    <dgm:txPr/>
+    <dgm:style>
+      <a:lnRef idx="2">
+        <a:scrgbClr r="0" g="0" b="0"/>
+      </a:lnRef>
+      <a:fillRef idx="1">
+        <a:scrgbClr r="0" g="0" b="0"/>
+      </a:fillRef>
+      <a:effectRef idx="0">
+        <a:scrgbClr r="0" g="0" b="0"/>
+      </a:effectRef>
+      <a:fontRef idx="minor"/>
+    </dgm:style>
+  </dgm:styleLbl>
+  <dgm:styleLbl name="fgAcc0">
+    <dgm:scene3d>
+      <a:camera prst="orthographicFront"/>
+      <a:lightRig rig="threePt" dir="t"/>
+    </dgm:scene3d>
+    <dgm:sp3d/>
+    <dgm:txPr/>
+    <dgm:style>
+      <a:lnRef idx="2">
+        <a:scrgbClr r="0" g="0" b="0"/>
+      </a:lnRef>
+      <a:fillRef idx="1">
+        <a:scrgbClr r="0" g="0" b="0"/>
+      </a:fillRef>
+      <a:effectRef idx="0">
+        <a:scrgbClr r="0" g="0" b="0"/>
+      </a:effectRef>
+      <a:fontRef idx="minor"/>
+    </dgm:style>
+  </dgm:styleLbl>
+  <dgm:styleLbl name="fgAcc2">
+    <dgm:scene3d>
+      <a:camera prst="orthographicFront"/>
+      <a:lightRig rig="threePt" dir="t"/>
+    </dgm:scene3d>
+    <dgm:sp3d/>
+    <dgm:txPr/>
+    <dgm:style>
+      <a:lnRef idx="2">
+        <a:scrgbClr r="0" g="0" b="0"/>
+      </a:lnRef>
+      <a:fillRef idx="1">
+        <a:scrgbClr r="0" g="0" b="0"/>
+      </a:fillRef>
+      <a:effectRef idx="0">
+        <a:scrgbClr r="0" g="0" b="0"/>
+      </a:effectRef>
+      <a:fontRef idx="minor"/>
+    </dgm:style>
+  </dgm:styleLbl>
+  <dgm:styleLbl name="fgAcc3">
+    <dgm:scene3d>
+      <a:camera prst="orthographicFront"/>
+      <a:lightRig rig="threePt" dir="t"/>
+    </dgm:scene3d>
+    <dgm:sp3d/>
+    <dgm:txPr/>
+    <dgm:style>
+      <a:lnRef idx="2">
+        <a:scrgbClr r="0" g="0" b="0"/>
+      </a:lnRef>
+      <a:fillRef idx="1">
+        <a:scrgbClr r="0" g="0" b="0"/>
+      </a:fillRef>
+      <a:effectRef idx="0">
+        <a:scrgbClr r="0" g="0" b="0"/>
+      </a:effectRef>
+      <a:fontRef idx="minor"/>
+    </dgm:style>
+  </dgm:styleLbl>
+  <dgm:styleLbl name="fgAcc4">
+    <dgm:scene3d>
+      <a:camera prst="orthographicFront"/>
+      <a:lightRig rig="threePt" dir="t"/>
+    </dgm:scene3d>
+    <dgm:sp3d/>
+    <dgm:txPr/>
+    <dgm:style>
+      <a:lnRef idx="2">
+        <a:scrgbClr r="0" g="0" b="0"/>
+      </a:lnRef>
+      <a:fillRef idx="1">
+        <a:scrgbClr r="0" g="0" b="0"/>
+      </a:fillRef>
+      <a:effectRef idx="0">
+        <a:scrgbClr r="0" g="0" b="0"/>
+      </a:effectRef>
+      <a:fontRef idx="minor"/>
+    </dgm:style>
+  </dgm:styleLbl>
+  <dgm:styleLbl name="bgShp">
+    <dgm:scene3d>
+      <a:camera prst="orthographicFront"/>
+      <a:lightRig rig="threePt" dir="t"/>
+    </dgm:scene3d>
+    <dgm:sp3d/>
+    <dgm:txPr/>
+    <dgm:style>
+      <a:lnRef idx="0">
+        <a:scrgbClr r="0" g="0" b="0"/>
+      </a:lnRef>
+      <a:fillRef idx="1">
+        <a:scrgbClr r="0" g="0" b="0"/>
+      </a:fillRef>
+      <a:effectRef idx="0">
+        <a:scrgbClr r="0" g="0" b="0"/>
+      </a:effectRef>
+      <a:fontRef idx="minor"/>
+    </dgm:style>
+  </dgm:styleLbl>
+  <dgm:styleLbl name="dkBgShp">
+    <dgm:scene3d>
+      <a:camera prst="orthographicFront"/>
+      <a:lightRig rig="threePt" dir="t"/>
+    </dgm:scene3d>
+    <dgm:sp3d/>
+    <dgm:txPr/>
+    <dgm:style>
+      <a:lnRef idx="0">
+        <a:scrgbClr r="0" g="0" b="0"/>
+      </a:lnRef>
+      <a:fillRef idx="1">
+        <a:scrgbClr r="0" g="0" b="0"/>
+      </a:fillRef>
+      <a:effectRef idx="0">
+        <a:scrgbClr r="0" g="0" b="0"/>
+      </a:effectRef>
+      <a:fontRef idx="minor"/>
+    </dgm:style>
+  </dgm:styleLbl>
+  <dgm:styleLbl name="trBgShp">
+    <dgm:scene3d>
+      <a:camera prst="orthographicFront"/>
+      <a:lightRig rig="threePt" dir="t"/>
+    </dgm:scene3d>
+    <dgm:sp3d/>
+    <dgm:txPr/>
+    <dgm:style>
+      <a:lnRef idx="0">
+        <a:scrgbClr r="0" g="0" b="0"/>
+      </a:lnRef>
+      <a:fillRef idx="1">
+        <a:scrgbClr r="0" g="0" b="0"/>
+      </a:fillRef>
+      <a:effectRef idx="0">
+        <a:scrgbClr r="0" g="0" b="0"/>
+      </a:effectRef>
+      <a:fontRef idx="minor"/>
+    </dgm:style>
+  </dgm:styleLbl>
+  <dgm:styleLbl name="fgShp">
+    <dgm:scene3d>
+      <a:camera prst="orthographicFront"/>
+      <a:lightRig rig="threePt" dir="t"/>
+    </dgm:scene3d>
+    <dgm:sp3d/>
+    <dgm:txPr/>
+    <dgm:style>
+      <a:lnRef idx="2">
+        <a:scrgbClr r="0" g="0" b="0"/>
+      </a:lnRef>
+      <a:fillRef idx="1">
+        <a:scrgbClr r="0" g="0" b="0"/>
+      </a:fillRef>
+      <a:effectRef idx="0">
+        <a:scrgbClr r="0" g="0" b="0"/>
+      </a:effectRef>
+      <a:fontRef idx="minor"/>
+    </dgm:style>
+  </dgm:styleLbl>
+  <dgm:styleLbl name="revTx">
+    <dgm:scene3d>
+      <a:camera prst="orthographicFront"/>
+      <a:lightRig rig="threePt" dir="t"/>
+    </dgm:scene3d>
+    <dgm:sp3d/>
+    <dgm:txPr/>
+    <dgm:style>
+      <a:lnRef idx="0">
+        <a:scrgbClr r="0" g="0" b="0"/>
+      </a:lnRef>
+      <a:fillRef idx="0">
+        <a:scrgbClr r="0" g="0" b="0"/>
+      </a:fillRef>
+      <a:effectRef idx="0">
+        <a:scrgbClr r="0" g="0" b="0"/>
+      </a:effectRef>
+      <a:fontRef idx="minor"/>
+    </dgm:style>
+  </dgm:styleLbl>
+</dgm:styleDef>
 </file>
 
 <file path=ppt/notesMasters/notesMaster1.xml><?xml version="1.0" encoding="utf-8"?>
@@ -213,7 +6170,7 @@
           <a:p>
             <a:fld id="{6AD2753D-5B5F-479C-BD04-72EC3E4FB7B5}" type="datetimeFigureOut">
               <a:rPr lang="zh-CN" altLang="en-US" smtClean="0"/>
-              <a:t>2019/7/13</a:t>
+              <a:t>2019/7/26</a:t>
             </a:fld>
             <a:endParaRPr lang="zh-CN" altLang="en-US"/>
           </a:p>
@@ -479,90 +6436,6 @@
     </a:lvl9pPr>
   </p:notesStyle>
 </p:notesMaster>
-</file>
-
-<file path=ppt/notesSlides/notesSlide1.xml><?xml version="1.0" encoding="utf-8"?>
-<p:notes xmlns:a="http://schemas.openxmlformats.org/drawingml/2006/main" xmlns:r="http://schemas.openxmlformats.org/officeDocument/2006/relationships" xmlns:p="http://schemas.openxmlformats.org/presentationml/2006/main">
-  <p:cSld>
-    <p:spTree>
-      <p:nvGrpSpPr>
-        <p:cNvPr id="1" name=""/>
-        <p:cNvGrpSpPr/>
-        <p:nvPr/>
-      </p:nvGrpSpPr>
-      <p:grpSpPr>
-        <a:xfrm>
-          <a:off x="0" y="0"/>
-          <a:ext cx="0" cy="0"/>
-          <a:chOff x="0" y="0"/>
-          <a:chExt cx="0" cy="0"/>
-        </a:xfrm>
-      </p:grpSpPr>
-      <p:sp>
-        <p:nvSpPr>
-          <p:cNvPr id="2" name="幻灯片图像占位符 1"/>
-          <p:cNvSpPr>
-            <a:spLocks noGrp="1" noRot="1" noChangeAspect="1"/>
-          </p:cNvSpPr>
-          <p:nvPr>
-            <p:ph type="sldImg"/>
-          </p:nvPr>
-        </p:nvSpPr>
-        <p:spPr/>
-      </p:sp>
-      <p:sp>
-        <p:nvSpPr>
-          <p:cNvPr id="3" name="备注占位符 2"/>
-          <p:cNvSpPr>
-            <a:spLocks noGrp="1"/>
-          </p:cNvSpPr>
-          <p:nvPr>
-            <p:ph type="body" idx="1"/>
-          </p:nvPr>
-        </p:nvSpPr>
-        <p:spPr/>
-        <p:txBody>
-          <a:bodyPr/>
-          <a:lstStyle/>
-          <a:p>
-            <a:endParaRPr lang="zh-CN" altLang="en-US"/>
-          </a:p>
-        </p:txBody>
-      </p:sp>
-      <p:sp>
-        <p:nvSpPr>
-          <p:cNvPr id="4" name="灯片编号占位符 3"/>
-          <p:cNvSpPr>
-            <a:spLocks noGrp="1"/>
-          </p:cNvSpPr>
-          <p:nvPr>
-            <p:ph type="sldNum" sz="quarter" idx="10"/>
-          </p:nvPr>
-        </p:nvSpPr>
-        <p:spPr/>
-        <p:txBody>
-          <a:bodyPr/>
-          <a:lstStyle/>
-          <a:p>
-            <a:fld id="{5D632248-7A65-4C78-84CD-7079C1A3A124}" type="slidenum">
-              <a:rPr lang="zh-CN" altLang="en-US" smtClean="0"/>
-              <a:t>1</a:t>
-            </a:fld>
-            <a:endParaRPr lang="zh-CN" altLang="en-US"/>
-          </a:p>
-        </p:txBody>
-      </p:sp>
-    </p:spTree>
-    <p:extLst>
-      <p:ext uri="{BB962C8B-B14F-4D97-AF65-F5344CB8AC3E}">
-        <p14:creationId xmlns:p14="http://schemas.microsoft.com/office/powerpoint/2010/main" val="2678187417"/>
-      </p:ext>
-    </p:extLst>
-  </p:cSld>
-  <p:clrMapOvr>
-    <a:masterClrMapping/>
-  </p:clrMapOvr>
-</p:notes>
 </file>
 
 <file path=ppt/slideLayouts/slideLayout1.xml><?xml version="1.0" encoding="utf-8"?>
@@ -747,7 +6620,7 @@
             <a:fld id="{1D8BD707-D9CF-40AE-B4C6-C98DA3205C09}" type="datetimeFigureOut">
               <a:rPr lang="en-US" smtClean="0"/>
               <a:pPr/>
-              <a:t>7/13/2019</a:t>
+              <a:t>7/26/2019</a:t>
             </a:fld>
             <a:endParaRPr lang="en-US"/>
           </a:p>
@@ -914,7 +6787,7 @@
             <a:fld id="{1D8BD707-D9CF-40AE-B4C6-C98DA3205C09}" type="datetimeFigureOut">
               <a:rPr lang="en-US" smtClean="0"/>
               <a:pPr/>
-              <a:t>7/13/2019</a:t>
+              <a:t>7/26/2019</a:t>
             </a:fld>
             <a:endParaRPr lang="en-US"/>
           </a:p>
@@ -1091,7 +6964,7 @@
             <a:fld id="{1D8BD707-D9CF-40AE-B4C6-C98DA3205C09}" type="datetimeFigureOut">
               <a:rPr lang="en-US" smtClean="0"/>
               <a:pPr/>
-              <a:t>7/13/2019</a:t>
+              <a:t>7/26/2019</a:t>
             </a:fld>
             <a:endParaRPr lang="en-US"/>
           </a:p>
@@ -1258,7 +7131,7 @@
             <a:fld id="{1D8BD707-D9CF-40AE-B4C6-C98DA3205C09}" type="datetimeFigureOut">
               <a:rPr lang="en-US" smtClean="0"/>
               <a:pPr/>
-              <a:t>7/13/2019</a:t>
+              <a:t>7/26/2019</a:t>
             </a:fld>
             <a:endParaRPr lang="en-US"/>
           </a:p>
@@ -1501,7 +7374,7 @@
             <a:fld id="{1D8BD707-D9CF-40AE-B4C6-C98DA3205C09}" type="datetimeFigureOut">
               <a:rPr lang="en-US" smtClean="0"/>
               <a:pPr/>
-              <a:t>7/13/2019</a:t>
+              <a:t>7/26/2019</a:t>
             </a:fld>
             <a:endParaRPr lang="en-US"/>
           </a:p>
@@ -1786,7 +7659,7 @@
             <a:fld id="{1D8BD707-D9CF-40AE-B4C6-C98DA3205C09}" type="datetimeFigureOut">
               <a:rPr lang="en-US" smtClean="0"/>
               <a:pPr/>
-              <a:t>7/13/2019</a:t>
+              <a:t>7/26/2019</a:t>
             </a:fld>
             <a:endParaRPr lang="en-US"/>
           </a:p>
@@ -2205,7 +8078,7 @@
             <a:fld id="{1D8BD707-D9CF-40AE-B4C6-C98DA3205C09}" type="datetimeFigureOut">
               <a:rPr lang="en-US" smtClean="0"/>
               <a:pPr/>
-              <a:t>7/13/2019</a:t>
+              <a:t>7/26/2019</a:t>
             </a:fld>
             <a:endParaRPr lang="en-US"/>
           </a:p>
@@ -2320,7 +8193,7 @@
             <a:fld id="{1D8BD707-D9CF-40AE-B4C6-C98DA3205C09}" type="datetimeFigureOut">
               <a:rPr lang="en-US" smtClean="0"/>
               <a:pPr/>
-              <a:t>7/13/2019</a:t>
+              <a:t>7/26/2019</a:t>
             </a:fld>
             <a:endParaRPr lang="en-US"/>
           </a:p>
@@ -2412,7 +8285,7 @@
             <a:fld id="{1D8BD707-D9CF-40AE-B4C6-C98DA3205C09}" type="datetimeFigureOut">
               <a:rPr lang="en-US" smtClean="0"/>
               <a:pPr/>
-              <a:t>7/13/2019</a:t>
+              <a:t>7/26/2019</a:t>
             </a:fld>
             <a:endParaRPr lang="en-US"/>
           </a:p>
@@ -2686,7 +8559,7 @@
             <a:fld id="{1D8BD707-D9CF-40AE-B4C6-C98DA3205C09}" type="datetimeFigureOut">
               <a:rPr lang="en-US" smtClean="0"/>
               <a:pPr/>
-              <a:t>7/13/2019</a:t>
+              <a:t>7/26/2019</a:t>
             </a:fld>
             <a:endParaRPr lang="en-US"/>
           </a:p>
@@ -2936,7 +8809,7 @@
             <a:fld id="{1D8BD707-D9CF-40AE-B4C6-C98DA3205C09}" type="datetimeFigureOut">
               <a:rPr lang="en-US" smtClean="0"/>
               <a:pPr/>
-              <a:t>7/13/2019</a:t>
+              <a:t>7/26/2019</a:t>
             </a:fld>
             <a:endParaRPr lang="en-US"/>
           </a:p>
@@ -3149,7 +9022,7 @@
             <a:fld id="{1D8BD707-D9CF-40AE-B4C6-C98DA3205C09}" type="datetimeFigureOut">
               <a:rPr lang="en-US" smtClean="0"/>
               <a:pPr/>
-              <a:t>7/13/2019</a:t>
+              <a:t>7/26/2019</a:t>
             </a:fld>
             <a:endParaRPr lang="en-US"/>
           </a:p>
@@ -3506,6 +9379,44 @@
 <file path=ppt/slides/slide1.xml><?xml version="1.0" encoding="utf-8"?>
 <p:sld xmlns:a="http://schemas.openxmlformats.org/drawingml/2006/main" xmlns:r="http://schemas.openxmlformats.org/officeDocument/2006/relationships" xmlns:p="http://schemas.openxmlformats.org/presentationml/2006/main">
   <p:cSld>
+    <p:bg>
+      <p:bgPr>
+        <a:solidFill>
+          <a:srgbClr val="FF3300"/>
+        </a:solidFill>
+        <a:effectLst/>
+      </p:bgPr>
+    </p:bg>
+    <p:spTree>
+      <p:nvGrpSpPr>
+        <p:cNvPr id="1" name=""/>
+        <p:cNvGrpSpPr/>
+        <p:nvPr/>
+      </p:nvGrpSpPr>
+      <p:grpSpPr>
+        <a:xfrm>
+          <a:off x="0" y="0"/>
+          <a:ext cx="0" cy="0"/>
+          <a:chOff x="0" y="0"/>
+          <a:chExt cx="0" cy="0"/>
+        </a:xfrm>
+      </p:grpSpPr>
+    </p:spTree>
+    <p:extLst>
+      <p:ext uri="{BB962C8B-B14F-4D97-AF65-F5344CB8AC3E}">
+        <p14:creationId xmlns:p14="http://schemas.microsoft.com/office/powerpoint/2010/main" val="296503335"/>
+      </p:ext>
+    </p:extLst>
+  </p:cSld>
+  <p:clrMapOvr>
+    <a:masterClrMapping/>
+  </p:clrMapOvr>
+</p:sld>
+</file>
+
+<file path=ppt/slides/slide2.xml><?xml version="1.0" encoding="utf-8"?>
+<p:sld xmlns:a="http://schemas.openxmlformats.org/drawingml/2006/main" xmlns:r="http://schemas.openxmlformats.org/officeDocument/2006/relationships" xmlns:p="http://schemas.openxmlformats.org/presentationml/2006/main">
+  <p:cSld>
     <p:spTree>
       <p:nvGrpSpPr>
         <p:cNvPr id="1" name=""/>
@@ -3522,71 +9433,7 @@
       </p:grpSpPr>
       <p:sp>
         <p:nvSpPr>
-          <p:cNvPr id="4" name="TextBox 4"/>
-          <p:cNvSpPr txBox="1"/>
-          <p:nvPr/>
-        </p:nvSpPr>
-        <p:spPr>
-          <a:xfrm>
-            <a:off x="5588000" y="4953000"/>
-            <a:ext cx="3175000" cy="1270000"/>
-          </a:xfrm>
-          <a:prstGeom prst="rect">
-            <a:avLst/>
-          </a:prstGeom>
-        </p:spPr>
-        <p:txBody>
-          <a:bodyPr rtlCol="0" anchor="t"/>
-          <a:lstStyle/>
-          <a:p>
-            <a:pPr algn="l">
-              <a:defRPr/>
-            </a:pPr>
-            <a:endParaRPr lang="en-US" sz="1100"/>
-          </a:p>
-          <a:p>
-            <a:r>
-              <a:rPr lang="en-US" sz="2000"/>
-              <a:t>广州</a:t>
-            </a:r>
-          </a:p>
-        </p:txBody>
-      </p:sp>
-      <p:sp>
-        <p:nvSpPr>
-          <p:cNvPr id="5" name="TextBox 5"/>
-          <p:cNvSpPr txBox="1"/>
-          <p:nvPr/>
-        </p:nvSpPr>
-        <p:spPr>
-          <a:xfrm>
-            <a:off x="4426578" y="5126335"/>
-            <a:ext cx="4114800" cy="868065"/>
-          </a:xfrm>
-          <a:prstGeom prst="rect">
-            <a:avLst/>
-          </a:prstGeom>
-        </p:spPr>
-        <p:txBody>
-          <a:bodyPr rtlCol="0" anchor="t"/>
-          <a:lstStyle/>
-          <a:p>
-            <a:pPr algn="l">
-              <a:defRPr/>
-            </a:pPr>
-            <a:endParaRPr lang="en-US" sz="1100" dirty="0"/>
-          </a:p>
-          <a:p>
-            <a:r>
-              <a:rPr lang="en-US" sz="2000" dirty="0"/>
-              <a:t>2018年12月10日-2019年1月28日</a:t>
-            </a:r>
-          </a:p>
-        </p:txBody>
-      </p:sp>
-      <p:sp>
-        <p:nvSpPr>
-          <p:cNvPr id="6" name="标题 5"/>
+          <p:cNvPr id="2" name="标题 1"/>
           <p:cNvSpPr>
             <a:spLocks noGrp="1"/>
           </p:cNvSpPr>
@@ -3600,16 +9447,8 @@
           <a:lstStyle/>
           <a:p>
             <a:r>
-              <a:rPr lang="en-US" altLang="zh-CN" dirty="0" smtClean="0">
-                <a:hlinkClick r:id="rId3"/>
-              </a:rPr>
-              <a:t>Xxx</a:t>
-            </a:r>
-            <a:r>
-              <a:rPr lang="zh-CN" altLang="en-US" dirty="0" smtClean="0">
-                <a:hlinkClick r:id="rId3"/>
-              </a:rPr>
-              <a:t>大学通知</a:t>
+              <a:rPr lang="zh-CN" altLang="en-US" dirty="0" smtClean="0"/>
+              <a:t>文本测试标题</a:t>
             </a:r>
             <a:endParaRPr lang="zh-CN" altLang="en-US" dirty="0"/>
           </a:p>
@@ -3617,7 +9456,7 @@
       </p:sp>
       <p:sp>
         <p:nvSpPr>
-          <p:cNvPr id="7" name="内容占位符 6"/>
+          <p:cNvPr id="3" name="内容占位符 2"/>
           <p:cNvSpPr>
             <a:spLocks noGrp="1"/>
           </p:cNvSpPr>
@@ -3625,184 +9464,58 @@
             <p:ph idx="1"/>
           </p:nvPr>
         </p:nvSpPr>
-        <p:spPr>
-          <a:xfrm>
-            <a:off x="457200" y="1600201"/>
-            <a:ext cx="7696200" cy="2971800"/>
-          </a:xfrm>
-          <a:solidFill>
-            <a:srgbClr val="92D050"/>
-          </a:solidFill>
-        </p:spPr>
+        <p:spPr/>
         <p:txBody>
           <a:bodyPr>
-            <a:normAutofit fontScale="92500" lnSpcReduction="20000"/>
+            <a:normAutofit/>
           </a:bodyPr>
           <a:lstStyle/>
           <a:p>
-            <a:pPr indent="342900" algn="ctr">
+            <a:pPr>
               <a:lnSpc>
-                <a:spcPct val="110000"/>
+                <a:spcPct val="200000"/>
               </a:lnSpc>
+              <a:spcBef>
+                <a:spcPts val="1200"/>
+              </a:spcBef>
               <a:spcAft>
-                <a:spcPts val="1200"/>
+                <a:spcPts val="500"/>
               </a:spcAft>
             </a:pPr>
             <a:r>
-              <a:rPr lang="en-US" altLang="zh-CN" dirty="0" smtClean="0">
-                <a:hlinkClick r:id="rId4"/>
-              </a:rPr>
-              <a:t>19</a:t>
+              <a:rPr lang="zh-CN" altLang="en-US" dirty="0" smtClean="0"/>
+              <a:t>这个是含有“风靡全国”的</a:t>
             </a:r>
             <a:r>
-              <a:rPr lang="zh-CN" altLang="en-US" dirty="0" smtClean="0">
-                <a:hlinkClick r:id="rId4"/>
-              </a:rPr>
-              <a:t>级新生开学</a:t>
+              <a:rPr lang="zh-CN" altLang="en-US" dirty="0" smtClean="0"/>
+              <a:t>文本框</a:t>
             </a:r>
             <a:r>
-              <a:rPr lang="en-US" altLang="zh-CN" dirty="0" smtClean="0">
-                <a:hlinkClick r:id="rId4"/>
-              </a:rPr>
-              <a:t>…</a:t>
-            </a:r>
-            <a:endParaRPr lang="en-US" altLang="zh-CN" dirty="0" smtClean="0"/>
-          </a:p>
-          <a:p>
-            <a:pPr indent="342900" algn="ctr">
-              <a:lnSpc>
-                <a:spcPct val="110000"/>
-              </a:lnSpc>
-              <a:spcAft>
-                <a:spcPts val="1200"/>
-              </a:spcAft>
-            </a:pPr>
-            <a:r>
-              <a:rPr lang="zh-CN" altLang="zh-CN" dirty="0"/>
-              <a:t>近几年来，随着互联网络的飞速发展，我国电子商务发展的环境和条件日趋改善，网络购物正在成为一种新型的购物方式。但是，网络购物的</a:t>
+              <a:rPr lang="zh-CN" altLang="en-US" dirty="0"/>
+              <a:t>，</a:t>
             </a:r>
             <a:r>
-              <a:rPr lang="zh-CN" altLang="zh-CN" u="sng" dirty="0"/>
-              <a:t>安全问题</a:t>
-            </a:r>
-            <a:r>
-              <a:rPr lang="zh-CN" altLang="zh-CN" dirty="0"/>
-              <a:t>一直是很多人担心的焦点问题</a:t>
-            </a:r>
-            <a:r>
-              <a:rPr lang="zh-CN" altLang="zh-CN" dirty="0" smtClean="0"/>
-              <a:t>。</a:t>
+              <a:rPr lang="zh-CN" altLang="en-US" dirty="0" smtClean="0"/>
+              <a:t>测试测试测试测试测试测试测试测试测试测试测试测试测试测试</a:t>
             </a:r>
             <a:endParaRPr lang="zh-CN" altLang="en-US" dirty="0"/>
-          </a:p>
-        </p:txBody>
-      </p:sp>
-      <p:sp>
-        <p:nvSpPr>
-          <p:cNvPr id="2" name="圆角矩形 1">
-            <a:hlinkClick r:id="rId5"/>
-          </p:cNvPr>
-          <p:cNvSpPr/>
-          <p:nvPr/>
-        </p:nvSpPr>
-        <p:spPr>
-          <a:xfrm>
-            <a:off x="152400" y="5126335"/>
-            <a:ext cx="4343400" cy="1021556"/>
-          </a:xfrm>
-          <a:prstGeom prst="roundRect">
-            <a:avLst/>
-          </a:prstGeom>
-          <a:solidFill>
-            <a:srgbClr val="0070C0"/>
-          </a:solidFill>
-          <a:scene3d>
-            <a:camera prst="orthographicFront"/>
-            <a:lightRig rig="threePt" dir="t"/>
-          </a:scene3d>
-          <a:sp3d>
-            <a:bevelT w="101600" prst="riblet"/>
-          </a:sp3d>
-        </p:spPr>
-        <p:txBody>
-          <a:bodyPr wrap="square" lIns="91440" tIns="45720" rIns="91440" bIns="45720">
-            <a:spAutoFit/>
-          </a:bodyPr>
-          <a:lstStyle/>
-          <a:p>
-            <a:pPr algn="ctr"/>
-            <a:r>
-              <a:rPr lang="en-US" altLang="zh-CN" sz="5400" b="1" cap="none" spc="0" dirty="0" err="1" smtClean="0">
-                <a:ln w="18000">
-                  <a:solidFill>
-                    <a:schemeClr val="accent2">
-                      <a:satMod val="140000"/>
-                    </a:schemeClr>
-                  </a:solidFill>
-                  <a:prstDash val="solid"/>
-                  <a:miter lim="800000"/>
-                </a:ln>
-                <a:noFill/>
-                <a:effectLst>
-                  <a:outerShdw blurRad="25500" dist="23000" dir="7020000" algn="tl">
-                    <a:srgbClr val="000000">
-                      <a:alpha val="50000"/>
-                    </a:srgbClr>
-                  </a:outerShdw>
-                </a:effectLst>
-              </a:rPr>
-              <a:t>livejq</a:t>
-            </a:r>
-            <a:endParaRPr lang="zh-CN" altLang="en-US" sz="5400" b="1" cap="none" spc="0" dirty="0">
-              <a:ln w="18000">
-                <a:solidFill>
-                  <a:schemeClr val="accent2">
-                    <a:satMod val="140000"/>
-                  </a:schemeClr>
-                </a:solidFill>
-                <a:prstDash val="solid"/>
-                <a:miter lim="800000"/>
-              </a:ln>
-              <a:noFill/>
-              <a:effectLst>
-                <a:outerShdw blurRad="25500" dist="23000" dir="7020000" algn="tl">
-                  <a:srgbClr val="000000">
-                    <a:alpha val="50000"/>
-                  </a:srgbClr>
-                </a:outerShdw>
-              </a:effectLst>
-            </a:endParaRPr>
           </a:p>
         </p:txBody>
       </p:sp>
     </p:spTree>
+    <p:extLst>
+      <p:ext uri="{BB962C8B-B14F-4D97-AF65-F5344CB8AC3E}">
+        <p14:creationId xmlns:p14="http://schemas.microsoft.com/office/powerpoint/2010/main" val="738067481"/>
+      </p:ext>
+    </p:extLst>
   </p:cSld>
   <p:clrMapOvr>
     <a:masterClrMapping/>
   </p:clrMapOvr>
-  <mc:AlternateContent xmlns:mc="http://schemas.openxmlformats.org/markup-compatibility/2006" xmlns:p14="http://schemas.microsoft.com/office/powerpoint/2010/main">
-    <mc:Choice Requires="p14">
-      <p:transition spd="slow" p14:dur="800">
-        <p:circle/>
-      </p:transition>
-    </mc:Choice>
-    <mc:Fallback xmlns="">
-      <p:transition spd="slow">
-        <p:circle/>
-      </p:transition>
-    </mc:Fallback>
-  </mc:AlternateContent>
-  <p:timing>
-    <p:tnLst>
-      <p:par>
-        <p:cTn id="1" dur="indefinite" restart="never" nodeType="tmRoot"/>
-      </p:par>
-    </p:tnLst>
-  </p:timing>
 </p:sld>
 </file>
 
-<file path=ppt/slides/slide2.xml><?xml version="1.0" encoding="utf-8"?>
+<file path=ppt/slides/slide3.xml><?xml version="1.0" encoding="utf-8"?>
 <p:sld xmlns:a="http://schemas.openxmlformats.org/drawingml/2006/main" xmlns:r="http://schemas.openxmlformats.org/officeDocument/2006/relationships" xmlns:p="http://schemas.openxmlformats.org/presentationml/2006/main">
   <p:cSld>
     <p:spTree>
@@ -3899,14 +9612,14 @@
                         <a:defRPr/>
                       </a:pPr>
                       <a:r>
-                        <a:rPr lang="en-US" b="1">
+                        <a:rPr lang="en-US" b="1" dirty="0">
                           <a:solidFill>
                             <a:srgbClr val="FFFFFF"/>
                           </a:solidFill>
                         </a:rPr>
                         <a:t>Header 2</a:t>
                       </a:r>
-                      <a:endParaRPr lang="en-US" sz="1100"/>
+                      <a:endParaRPr lang="en-US" sz="1100" dirty="0"/>
                     </a:p>
                   </a:txBody>
                   <a:tcPr>
@@ -4516,7 +10229,515 @@
 </p:sld>
 </file>
 
-<file path=ppt/slides/slide3.xml><?xml version="1.0" encoding="utf-8"?>
+<file path=ppt/slides/slide4.xml><?xml version="1.0" encoding="utf-8"?>
+<p:sld xmlns:a="http://schemas.openxmlformats.org/drawingml/2006/main" xmlns:r="http://schemas.openxmlformats.org/officeDocument/2006/relationships" xmlns:p="http://schemas.openxmlformats.org/presentationml/2006/main">
+  <p:cSld>
+    <p:spTree>
+      <p:nvGrpSpPr>
+        <p:cNvPr id="1" name=""/>
+        <p:cNvGrpSpPr/>
+        <p:nvPr/>
+      </p:nvGrpSpPr>
+      <p:grpSpPr>
+        <a:xfrm>
+          <a:off x="0" y="0"/>
+          <a:ext cx="0" cy="0"/>
+          <a:chOff x="0" y="0"/>
+          <a:chExt cx="0" cy="0"/>
+        </a:xfrm>
+      </p:grpSpPr>
+      <p:sp>
+        <p:nvSpPr>
+          <p:cNvPr id="2" name="标题 1"/>
+          <p:cNvSpPr>
+            <a:spLocks noGrp="1"/>
+          </p:cNvSpPr>
+          <p:nvPr>
+            <p:ph type="title"/>
+          </p:nvPr>
+        </p:nvSpPr>
+        <p:spPr/>
+        <p:txBody>
+          <a:bodyPr/>
+          <a:lstStyle/>
+          <a:p>
+            <a:r>
+              <a:rPr lang="en-US" altLang="zh-CN" dirty="0" smtClean="0"/>
+              <a:t>SmartArt</a:t>
+            </a:r>
+            <a:r>
+              <a:rPr lang="zh-CN" altLang="en-US" dirty="0" smtClean="0"/>
+              <a:t>图形</a:t>
+            </a:r>
+            <a:endParaRPr lang="zh-CN" altLang="en-US" dirty="0"/>
+          </a:p>
+        </p:txBody>
+      </p:sp>
+      <p:graphicFrame>
+        <p:nvGraphicFramePr>
+          <p:cNvPr id="4" name="内容占位符 3"/>
+          <p:cNvGraphicFramePr>
+            <a:graphicFrameLocks noGrp="1"/>
+          </p:cNvGraphicFramePr>
+          <p:nvPr>
+            <p:ph idx="1"/>
+            <p:extLst>
+              <p:ext uri="{D42A27DB-BD31-4B8C-83A1-F6EECF244321}">
+                <p14:modId xmlns:p14="http://schemas.microsoft.com/office/powerpoint/2010/main" val="37049626"/>
+              </p:ext>
+            </p:extLst>
+          </p:nvPr>
+        </p:nvGraphicFramePr>
+        <p:xfrm>
+          <a:off x="457200" y="1600200"/>
+          <a:ext cx="8229600" cy="4525963"/>
+        </p:xfrm>
+        <a:graphic>
+          <a:graphicData uri="http://schemas.openxmlformats.org/drawingml/2006/diagram">
+            <dgm:relIds xmlns:dgm="http://schemas.openxmlformats.org/drawingml/2006/diagram" xmlns:r="http://schemas.openxmlformats.org/officeDocument/2006/relationships" r:dm="rId2" r:lo="rId3" r:qs="rId4" r:cs="rId5"/>
+          </a:graphicData>
+        </a:graphic>
+      </p:graphicFrame>
+    </p:spTree>
+    <p:extLst>
+      <p:ext uri="{BB962C8B-B14F-4D97-AF65-F5344CB8AC3E}">
+        <p14:creationId xmlns:p14="http://schemas.microsoft.com/office/powerpoint/2010/main" val="3966930138"/>
+      </p:ext>
+    </p:extLst>
+  </p:cSld>
+  <p:clrMapOvr>
+    <a:masterClrMapping/>
+  </p:clrMapOvr>
+  <p:timing>
+    <p:tnLst>
+      <p:par>
+        <p:cTn id="1" dur="indefinite" restart="never" nodeType="tmRoot"/>
+      </p:par>
+    </p:tnLst>
+  </p:timing>
+</p:sld>
+</file>
+
+<file path=ppt/slides/slide5.xml><?xml version="1.0" encoding="utf-8"?>
+<p:sld xmlns:a="http://schemas.openxmlformats.org/drawingml/2006/main" xmlns:r="http://schemas.openxmlformats.org/officeDocument/2006/relationships" xmlns:p="http://schemas.openxmlformats.org/presentationml/2006/main">
+  <p:cSld>
+    <p:spTree>
+      <p:nvGrpSpPr>
+        <p:cNvPr id="1" name=""/>
+        <p:cNvGrpSpPr/>
+        <p:nvPr/>
+      </p:nvGrpSpPr>
+      <p:grpSpPr>
+        <a:xfrm>
+          <a:off x="0" y="0"/>
+          <a:ext cx="0" cy="0"/>
+          <a:chOff x="0" y="0"/>
+          <a:chExt cx="0" cy="0"/>
+        </a:xfrm>
+      </p:grpSpPr>
+      <p:sp>
+        <p:nvSpPr>
+          <p:cNvPr id="2" name="标题 1"/>
+          <p:cNvSpPr>
+            <a:spLocks noGrp="1"/>
+          </p:cNvSpPr>
+          <p:nvPr>
+            <p:ph type="title"/>
+          </p:nvPr>
+        </p:nvSpPr>
+        <p:spPr/>
+        <p:txBody>
+          <a:bodyPr/>
+          <a:lstStyle/>
+          <a:p>
+            <a:r>
+              <a:rPr lang="en-US" altLang="zh-CN" dirty="0" err="1" smtClean="0"/>
+              <a:t>sdf</a:t>
+            </a:r>
+            <a:endParaRPr lang="zh-CN" altLang="en-US" dirty="0"/>
+          </a:p>
+        </p:txBody>
+      </p:sp>
+      <p:graphicFrame>
+        <p:nvGraphicFramePr>
+          <p:cNvPr id="4" name="内容占位符 3"/>
+          <p:cNvGraphicFramePr>
+            <a:graphicFrameLocks noGrp="1"/>
+          </p:cNvGraphicFramePr>
+          <p:nvPr>
+            <p:ph idx="1"/>
+            <p:extLst>
+              <p:ext uri="{D42A27DB-BD31-4B8C-83A1-F6EECF244321}">
+                <p14:modId xmlns:p14="http://schemas.microsoft.com/office/powerpoint/2010/main" val="3529468275"/>
+              </p:ext>
+            </p:extLst>
+          </p:nvPr>
+        </p:nvGraphicFramePr>
+        <p:xfrm>
+          <a:off x="457200" y="1600200"/>
+          <a:ext cx="8229600" cy="4525963"/>
+        </p:xfrm>
+        <a:graphic>
+          <a:graphicData uri="http://schemas.openxmlformats.org/drawingml/2006/diagram">
+            <dgm:relIds xmlns:dgm="http://schemas.openxmlformats.org/drawingml/2006/diagram" xmlns:r="http://schemas.openxmlformats.org/officeDocument/2006/relationships" r:dm="rId2" r:lo="rId3" r:qs="rId4" r:cs="rId5"/>
+          </a:graphicData>
+        </a:graphic>
+      </p:graphicFrame>
+    </p:spTree>
+    <p:extLst>
+      <p:ext uri="{BB962C8B-B14F-4D97-AF65-F5344CB8AC3E}">
+        <p14:creationId xmlns:p14="http://schemas.microsoft.com/office/powerpoint/2010/main" val="2684875726"/>
+      </p:ext>
+    </p:extLst>
+  </p:cSld>
+  <p:clrMapOvr>
+    <a:masterClrMapping/>
+  </p:clrMapOvr>
+  <p:timing>
+    <p:tnLst>
+      <p:par>
+        <p:cTn id="1" dur="indefinite" restart="never" nodeType="tmRoot">
+          <p:childTnLst>
+            <p:seq concurrent="1" nextAc="seek">
+              <p:cTn id="2" dur="indefinite" nodeType="mainSeq">
+                <p:childTnLst>
+                  <p:par>
+                    <p:cTn id="3" fill="hold">
+                      <p:stCondLst>
+                        <p:cond delay="indefinite"/>
+                      </p:stCondLst>
+                      <p:childTnLst>
+                        <p:par>
+                          <p:cTn id="4" fill="hold">
+                            <p:stCondLst>
+                              <p:cond delay="0"/>
+                            </p:stCondLst>
+                            <p:childTnLst>
+                              <p:par>
+                                <p:cTn id="5" presetID="2" presetClass="entr" presetSubtype="4" fill="hold" grpId="0" nodeType="clickEffect">
+                                  <p:stCondLst>
+                                    <p:cond delay="500"/>
+                                  </p:stCondLst>
+                                  <p:childTnLst>
+                                    <p:set>
+                                      <p:cBhvr>
+                                        <p:cTn id="6" dur="1" fill="hold">
+                                          <p:stCondLst>
+                                            <p:cond delay="0"/>
+                                          </p:stCondLst>
+                                        </p:cTn>
+                                        <p:tgtEl>
+                                          <p:spTgt spid="4"/>
+                                        </p:tgtEl>
+                                        <p:attrNameLst>
+                                          <p:attrName>style.visibility</p:attrName>
+                                        </p:attrNameLst>
+                                      </p:cBhvr>
+                                      <p:to>
+                                        <p:strVal val="visible"/>
+                                      </p:to>
+                                    </p:set>
+                                    <p:anim calcmode="lin" valueType="num">
+                                      <p:cBhvr additive="base">
+                                        <p:cTn id="7" dur="750" fill="hold"/>
+                                        <p:tgtEl>
+                                          <p:spTgt spid="4"/>
+                                        </p:tgtEl>
+                                        <p:attrNameLst>
+                                          <p:attrName>ppt_x</p:attrName>
+                                        </p:attrNameLst>
+                                      </p:cBhvr>
+                                      <p:tavLst>
+                                        <p:tav tm="0">
+                                          <p:val>
+                                            <p:strVal val="#ppt_x"/>
+                                          </p:val>
+                                        </p:tav>
+                                        <p:tav tm="100000">
+                                          <p:val>
+                                            <p:strVal val="#ppt_x"/>
+                                          </p:val>
+                                        </p:tav>
+                                      </p:tavLst>
+                                    </p:anim>
+                                    <p:anim calcmode="lin" valueType="num">
+                                      <p:cBhvr additive="base">
+                                        <p:cTn id="8" dur="750" fill="hold"/>
+                                        <p:tgtEl>
+                                          <p:spTgt spid="4"/>
+                                        </p:tgtEl>
+                                        <p:attrNameLst>
+                                          <p:attrName>ppt_y</p:attrName>
+                                        </p:attrNameLst>
+                                      </p:cBhvr>
+                                      <p:tavLst>
+                                        <p:tav tm="0">
+                                          <p:val>
+                                            <p:strVal val="1+#ppt_h/2"/>
+                                          </p:val>
+                                        </p:tav>
+                                        <p:tav tm="100000">
+                                          <p:val>
+                                            <p:strVal val="#ppt_y"/>
+                                          </p:val>
+                                        </p:tav>
+                                      </p:tavLst>
+                                    </p:anim>
+                                  </p:childTnLst>
+                                </p:cTn>
+                              </p:par>
+                            </p:childTnLst>
+                          </p:cTn>
+                        </p:par>
+                      </p:childTnLst>
+                    </p:cTn>
+                  </p:par>
+                </p:childTnLst>
+              </p:cTn>
+              <p:prevCondLst>
+                <p:cond evt="onPrev" delay="0">
+                  <p:tgtEl>
+                    <p:sldTgt/>
+                  </p:tgtEl>
+                </p:cond>
+              </p:prevCondLst>
+              <p:nextCondLst>
+                <p:cond evt="onNext" delay="0">
+                  <p:tgtEl>
+                    <p:sldTgt/>
+                  </p:tgtEl>
+                </p:cond>
+              </p:nextCondLst>
+            </p:seq>
+          </p:childTnLst>
+        </p:cTn>
+      </p:par>
+    </p:tnLst>
+    <p:bldLst>
+      <p:bldGraphic spid="4" grpId="0">
+        <p:bldAsOne/>
+      </p:bldGraphic>
+    </p:bldLst>
+  </p:timing>
+</p:sld>
+</file>
+
+<file path=ppt/slides/slide6.xml><?xml version="1.0" encoding="utf-8"?>
+<p:sld xmlns:a="http://schemas.openxmlformats.org/drawingml/2006/main" xmlns:r="http://schemas.openxmlformats.org/officeDocument/2006/relationships" xmlns:p="http://schemas.openxmlformats.org/presentationml/2006/main">
+  <p:cSld>
+    <p:spTree>
+      <p:nvGrpSpPr>
+        <p:cNvPr id="1" name=""/>
+        <p:cNvGrpSpPr/>
+        <p:nvPr/>
+      </p:nvGrpSpPr>
+      <p:grpSpPr>
+        <a:xfrm>
+          <a:off x="0" y="0"/>
+          <a:ext cx="0" cy="0"/>
+          <a:chOff x="0" y="0"/>
+          <a:chExt cx="0" cy="0"/>
+        </a:xfrm>
+      </p:grpSpPr>
+      <p:sp>
+        <p:nvSpPr>
+          <p:cNvPr id="2" name="标题 1"/>
+          <p:cNvSpPr>
+            <a:spLocks noGrp="1"/>
+          </p:cNvSpPr>
+          <p:nvPr>
+            <p:ph type="title"/>
+          </p:nvPr>
+        </p:nvSpPr>
+        <p:spPr/>
+        <p:txBody>
+          <a:bodyPr/>
+          <a:lstStyle/>
+          <a:p>
+            <a:r>
+              <a:rPr lang="en-US" altLang="zh-CN" dirty="0" smtClean="0"/>
+              <a:t>Test1</a:t>
+            </a:r>
+            <a:endParaRPr lang="zh-CN" altLang="en-US" dirty="0"/>
+          </a:p>
+        </p:txBody>
+      </p:sp>
+      <p:sp>
+        <p:nvSpPr>
+          <p:cNvPr id="4" name="文本占位符 3"/>
+          <p:cNvSpPr>
+            <a:spLocks noGrp="1"/>
+          </p:cNvSpPr>
+          <p:nvPr>
+            <p:ph type="body" sz="half" idx="2"/>
+          </p:nvPr>
+        </p:nvSpPr>
+        <p:spPr/>
+        <p:txBody>
+          <a:bodyPr/>
+          <a:lstStyle/>
+          <a:p>
+            <a:r>
+              <a:rPr lang="en-US" altLang="zh-CN" dirty="0" smtClean="0"/>
+              <a:t>Test2</a:t>
+            </a:r>
+            <a:endParaRPr lang="zh-CN" altLang="en-US" dirty="0"/>
+          </a:p>
+        </p:txBody>
+      </p:sp>
+      <p:pic>
+        <p:nvPicPr>
+          <p:cNvPr id="9" name="图片占位符 8"/>
+          <p:cNvPicPr>
+            <a:picLocks noGrp="1" noChangeAspect="1"/>
+          </p:cNvPicPr>
+          <p:nvPr>
+            <p:ph type="pic" idx="1"/>
+          </p:nvPr>
+        </p:nvPicPr>
+        <p:blipFill>
+          <a:blip r:embed="rId2">
+            <a:extLst>
+              <a:ext uri="{28A0092B-C50C-407E-A947-70E740481C1C}">
+                <a14:useLocalDpi xmlns:a14="http://schemas.microsoft.com/office/drawing/2010/main" val="0"/>
+              </a:ext>
+            </a:extLst>
+          </a:blip>
+          <a:srcRect l="7371" r="7371"/>
+          <a:stretch>
+            <a:fillRect/>
+          </a:stretch>
+        </p:blipFill>
+        <p:spPr/>
+      </p:pic>
+    </p:spTree>
+    <p:extLst>
+      <p:ext uri="{BB962C8B-B14F-4D97-AF65-F5344CB8AC3E}">
+        <p14:creationId xmlns:p14="http://schemas.microsoft.com/office/powerpoint/2010/main" val="3429352555"/>
+      </p:ext>
+    </p:extLst>
+  </p:cSld>
+  <p:clrMapOvr>
+    <a:masterClrMapping/>
+  </p:clrMapOvr>
+  <p:timing>
+    <p:tnLst>
+      <p:par>
+        <p:cTn id="1" dur="indefinite" restart="never" nodeType="tmRoot"/>
+      </p:par>
+    </p:tnLst>
+  </p:timing>
+</p:sld>
+</file>
+
+<file path=ppt/slides/slide7.xml><?xml version="1.0" encoding="utf-8"?>
+<p:sld xmlns:a="http://schemas.openxmlformats.org/drawingml/2006/main" xmlns:r="http://schemas.openxmlformats.org/officeDocument/2006/relationships" xmlns:p="http://schemas.openxmlformats.org/presentationml/2006/main">
+  <p:cSld>
+    <p:spTree>
+      <p:nvGrpSpPr>
+        <p:cNvPr id="1" name=""/>
+        <p:cNvGrpSpPr/>
+        <p:nvPr/>
+      </p:nvGrpSpPr>
+      <p:grpSpPr>
+        <a:xfrm>
+          <a:off x="0" y="0"/>
+          <a:ext cx="0" cy="0"/>
+          <a:chOff x="0" y="0"/>
+          <a:chExt cx="0" cy="0"/>
+        </a:xfrm>
+      </p:grpSpPr>
+      <p:sp>
+        <p:nvSpPr>
+          <p:cNvPr id="2" name="标题 1"/>
+          <p:cNvSpPr>
+            <a:spLocks noGrp="1"/>
+          </p:cNvSpPr>
+          <p:nvPr>
+            <p:ph type="title"/>
+          </p:nvPr>
+        </p:nvSpPr>
+        <p:spPr/>
+        <p:txBody>
+          <a:bodyPr/>
+          <a:lstStyle/>
+          <a:p>
+            <a:r>
+              <a:rPr lang="en-US" altLang="zh-CN" dirty="0" smtClean="0"/>
+              <a:t>Demo</a:t>
+            </a:r>
+            <a:endParaRPr lang="zh-CN" altLang="en-US" dirty="0"/>
+          </a:p>
+        </p:txBody>
+      </p:sp>
+      <p:pic>
+        <p:nvPicPr>
+          <p:cNvPr id="5" name="内容占位符 4"/>
+          <p:cNvPicPr>
+            <a:picLocks noGrp="1" noChangeAspect="1"/>
+          </p:cNvPicPr>
+          <p:nvPr>
+            <p:ph sz="half" idx="1"/>
+          </p:nvPr>
+        </p:nvPicPr>
+        <p:blipFill>
+          <a:blip r:embed="rId2">
+            <a:extLst>
+              <a:ext uri="{28A0092B-C50C-407E-A947-70E740481C1C}">
+                <a14:useLocalDpi xmlns:a14="http://schemas.microsoft.com/office/drawing/2010/main" val="0"/>
+              </a:ext>
+            </a:extLst>
+          </a:blip>
+          <a:stretch>
+            <a:fillRect/>
+          </a:stretch>
+        </p:blipFill>
+        <p:spPr>
+          <a:xfrm>
+            <a:off x="457200" y="1843881"/>
+            <a:ext cx="4038600" cy="4038600"/>
+          </a:xfrm>
+        </p:spPr>
+      </p:pic>
+      <p:graphicFrame>
+        <p:nvGraphicFramePr>
+          <p:cNvPr id="6" name="内容占位符 5"/>
+          <p:cNvGraphicFramePr>
+            <a:graphicFrameLocks noGrp="1"/>
+          </p:cNvGraphicFramePr>
+          <p:nvPr>
+            <p:ph sz="half" idx="2"/>
+            <p:extLst>
+              <p:ext uri="{D42A27DB-BD31-4B8C-83A1-F6EECF244321}">
+                <p14:modId xmlns:p14="http://schemas.microsoft.com/office/powerpoint/2010/main" val="3014902279"/>
+              </p:ext>
+            </p:extLst>
+          </p:nvPr>
+        </p:nvGraphicFramePr>
+        <p:xfrm>
+          <a:off x="4648200" y="1600200"/>
+          <a:ext cx="4038600" cy="4525963"/>
+        </p:xfrm>
+        <a:graphic>
+          <a:graphicData uri="http://schemas.openxmlformats.org/drawingml/2006/chart">
+            <c:chart xmlns:c="http://schemas.openxmlformats.org/drawingml/2006/chart" xmlns:r="http://schemas.openxmlformats.org/officeDocument/2006/relationships" r:id="rId3"/>
+          </a:graphicData>
+        </a:graphic>
+      </p:graphicFrame>
+    </p:spTree>
+    <p:extLst>
+      <p:ext uri="{BB962C8B-B14F-4D97-AF65-F5344CB8AC3E}">
+        <p14:creationId xmlns:p14="http://schemas.microsoft.com/office/powerpoint/2010/main" val="3520931468"/>
+      </p:ext>
+    </p:extLst>
+  </p:cSld>
+  <p:clrMapOvr>
+    <a:masterClrMapping/>
+  </p:clrMapOvr>
+</p:sld>
+</file>
+
+<file path=ppt/slides/slide8.xml><?xml version="1.0" encoding="utf-8"?>
 <p:sld xmlns:a="http://schemas.openxmlformats.org/drawingml/2006/main" xmlns:r="http://schemas.openxmlformats.org/officeDocument/2006/relationships" xmlns:p="http://schemas.openxmlformats.org/presentationml/2006/main">
   <p:cSld>
     <p:spTree>
@@ -4722,7 +10943,7 @@
 </p:sld>
 </file>
 
-<file path=ppt/slides/slide4.xml><?xml version="1.0" encoding="utf-8"?>
+<file path=ppt/slides/slide9.xml><?xml version="1.0" encoding="utf-8"?>
 <p:sld xmlns:a="http://schemas.openxmlformats.org/drawingml/2006/main" xmlns:r="http://schemas.openxmlformats.org/officeDocument/2006/relationships" xmlns:p="http://schemas.openxmlformats.org/presentationml/2006/main">
   <p:cSld>
     <p:spTree>
